--- a/Презентация на защиту.pptx
+++ b/Презентация на защиту.pptx
@@ -1,14 +1,22 @@
 
 <file path=ppt/presentation.xml><?xml version="1.0" encoding="utf-8"?>
-<p:presentation xmlns:a="http://schemas.openxmlformats.org/drawingml/2006/main" xmlns:r="http://schemas.openxmlformats.org/officeDocument/2006/relationships" xmlns:p="http://schemas.openxmlformats.org/presentationml/2006/main" saveSubsetFonts="1">
+<p:presentation xmlns:a="http://schemas.openxmlformats.org/drawingml/2006/main" xmlns:r="http://schemas.openxmlformats.org/officeDocument/2006/relationships" xmlns:p="http://schemas.openxmlformats.org/presentationml/2006/main" showSpecialPlsOnTitleSld="0" saveSubsetFonts="1">
   <p:sldMasterIdLst>
     <p:sldMasterId id="2147483648" r:id="rId1"/>
   </p:sldMasterIdLst>
   <p:notesMasterIdLst>
-    <p:notesMasterId r:id="rId3"/>
+    <p:notesMasterId r:id="rId11"/>
   </p:notesMasterIdLst>
   <p:sldIdLst>
     <p:sldId id="256" r:id="rId2"/>
+    <p:sldId id="257" r:id="rId3"/>
+    <p:sldId id="258" r:id="rId4"/>
+    <p:sldId id="259" r:id="rId5"/>
+    <p:sldId id="260" r:id="rId6"/>
+    <p:sldId id="261" r:id="rId7"/>
+    <p:sldId id="262" r:id="rId8"/>
+    <p:sldId id="263" r:id="rId9"/>
+    <p:sldId id="264" r:id="rId10"/>
   </p:sldIdLst>
   <p:sldSz cx="12192000" cy="6858000"/>
   <p:notesSz cx="6858000" cy="9144000"/>
@@ -107,6 +115,11 @@
       </a:defRPr>
     </a:lvl9pPr>
   </p:defaultTextStyle>
+  <p:extLst>
+    <p:ext uri="{EFAFB233-063F-42B5-8137-9DF3F51BA10A}">
+      <p15:sldGuideLst xmlns:p15="http://schemas.microsoft.com/office/powerpoint/2012/main"/>
+    </p:ext>
+  </p:extLst>
 </p:presentation>
 </file>
 
@@ -192,7 +205,7 @@
           <a:p>
             <a:fld id="{D5526772-DCC0-45D8-B4E2-737E30B2F834}" type="datetimeFigureOut">
               <a:rPr lang="ru-RU" smtClean="0"/>
-              <a:t>13.06.2023</a:t>
+              <a:t>14.06.2023</a:t>
             </a:fld>
             <a:endParaRPr lang="ru-RU"/>
           </a:p>
@@ -589,9 +602,9 @@
           <a:bodyPr/>
           <a:lstStyle/>
           <a:p>
-            <a:fld id="{3FB5B2ED-1486-4C7B-BDD3-A521C2C88CBE}" type="datetimeFigureOut">
-              <a:rPr lang="ru-RU" smtClean="0"/>
-              <a:t>13.06.2023</a:t>
+            <a:fld id="{A00E2DCC-04F7-45D8-872B-F165F2F361DD}" type="datetime1">
+              <a:rPr lang="ru-RU" smtClean="0"/>
+              <a:t>14.06.2023</a:t>
             </a:fld>
             <a:endParaRPr lang="ru-RU"/>
           </a:p>
@@ -612,6 +625,10 @@
           <a:bodyPr/>
           <a:lstStyle/>
           <a:p>
+            <a:r>
+              <a:rPr lang="ru-RU" smtClean="0"/>
+              <a:t>Рязань 2023</a:t>
+            </a:r>
             <a:endParaRPr lang="ru-RU"/>
           </a:p>
         </p:txBody>
@@ -649,6 +666,13 @@
   <p:clrMapOvr>
     <a:masterClrMapping/>
   </p:clrMapOvr>
+  <p:timing>
+    <p:tnLst>
+      <p:par>
+        <p:cTn id="1" dur="indefinite" restart="never" nodeType="tmRoot"/>
+      </p:par>
+    </p:tnLst>
+  </p:timing>
 </p:sldLayout>
 </file>
 
@@ -759,9 +783,9 @@
           <a:bodyPr/>
           <a:lstStyle/>
           <a:p>
-            <a:fld id="{3FB5B2ED-1486-4C7B-BDD3-A521C2C88CBE}" type="datetimeFigureOut">
-              <a:rPr lang="ru-RU" smtClean="0"/>
-              <a:t>13.06.2023</a:t>
+            <a:fld id="{645A1532-12A0-4BCD-A6F4-048B7D1FA91D}" type="datetime1">
+              <a:rPr lang="ru-RU" smtClean="0"/>
+              <a:t>14.06.2023</a:t>
             </a:fld>
             <a:endParaRPr lang="ru-RU"/>
           </a:p>
@@ -782,6 +806,10 @@
           <a:bodyPr/>
           <a:lstStyle/>
           <a:p>
+            <a:r>
+              <a:rPr lang="ru-RU" smtClean="0"/>
+              <a:t>Рязань 2023</a:t>
+            </a:r>
             <a:endParaRPr lang="ru-RU"/>
           </a:p>
         </p:txBody>
@@ -939,9 +967,9 @@
           <a:bodyPr/>
           <a:lstStyle/>
           <a:p>
-            <a:fld id="{3FB5B2ED-1486-4C7B-BDD3-A521C2C88CBE}" type="datetimeFigureOut">
-              <a:rPr lang="ru-RU" smtClean="0"/>
-              <a:t>13.06.2023</a:t>
+            <a:fld id="{F139BC0B-8CC9-4F23-AD90-1813406921B1}" type="datetime1">
+              <a:rPr lang="ru-RU" smtClean="0"/>
+              <a:t>14.06.2023</a:t>
             </a:fld>
             <a:endParaRPr lang="ru-RU"/>
           </a:p>
@@ -962,6 +990,10 @@
           <a:bodyPr/>
           <a:lstStyle/>
           <a:p>
+            <a:r>
+              <a:rPr lang="ru-RU" smtClean="0"/>
+              <a:t>Рязань 2023</a:t>
+            </a:r>
             <a:endParaRPr lang="ru-RU"/>
           </a:p>
         </p:txBody>
@@ -1029,27 +1061,112 @@
             <p:ph type="title"/>
           </p:nvPr>
         </p:nvSpPr>
+        <p:spPr>
+          <a:xfrm>
+            <a:off x="838200" y="196684"/>
+            <a:ext cx="10515600" cy="483100"/>
+          </a:xfrm>
+        </p:spPr>
+        <p:txBody>
+          <a:bodyPr/>
+          <a:lstStyle/>
+          <a:p>
+            <a:r>
+              <a:rPr lang="ru-RU" smtClean="0"/>
+              <a:t>Образец заголовка</a:t>
+            </a:r>
+            <a:endParaRPr lang="ru-RU"/>
+          </a:p>
+        </p:txBody>
+      </p:sp>
+      <p:sp>
+        <p:nvSpPr>
+          <p:cNvPr id="3" name="Объект 2"/>
+          <p:cNvSpPr>
+            <a:spLocks noGrp="1"/>
+          </p:cNvSpPr>
+          <p:nvPr>
+            <p:ph idx="1"/>
+          </p:nvPr>
+        </p:nvSpPr>
+        <p:spPr>
+          <a:xfrm>
+            <a:off x="838200" y="848226"/>
+            <a:ext cx="10515600" cy="5328738"/>
+          </a:xfrm>
+        </p:spPr>
+        <p:txBody>
+          <a:bodyPr/>
+          <a:lstStyle/>
+          <a:p>
+            <a:pPr lvl="0"/>
+            <a:r>
+              <a:rPr lang="ru-RU" smtClean="0"/>
+              <a:t>Образец текста</a:t>
+            </a:r>
+          </a:p>
+          <a:p>
+            <a:pPr lvl="1"/>
+            <a:r>
+              <a:rPr lang="ru-RU" smtClean="0"/>
+              <a:t>Второй уровень</a:t>
+            </a:r>
+          </a:p>
+          <a:p>
+            <a:pPr lvl="2"/>
+            <a:r>
+              <a:rPr lang="ru-RU" smtClean="0"/>
+              <a:t>Третий уровень</a:t>
+            </a:r>
+          </a:p>
+          <a:p>
+            <a:pPr lvl="3"/>
+            <a:r>
+              <a:rPr lang="ru-RU" smtClean="0"/>
+              <a:t>Четвертый уровень</a:t>
+            </a:r>
+          </a:p>
+          <a:p>
+            <a:pPr lvl="4"/>
+            <a:r>
+              <a:rPr lang="ru-RU" smtClean="0"/>
+              <a:t>Пятый уровень</a:t>
+            </a:r>
+            <a:endParaRPr lang="ru-RU"/>
+          </a:p>
+        </p:txBody>
+      </p:sp>
+      <p:sp>
+        <p:nvSpPr>
+          <p:cNvPr id="4" name="Дата 3"/>
+          <p:cNvSpPr>
+            <a:spLocks noGrp="1"/>
+          </p:cNvSpPr>
+          <p:nvPr>
+            <p:ph type="dt" sz="half" idx="10"/>
+          </p:nvPr>
+        </p:nvSpPr>
         <p:spPr/>
         <p:txBody>
           <a:bodyPr/>
           <a:lstStyle/>
           <a:p>
-            <a:r>
-              <a:rPr lang="ru-RU" smtClean="0"/>
-              <a:t>Образец заголовка</a:t>
-            </a:r>
-            <a:endParaRPr lang="ru-RU"/>
-          </a:p>
-        </p:txBody>
-      </p:sp>
-      <p:sp>
-        <p:nvSpPr>
-          <p:cNvPr id="3" name="Объект 2"/>
-          <p:cNvSpPr>
-            <a:spLocks noGrp="1"/>
-          </p:cNvSpPr>
-          <p:nvPr>
-            <p:ph idx="1"/>
+            <a:fld id="{2C964A28-6EB6-4900-8EF2-833B45241E01}" type="datetime1">
+              <a:rPr lang="ru-RU" smtClean="0"/>
+              <a:t>14.06.2023</a:t>
+            </a:fld>
+            <a:endParaRPr lang="ru-RU"/>
+          </a:p>
+        </p:txBody>
+      </p:sp>
+      <p:sp>
+        <p:nvSpPr>
+          <p:cNvPr id="5" name="Нижний колонтитул 4"/>
+          <p:cNvSpPr>
+            <a:spLocks noGrp="1"/>
+          </p:cNvSpPr>
+          <p:nvPr>
+            <p:ph type="ftr" sz="quarter" idx="11"/>
           </p:nvPr>
         </p:nvSpPr>
         <p:spPr/>
@@ -1057,81 +1174,10 @@
           <a:bodyPr/>
           <a:lstStyle/>
           <a:p>
-            <a:pPr lvl="0"/>
-            <a:r>
-              <a:rPr lang="ru-RU" smtClean="0"/>
-              <a:t>Образец текста</a:t>
-            </a:r>
-          </a:p>
-          <a:p>
-            <a:pPr lvl="1"/>
-            <a:r>
-              <a:rPr lang="ru-RU" smtClean="0"/>
-              <a:t>Второй уровень</a:t>
-            </a:r>
-          </a:p>
-          <a:p>
-            <a:pPr lvl="2"/>
-            <a:r>
-              <a:rPr lang="ru-RU" smtClean="0"/>
-              <a:t>Третий уровень</a:t>
-            </a:r>
-          </a:p>
-          <a:p>
-            <a:pPr lvl="3"/>
-            <a:r>
-              <a:rPr lang="ru-RU" smtClean="0"/>
-              <a:t>Четвертый уровень</a:t>
-            </a:r>
-          </a:p>
-          <a:p>
-            <a:pPr lvl="4"/>
-            <a:r>
-              <a:rPr lang="ru-RU" smtClean="0"/>
-              <a:t>Пятый уровень</a:t>
-            </a:r>
-            <a:endParaRPr lang="ru-RU"/>
-          </a:p>
-        </p:txBody>
-      </p:sp>
-      <p:sp>
-        <p:nvSpPr>
-          <p:cNvPr id="4" name="Дата 3"/>
-          <p:cNvSpPr>
-            <a:spLocks noGrp="1"/>
-          </p:cNvSpPr>
-          <p:nvPr>
-            <p:ph type="dt" sz="half" idx="10"/>
-          </p:nvPr>
-        </p:nvSpPr>
-        <p:spPr/>
-        <p:txBody>
-          <a:bodyPr/>
-          <a:lstStyle/>
-          <a:p>
-            <a:fld id="{3FB5B2ED-1486-4C7B-BDD3-A521C2C88CBE}" type="datetimeFigureOut">
-              <a:rPr lang="ru-RU" smtClean="0"/>
-              <a:t>13.06.2023</a:t>
-            </a:fld>
-            <a:endParaRPr lang="ru-RU"/>
-          </a:p>
-        </p:txBody>
-      </p:sp>
-      <p:sp>
-        <p:nvSpPr>
-          <p:cNvPr id="5" name="Нижний колонтитул 4"/>
-          <p:cNvSpPr>
-            <a:spLocks noGrp="1"/>
-          </p:cNvSpPr>
-          <p:nvPr>
-            <p:ph type="ftr" sz="quarter" idx="11"/>
-          </p:nvPr>
-        </p:nvSpPr>
-        <p:spPr/>
-        <p:txBody>
-          <a:bodyPr/>
-          <a:lstStyle/>
-          <a:p>
+            <a:r>
+              <a:rPr lang="ru-RU" smtClean="0"/>
+              <a:t>Рязань 2023</a:t>
+            </a:r>
             <a:endParaRPr lang="ru-RU"/>
           </a:p>
         </p:txBody>
@@ -1169,6 +1215,13 @@
   <p:clrMapOvr>
     <a:masterClrMapping/>
   </p:clrMapOvr>
+  <p:timing>
+    <p:tnLst>
+      <p:par>
+        <p:cTn id="1" dur="indefinite" restart="never" nodeType="tmRoot"/>
+      </p:par>
+    </p:tnLst>
+  </p:timing>
 </p:sldLayout>
 </file>
 
@@ -1355,9 +1408,9 @@
           <a:bodyPr/>
           <a:lstStyle/>
           <a:p>
-            <a:fld id="{3FB5B2ED-1486-4C7B-BDD3-A521C2C88CBE}" type="datetimeFigureOut">
-              <a:rPr lang="ru-RU" smtClean="0"/>
-              <a:t>13.06.2023</a:t>
+            <a:fld id="{B0EF4A23-FC27-44DA-B805-26226C1A6C65}" type="datetime1">
+              <a:rPr lang="ru-RU" smtClean="0"/>
+              <a:t>14.06.2023</a:t>
             </a:fld>
             <a:endParaRPr lang="ru-RU"/>
           </a:p>
@@ -1378,6 +1431,10 @@
           <a:bodyPr/>
           <a:lstStyle/>
           <a:p>
+            <a:r>
+              <a:rPr lang="ru-RU" smtClean="0"/>
+              <a:t>Рязань 2023</a:t>
+            </a:r>
             <a:endParaRPr lang="ru-RU"/>
           </a:p>
         </p:txBody>
@@ -1587,9 +1644,9 @@
           <a:bodyPr/>
           <a:lstStyle/>
           <a:p>
-            <a:fld id="{3FB5B2ED-1486-4C7B-BDD3-A521C2C88CBE}" type="datetimeFigureOut">
-              <a:rPr lang="ru-RU" smtClean="0"/>
-              <a:t>13.06.2023</a:t>
+            <a:fld id="{0FEDD112-DC49-4948-B1B1-AFC54D721BE8}" type="datetime1">
+              <a:rPr lang="ru-RU" smtClean="0"/>
+              <a:t>14.06.2023</a:t>
             </a:fld>
             <a:endParaRPr lang="ru-RU"/>
           </a:p>
@@ -1610,6 +1667,10 @@
           <a:bodyPr/>
           <a:lstStyle/>
           <a:p>
+            <a:r>
+              <a:rPr lang="ru-RU" smtClean="0"/>
+              <a:t>Рязань 2023</a:t>
+            </a:r>
             <a:endParaRPr lang="ru-RU"/>
           </a:p>
         </p:txBody>
@@ -1954,9 +2015,9 @@
           <a:bodyPr/>
           <a:lstStyle/>
           <a:p>
-            <a:fld id="{3FB5B2ED-1486-4C7B-BDD3-A521C2C88CBE}" type="datetimeFigureOut">
-              <a:rPr lang="ru-RU" smtClean="0"/>
-              <a:t>13.06.2023</a:t>
+            <a:fld id="{802B3237-45C8-4FAE-9421-33A8A6A11757}" type="datetime1">
+              <a:rPr lang="ru-RU" smtClean="0"/>
+              <a:t>14.06.2023</a:t>
             </a:fld>
             <a:endParaRPr lang="ru-RU"/>
           </a:p>
@@ -1977,6 +2038,10 @@
           <a:bodyPr/>
           <a:lstStyle/>
           <a:p>
+            <a:r>
+              <a:rPr lang="ru-RU" smtClean="0"/>
+              <a:t>Рязань 2023</a:t>
+            </a:r>
             <a:endParaRPr lang="ru-RU"/>
           </a:p>
         </p:txBody>
@@ -2072,9 +2137,9 @@
           <a:bodyPr/>
           <a:lstStyle/>
           <a:p>
-            <a:fld id="{3FB5B2ED-1486-4C7B-BDD3-A521C2C88CBE}" type="datetimeFigureOut">
-              <a:rPr lang="ru-RU" smtClean="0"/>
-              <a:t>13.06.2023</a:t>
+            <a:fld id="{78DD6FD3-58AE-402F-8212-AF7A82FEEFF7}" type="datetime1">
+              <a:rPr lang="ru-RU" smtClean="0"/>
+              <a:t>14.06.2023</a:t>
             </a:fld>
             <a:endParaRPr lang="ru-RU"/>
           </a:p>
@@ -2095,6 +2160,10 @@
           <a:bodyPr/>
           <a:lstStyle/>
           <a:p>
+            <a:r>
+              <a:rPr lang="ru-RU" smtClean="0"/>
+              <a:t>Рязань 2023</a:t>
+            </a:r>
             <a:endParaRPr lang="ru-RU"/>
           </a:p>
         </p:txBody>
@@ -2167,9 +2236,9 @@
           <a:bodyPr/>
           <a:lstStyle/>
           <a:p>
-            <a:fld id="{3FB5B2ED-1486-4C7B-BDD3-A521C2C88CBE}" type="datetimeFigureOut">
-              <a:rPr lang="ru-RU" smtClean="0"/>
-              <a:t>13.06.2023</a:t>
+            <a:fld id="{6CCF47E5-C494-4EC5-8269-FC26817964C2}" type="datetime1">
+              <a:rPr lang="ru-RU" smtClean="0"/>
+              <a:t>14.06.2023</a:t>
             </a:fld>
             <a:endParaRPr lang="ru-RU"/>
           </a:p>
@@ -2190,6 +2259,10 @@
           <a:bodyPr/>
           <a:lstStyle/>
           <a:p>
+            <a:r>
+              <a:rPr lang="ru-RU" smtClean="0"/>
+              <a:t>Рязань 2023</a:t>
+            </a:r>
             <a:endParaRPr lang="ru-RU"/>
           </a:p>
         </p:txBody>
@@ -2444,9 +2517,9 @@
           <a:bodyPr/>
           <a:lstStyle/>
           <a:p>
-            <a:fld id="{3FB5B2ED-1486-4C7B-BDD3-A521C2C88CBE}" type="datetimeFigureOut">
-              <a:rPr lang="ru-RU" smtClean="0"/>
-              <a:t>13.06.2023</a:t>
+            <a:fld id="{28089802-AD90-4604-B091-A638692F8CDB}" type="datetime1">
+              <a:rPr lang="ru-RU" smtClean="0"/>
+              <a:t>14.06.2023</a:t>
             </a:fld>
             <a:endParaRPr lang="ru-RU"/>
           </a:p>
@@ -2467,6 +2540,10 @@
           <a:bodyPr/>
           <a:lstStyle/>
           <a:p>
+            <a:r>
+              <a:rPr lang="ru-RU" smtClean="0"/>
+              <a:t>Рязань 2023</a:t>
+            </a:r>
             <a:endParaRPr lang="ru-RU"/>
           </a:p>
         </p:txBody>
@@ -2697,9 +2774,9 @@
           <a:bodyPr/>
           <a:lstStyle/>
           <a:p>
-            <a:fld id="{3FB5B2ED-1486-4C7B-BDD3-A521C2C88CBE}" type="datetimeFigureOut">
-              <a:rPr lang="ru-RU" smtClean="0"/>
-              <a:t>13.06.2023</a:t>
+            <a:fld id="{1695A7BA-5551-40CE-A4A5-7A02EC8AE296}" type="datetime1">
+              <a:rPr lang="ru-RU" smtClean="0"/>
+              <a:t>14.06.2023</a:t>
             </a:fld>
             <a:endParaRPr lang="ru-RU"/>
           </a:p>
@@ -2720,6 +2797,10 @@
           <a:bodyPr/>
           <a:lstStyle/>
           <a:p>
+            <a:r>
+              <a:rPr lang="ru-RU" smtClean="0"/>
+              <a:t>Рязань 2023</a:t>
+            </a:r>
             <a:endParaRPr lang="ru-RU"/>
           </a:p>
         </p:txBody>
@@ -2808,10 +2889,10 @@
           <a:lstStyle/>
           <a:p>
             <a:r>
-              <a:rPr lang="ru-RU" smtClean="0"/>
+              <a:rPr lang="ru-RU" dirty="0" smtClean="0"/>
               <a:t>Образец заголовка</a:t>
             </a:r>
-            <a:endParaRPr lang="ru-RU"/>
+            <a:endParaRPr lang="ru-RU" dirty="0"/>
           </a:p>
         </p:txBody>
       </p:sp>
@@ -2910,9 +2991,9 @@
             </a:lvl1pPr>
           </a:lstStyle>
           <a:p>
-            <a:fld id="{3FB5B2ED-1486-4C7B-BDD3-A521C2C88CBE}" type="datetimeFigureOut">
-              <a:rPr lang="ru-RU" smtClean="0"/>
-              <a:t>13.06.2023</a:t>
+            <a:fld id="{0C26646F-875A-4600-AD12-4B4062D70927}" type="datetime1">
+              <a:rPr lang="ru-RU" smtClean="0"/>
+              <a:t>14.06.2023</a:t>
             </a:fld>
             <a:endParaRPr lang="ru-RU"/>
           </a:p>
@@ -2951,6 +3032,10 @@
             </a:lvl1pPr>
           </a:lstStyle>
           <a:p>
+            <a:r>
+              <a:rPr lang="ru-RU" smtClean="0"/>
+              <a:t>Рязань 2023</a:t>
+            </a:r>
             <a:endParaRPr lang="ru-RU"/>
           </a:p>
         </p:txBody>
@@ -2978,7 +3063,7 @@
           <a:bodyPr vert="horz" lIns="91440" tIns="45720" rIns="91440" bIns="45720" rtlCol="0" anchor="ctr"/>
           <a:lstStyle>
             <a:lvl1pPr algn="r">
-              <a:defRPr sz="1200">
+              <a:defRPr sz="1400">
                 <a:solidFill>
                   <a:schemeClr val="tx1">
                     <a:tint val="75000"/>
@@ -2990,6 +3075,7 @@
           <a:p>
             <a:fld id="{04CAF7D5-9938-48A5-AE25-C5227D7796EA}" type="slidenum">
               <a:rPr lang="ru-RU" smtClean="0"/>
+              <a:pPr/>
               <a:t>‹#›</a:t>
             </a:fld>
             <a:endParaRPr lang="ru-RU"/>
@@ -3017,6 +3103,14 @@
     <p:sldLayoutId id="2147483658" r:id="rId10"/>
     <p:sldLayoutId id="2147483659" r:id="rId11"/>
   </p:sldLayoutIdLst>
+  <p:timing>
+    <p:tnLst>
+      <p:par>
+        <p:cTn id="1" dur="indefinite" restart="never" nodeType="tmRoot"/>
+      </p:par>
+    </p:tnLst>
+  </p:timing>
+  <p:hf hdr="0" ftr="0" dt="0"/>
   <p:txStyles>
     <p:titleStyle>
       <a:lvl1pPr algn="l" defTabSz="914400" rtl="0" eaLnBrk="1" latinLnBrk="0" hangingPunct="1">
@@ -3027,7 +3121,7 @@
           <a:spcPct val="0"/>
         </a:spcBef>
         <a:buNone/>
-        <a:defRPr sz="4400" kern="1200">
+        <a:defRPr sz="3200" b="1" kern="1200">
           <a:solidFill>
             <a:schemeClr val="tx1"/>
           </a:solidFill>
@@ -3319,46 +3413,6 @@
       </p:grpSpPr>
       <p:sp>
         <p:nvSpPr>
-          <p:cNvPr id="16" name="Нижний колонтитул 15"/>
-          <p:cNvSpPr>
-            <a:spLocks noGrp="1"/>
-          </p:cNvSpPr>
-          <p:nvPr>
-            <p:ph type="ftr" sz="quarter" idx="11"/>
-          </p:nvPr>
-        </p:nvSpPr>
-        <p:spPr>
-          <a:xfrm>
-            <a:off x="4038600" y="6175196"/>
-            <a:ext cx="4114800" cy="365125"/>
-          </a:xfrm>
-        </p:spPr>
-        <p:txBody>
-          <a:bodyPr/>
-          <a:lstStyle/>
-          <a:p>
-            <a:r>
-              <a:rPr lang="ru-RU" sz="1800" dirty="0" smtClean="0">
-                <a:solidFill>
-                  <a:schemeClr val="tx1"/>
-                </a:solidFill>
-                <a:latin typeface="Times New Roman" panose="02020603050405020304" pitchFamily="18" charset="0"/>
-                <a:cs typeface="Times New Roman" panose="02020603050405020304" pitchFamily="18" charset="0"/>
-              </a:rPr>
-              <a:t>Рязань 2023</a:t>
-            </a:r>
-            <a:endParaRPr lang="ru-RU" sz="1800" dirty="0">
-              <a:solidFill>
-                <a:schemeClr val="tx1"/>
-              </a:solidFill>
-              <a:latin typeface="Times New Roman" panose="02020603050405020304" pitchFamily="18" charset="0"/>
-              <a:cs typeface="Times New Roman" panose="02020603050405020304" pitchFamily="18" charset="0"/>
-            </a:endParaRPr>
-          </a:p>
-        </p:txBody>
-      </p:sp>
-      <p:sp>
-        <p:nvSpPr>
           <p:cNvPr id="17" name="TextBox 16"/>
           <p:cNvSpPr txBox="1"/>
           <p:nvPr/>
@@ -3532,10 +3586,1918 @@
           </a:p>
         </p:txBody>
       </p:sp>
+      <p:sp>
+        <p:nvSpPr>
+          <p:cNvPr id="8" name="TextBox 7"/>
+          <p:cNvSpPr txBox="1"/>
+          <p:nvPr/>
+        </p:nvSpPr>
+        <p:spPr>
+          <a:xfrm>
+            <a:off x="5419757" y="6175196"/>
+            <a:ext cx="1352486" cy="369332"/>
+          </a:xfrm>
+          <a:prstGeom prst="rect">
+            <a:avLst/>
+          </a:prstGeom>
+          <a:noFill/>
+        </p:spPr>
+        <p:txBody>
+          <a:bodyPr wrap="none" rtlCol="0">
+            <a:spAutoFit/>
+          </a:bodyPr>
+          <a:lstStyle/>
+          <a:p>
+            <a:pPr algn="ctr"/>
+            <a:r>
+              <a:rPr lang="ru-RU" dirty="0" smtClean="0"/>
+              <a:t>Рязань 2023</a:t>
+            </a:r>
+            <a:endParaRPr lang="ru-RU" dirty="0"/>
+          </a:p>
+        </p:txBody>
+      </p:sp>
     </p:spTree>
     <p:extLst>
       <p:ext uri="{BB962C8B-B14F-4D97-AF65-F5344CB8AC3E}">
         <p14:creationId xmlns:p14="http://schemas.microsoft.com/office/powerpoint/2010/main" val="1094445362"/>
+      </p:ext>
+    </p:extLst>
+  </p:cSld>
+  <p:clrMapOvr>
+    <a:masterClrMapping/>
+  </p:clrMapOvr>
+  <p:timing>
+    <p:tnLst>
+      <p:par>
+        <p:cTn id="1" dur="indefinite" restart="never" nodeType="tmRoot"/>
+      </p:par>
+    </p:tnLst>
+  </p:timing>
+</p:sld>
+</file>
+
+<file path=ppt/slides/slide2.xml><?xml version="1.0" encoding="utf-8"?>
+<p:sld xmlns:a="http://schemas.openxmlformats.org/drawingml/2006/main" xmlns:r="http://schemas.openxmlformats.org/officeDocument/2006/relationships" xmlns:p="http://schemas.openxmlformats.org/presentationml/2006/main">
+  <p:cSld>
+    <p:spTree>
+      <p:nvGrpSpPr>
+        <p:cNvPr id="1" name=""/>
+        <p:cNvGrpSpPr/>
+        <p:nvPr/>
+      </p:nvGrpSpPr>
+      <p:grpSpPr>
+        <a:xfrm>
+          <a:off x="0" y="0"/>
+          <a:ext cx="0" cy="0"/>
+          <a:chOff x="0" y="0"/>
+          <a:chExt cx="0" cy="0"/>
+        </a:xfrm>
+      </p:grpSpPr>
+      <p:sp>
+        <p:nvSpPr>
+          <p:cNvPr id="2" name="Заголовок 1"/>
+          <p:cNvSpPr>
+            <a:spLocks noGrp="1"/>
+          </p:cNvSpPr>
+          <p:nvPr>
+            <p:ph type="title"/>
+          </p:nvPr>
+        </p:nvSpPr>
+        <p:spPr/>
+        <p:txBody>
+          <a:bodyPr>
+            <a:normAutofit fontScale="90000"/>
+          </a:bodyPr>
+          <a:lstStyle/>
+          <a:p>
+            <a:r>
+              <a:rPr lang="ru-RU" dirty="0" smtClean="0"/>
+              <a:t>Цель работы, задачи</a:t>
+            </a:r>
+            <a:endParaRPr lang="ru-RU" dirty="0"/>
+          </a:p>
+        </p:txBody>
+      </p:sp>
+      <p:sp>
+        <p:nvSpPr>
+          <p:cNvPr id="3" name="Объект 2"/>
+          <p:cNvSpPr>
+            <a:spLocks noGrp="1"/>
+          </p:cNvSpPr>
+          <p:nvPr>
+            <p:ph idx="1"/>
+          </p:nvPr>
+        </p:nvSpPr>
+        <p:spPr/>
+        <p:txBody>
+          <a:bodyPr/>
+          <a:lstStyle/>
+          <a:p>
+            <a:pPr marL="0" indent="0">
+              <a:buNone/>
+            </a:pPr>
+            <a:r>
+              <a:rPr lang="ru-RU" dirty="0" smtClean="0"/>
+              <a:t>Цель – разработать инструмент для автоматизации создания </a:t>
+            </a:r>
+            <a:r>
+              <a:rPr lang="ru-RU" dirty="0"/>
+              <a:t>распознавателей регулярного </a:t>
+            </a:r>
+            <a:r>
+              <a:rPr lang="ru-RU" dirty="0" smtClean="0"/>
+              <a:t>языка</a:t>
+            </a:r>
+          </a:p>
+          <a:p>
+            <a:pPr marL="0" indent="0">
+              <a:buNone/>
+            </a:pPr>
+            <a:r>
+              <a:rPr lang="ru-RU" dirty="0" smtClean="0"/>
+              <a:t>Задачи:</a:t>
+            </a:r>
+          </a:p>
+          <a:p>
+            <a:r>
+              <a:rPr lang="ru-RU" dirty="0" smtClean="0"/>
+              <a:t>обзор существующих инструментов, анализ возможности их внедрения в учебный процесс;</a:t>
+            </a:r>
+          </a:p>
+          <a:p>
+            <a:r>
+              <a:rPr lang="ru-RU" dirty="0" smtClean="0"/>
+              <a:t>определение </a:t>
+            </a:r>
+            <a:r>
+              <a:rPr lang="ru-RU" dirty="0"/>
+              <a:t>требований к </a:t>
+            </a:r>
+            <a:r>
+              <a:rPr lang="ru-RU" dirty="0" smtClean="0"/>
+              <a:t>программной системе;</a:t>
+            </a:r>
+            <a:endParaRPr lang="ru-RU" dirty="0"/>
+          </a:p>
+          <a:p>
+            <a:r>
+              <a:rPr lang="ru-RU" dirty="0" smtClean="0"/>
+              <a:t>разработка </a:t>
+            </a:r>
+            <a:r>
+              <a:rPr lang="ru-RU" dirty="0"/>
+              <a:t>алгоритмов </a:t>
+            </a:r>
+            <a:r>
+              <a:rPr lang="ru-RU" dirty="0" smtClean="0"/>
+              <a:t>генерации выходного кода;</a:t>
+            </a:r>
+            <a:endParaRPr lang="ru-RU" dirty="0"/>
+          </a:p>
+          <a:p>
+            <a:r>
+              <a:rPr lang="ru-RU" dirty="0" smtClean="0"/>
+              <a:t>продумывание </a:t>
+            </a:r>
+            <a:r>
+              <a:rPr lang="ru-RU" dirty="0"/>
+              <a:t>возможностей по обеспечению </a:t>
+            </a:r>
+            <a:r>
+              <a:rPr lang="ru-RU" dirty="0" smtClean="0"/>
+              <a:t>расширяемости </a:t>
+            </a:r>
+            <a:r>
+              <a:rPr lang="ru-RU" dirty="0"/>
+              <a:t>системы;</a:t>
+            </a:r>
+          </a:p>
+          <a:p>
+            <a:r>
+              <a:rPr lang="ru-RU" dirty="0" smtClean="0"/>
+              <a:t>написание </a:t>
+            </a:r>
+            <a:r>
+              <a:rPr lang="ru-RU" dirty="0"/>
+              <a:t>детальной программной документации.</a:t>
+            </a:r>
+          </a:p>
+          <a:p>
+            <a:endParaRPr lang="ru-RU" dirty="0"/>
+          </a:p>
+        </p:txBody>
+      </p:sp>
+      <p:sp>
+        <p:nvSpPr>
+          <p:cNvPr id="12" name="Номер слайда 11"/>
+          <p:cNvSpPr>
+            <a:spLocks noGrp="1"/>
+          </p:cNvSpPr>
+          <p:nvPr>
+            <p:ph type="sldNum" sz="quarter" idx="12"/>
+          </p:nvPr>
+        </p:nvSpPr>
+        <p:spPr/>
+        <p:txBody>
+          <a:bodyPr/>
+          <a:lstStyle/>
+          <a:p>
+            <a:fld id="{04CAF7D5-9938-48A5-AE25-C5227D7796EA}" type="slidenum">
+              <a:rPr lang="ru-RU" smtClean="0"/>
+              <a:t>2</a:t>
+            </a:fld>
+            <a:endParaRPr lang="ru-RU" dirty="0"/>
+          </a:p>
+        </p:txBody>
+      </p:sp>
+    </p:spTree>
+    <p:extLst>
+      <p:ext uri="{BB962C8B-B14F-4D97-AF65-F5344CB8AC3E}">
+        <p14:creationId xmlns:p14="http://schemas.microsoft.com/office/powerpoint/2010/main" val="384335751"/>
+      </p:ext>
+    </p:extLst>
+  </p:cSld>
+  <p:clrMapOvr>
+    <a:masterClrMapping/>
+  </p:clrMapOvr>
+  <p:timing>
+    <p:tnLst>
+      <p:par>
+        <p:cTn id="1" dur="indefinite" restart="never" nodeType="tmRoot"/>
+      </p:par>
+    </p:tnLst>
+  </p:timing>
+</p:sld>
+</file>
+
+<file path=ppt/slides/slide3.xml><?xml version="1.0" encoding="utf-8"?>
+<p:sld xmlns:a="http://schemas.openxmlformats.org/drawingml/2006/main" xmlns:r="http://schemas.openxmlformats.org/officeDocument/2006/relationships" xmlns:p="http://schemas.openxmlformats.org/presentationml/2006/main">
+  <p:cSld>
+    <p:spTree>
+      <p:nvGrpSpPr>
+        <p:cNvPr id="1" name=""/>
+        <p:cNvGrpSpPr/>
+        <p:nvPr/>
+      </p:nvGrpSpPr>
+      <p:grpSpPr>
+        <a:xfrm>
+          <a:off x="0" y="0"/>
+          <a:ext cx="0" cy="0"/>
+          <a:chOff x="0" y="0"/>
+          <a:chExt cx="0" cy="0"/>
+        </a:xfrm>
+      </p:grpSpPr>
+      <p:sp>
+        <p:nvSpPr>
+          <p:cNvPr id="2" name="Заголовок 1"/>
+          <p:cNvSpPr>
+            <a:spLocks noGrp="1"/>
+          </p:cNvSpPr>
+          <p:nvPr>
+            <p:ph type="title"/>
+          </p:nvPr>
+        </p:nvSpPr>
+        <p:spPr/>
+        <p:txBody>
+          <a:bodyPr>
+            <a:normAutofit fontScale="90000"/>
+          </a:bodyPr>
+          <a:lstStyle/>
+          <a:p>
+            <a:r>
+              <a:rPr lang="ru-RU" dirty="0" smtClean="0"/>
+              <a:t>Актуальность разработки</a:t>
+            </a:r>
+            <a:endParaRPr lang="ru-RU" dirty="0"/>
+          </a:p>
+        </p:txBody>
+      </p:sp>
+      <p:sp>
+        <p:nvSpPr>
+          <p:cNvPr id="3" name="Объект 2"/>
+          <p:cNvSpPr>
+            <a:spLocks noGrp="1"/>
+          </p:cNvSpPr>
+          <p:nvPr>
+            <p:ph idx="1"/>
+          </p:nvPr>
+        </p:nvSpPr>
+        <p:spPr/>
+        <p:txBody>
+          <a:bodyPr/>
+          <a:lstStyle/>
+          <a:p>
+            <a:r>
+              <a:rPr lang="en-US" dirty="0" smtClean="0"/>
+              <a:t>Lex/Flex/</a:t>
+            </a:r>
+            <a:r>
+              <a:rPr lang="en-US" dirty="0" err="1" smtClean="0"/>
+              <a:t>Jflex</a:t>
+            </a:r>
+            <a:r>
+              <a:rPr lang="en-US" dirty="0" smtClean="0"/>
+              <a:t>/…</a:t>
+            </a:r>
+          </a:p>
+          <a:p>
+            <a:r>
+              <a:rPr lang="en-US" dirty="0" smtClean="0"/>
+              <a:t>ANTLR</a:t>
+            </a:r>
+          </a:p>
+          <a:p>
+            <a:r>
+              <a:rPr lang="en-US" dirty="0" err="1" smtClean="0"/>
+              <a:t>Ragel</a:t>
+            </a:r>
+            <a:endParaRPr lang="en-US" dirty="0" smtClean="0"/>
+          </a:p>
+          <a:p>
+            <a:r>
+              <a:rPr lang="en-US" dirty="0" smtClean="0"/>
+              <a:t>re2c</a:t>
+            </a:r>
+          </a:p>
+          <a:p>
+            <a:endParaRPr lang="ru-RU" dirty="0"/>
+          </a:p>
+        </p:txBody>
+      </p:sp>
+      <p:sp>
+        <p:nvSpPr>
+          <p:cNvPr id="4" name="Номер слайда 3"/>
+          <p:cNvSpPr>
+            <a:spLocks noGrp="1"/>
+          </p:cNvSpPr>
+          <p:nvPr>
+            <p:ph type="sldNum" sz="quarter" idx="12"/>
+          </p:nvPr>
+        </p:nvSpPr>
+        <p:spPr/>
+        <p:txBody>
+          <a:bodyPr/>
+          <a:lstStyle/>
+          <a:p>
+            <a:fld id="{04CAF7D5-9938-48A5-AE25-C5227D7796EA}" type="slidenum">
+              <a:rPr lang="ru-RU" smtClean="0"/>
+              <a:t>3</a:t>
+            </a:fld>
+            <a:endParaRPr lang="ru-RU"/>
+          </a:p>
+        </p:txBody>
+      </p:sp>
+      <p:graphicFrame>
+        <p:nvGraphicFramePr>
+          <p:cNvPr id="5" name="Таблица 4"/>
+          <p:cNvGraphicFramePr>
+            <a:graphicFrameLocks noGrp="1"/>
+          </p:cNvGraphicFramePr>
+          <p:nvPr>
+            <p:extLst>
+              <p:ext uri="{D42A27DB-BD31-4B8C-83A1-F6EECF244321}">
+                <p14:modId xmlns:p14="http://schemas.microsoft.com/office/powerpoint/2010/main" val="2963176544"/>
+              </p:ext>
+            </p:extLst>
+          </p:nvPr>
+        </p:nvGraphicFramePr>
+        <p:xfrm>
+          <a:off x="2032000" y="719666"/>
+          <a:ext cx="8128000" cy="1381760"/>
+        </p:xfrm>
+        <a:graphic>
+          <a:graphicData uri="http://schemas.openxmlformats.org/drawingml/2006/table">
+            <a:tbl>
+              <a:tblPr firstRow="1" bandRow="1">
+                <a:tableStyleId>{5C22544A-7EE6-4342-B048-85BDC9FD1C3A}</a:tableStyleId>
+              </a:tblPr>
+              <a:tblGrid>
+                <a:gridCol w="1625600">
+                  <a:extLst>
+                    <a:ext uri="{9D8B030D-6E8A-4147-A177-3AD203B41FA5}">
+                      <a16:colId xmlns:a16="http://schemas.microsoft.com/office/drawing/2014/main" val="2781536198"/>
+                    </a:ext>
+                  </a:extLst>
+                </a:gridCol>
+                <a:gridCol w="1625600">
+                  <a:extLst>
+                    <a:ext uri="{9D8B030D-6E8A-4147-A177-3AD203B41FA5}">
+                      <a16:colId xmlns:a16="http://schemas.microsoft.com/office/drawing/2014/main" val="432333112"/>
+                    </a:ext>
+                  </a:extLst>
+                </a:gridCol>
+                <a:gridCol w="1625600">
+                  <a:extLst>
+                    <a:ext uri="{9D8B030D-6E8A-4147-A177-3AD203B41FA5}">
+                      <a16:colId xmlns:a16="http://schemas.microsoft.com/office/drawing/2014/main" val="2535420866"/>
+                    </a:ext>
+                  </a:extLst>
+                </a:gridCol>
+                <a:gridCol w="1625600">
+                  <a:extLst>
+                    <a:ext uri="{9D8B030D-6E8A-4147-A177-3AD203B41FA5}">
+                      <a16:colId xmlns:a16="http://schemas.microsoft.com/office/drawing/2014/main" val="725023131"/>
+                    </a:ext>
+                  </a:extLst>
+                </a:gridCol>
+                <a:gridCol w="1625600">
+                  <a:extLst>
+                    <a:ext uri="{9D8B030D-6E8A-4147-A177-3AD203B41FA5}">
+                      <a16:colId xmlns:a16="http://schemas.microsoft.com/office/drawing/2014/main" val="4026909777"/>
+                    </a:ext>
+                  </a:extLst>
+                </a:gridCol>
+              </a:tblGrid>
+              <a:tr h="370840">
+                <a:tc>
+                  <a:txBody>
+                    <a:bodyPr/>
+                    <a:lstStyle/>
+                    <a:p>
+                      <a:endParaRPr lang="ru-RU" dirty="0">
+                        <a:solidFill>
+                          <a:schemeClr val="tx1"/>
+                        </a:solidFill>
+                      </a:endParaRPr>
+                    </a:p>
+                  </a:txBody>
+                  <a:tcPr>
+                    <a:lnL w="12700" cap="flat" cmpd="sng" algn="ctr">
+                      <a:solidFill>
+                        <a:schemeClr val="tx1"/>
+                      </a:solidFill>
+                      <a:prstDash val="solid"/>
+                      <a:round/>
+                      <a:headEnd type="none" w="med" len="med"/>
+                      <a:tailEnd type="none" w="med" len="med"/>
+                    </a:lnL>
+                    <a:lnR w="12700" cap="flat" cmpd="sng" algn="ctr">
+                      <a:solidFill>
+                        <a:schemeClr val="tx1"/>
+                      </a:solidFill>
+                      <a:prstDash val="solid"/>
+                      <a:round/>
+                      <a:headEnd type="none" w="med" len="med"/>
+                      <a:tailEnd type="none" w="med" len="med"/>
+                    </a:lnR>
+                    <a:lnT w="12700" cap="flat" cmpd="sng" algn="ctr">
+                      <a:solidFill>
+                        <a:schemeClr val="tx1"/>
+                      </a:solidFill>
+                      <a:prstDash val="solid"/>
+                      <a:round/>
+                      <a:headEnd type="none" w="med" len="med"/>
+                      <a:tailEnd type="none" w="med" len="med"/>
+                    </a:lnT>
+                    <a:lnB w="12700" cap="flat" cmpd="sng" algn="ctr">
+                      <a:solidFill>
+                        <a:schemeClr val="tx1"/>
+                      </a:solidFill>
+                      <a:prstDash val="solid"/>
+                      <a:round/>
+                      <a:headEnd type="none" w="med" len="med"/>
+                      <a:tailEnd type="none" w="med" len="med"/>
+                    </a:lnB>
+                    <a:noFill/>
+                  </a:tcPr>
+                </a:tc>
+                <a:tc>
+                  <a:txBody>
+                    <a:bodyPr/>
+                    <a:lstStyle/>
+                    <a:p>
+                      <a:r>
+                        <a:rPr lang="en-US" dirty="0" smtClean="0">
+                          <a:solidFill>
+                            <a:schemeClr val="tx1"/>
+                          </a:solidFill>
+                        </a:rPr>
+                        <a:t>Lex/Flex/</a:t>
+                      </a:r>
+                      <a:r>
+                        <a:rPr lang="en-US" dirty="0" err="1" smtClean="0">
+                          <a:solidFill>
+                            <a:schemeClr val="tx1"/>
+                          </a:solidFill>
+                        </a:rPr>
+                        <a:t>JFlex</a:t>
+                      </a:r>
+                      <a:endParaRPr lang="ru-RU" dirty="0">
+                        <a:solidFill>
+                          <a:schemeClr val="tx1"/>
+                        </a:solidFill>
+                      </a:endParaRPr>
+                    </a:p>
+                  </a:txBody>
+                  <a:tcPr>
+                    <a:lnL w="12700" cap="flat" cmpd="sng" algn="ctr">
+                      <a:solidFill>
+                        <a:schemeClr val="tx1"/>
+                      </a:solidFill>
+                      <a:prstDash val="solid"/>
+                      <a:round/>
+                      <a:headEnd type="none" w="med" len="med"/>
+                      <a:tailEnd type="none" w="med" len="med"/>
+                    </a:lnL>
+                    <a:lnR w="12700" cap="flat" cmpd="sng" algn="ctr">
+                      <a:solidFill>
+                        <a:schemeClr val="tx1"/>
+                      </a:solidFill>
+                      <a:prstDash val="solid"/>
+                      <a:round/>
+                      <a:headEnd type="none" w="med" len="med"/>
+                      <a:tailEnd type="none" w="med" len="med"/>
+                    </a:lnR>
+                    <a:lnT w="12700" cap="flat" cmpd="sng" algn="ctr">
+                      <a:solidFill>
+                        <a:schemeClr val="tx1"/>
+                      </a:solidFill>
+                      <a:prstDash val="solid"/>
+                      <a:round/>
+                      <a:headEnd type="none" w="med" len="med"/>
+                      <a:tailEnd type="none" w="med" len="med"/>
+                    </a:lnT>
+                    <a:lnB w="12700" cap="flat" cmpd="sng" algn="ctr">
+                      <a:solidFill>
+                        <a:schemeClr val="tx1"/>
+                      </a:solidFill>
+                      <a:prstDash val="solid"/>
+                      <a:round/>
+                      <a:headEnd type="none" w="med" len="med"/>
+                      <a:tailEnd type="none" w="med" len="med"/>
+                    </a:lnB>
+                    <a:solidFill>
+                      <a:schemeClr val="bg2"/>
+                    </a:solidFill>
+                  </a:tcPr>
+                </a:tc>
+                <a:tc>
+                  <a:txBody>
+                    <a:bodyPr/>
+                    <a:lstStyle/>
+                    <a:p>
+                      <a:r>
+                        <a:rPr lang="en-US" dirty="0" smtClean="0">
+                          <a:solidFill>
+                            <a:schemeClr val="tx1"/>
+                          </a:solidFill>
+                        </a:rPr>
+                        <a:t>ANTLR</a:t>
+                      </a:r>
+                      <a:endParaRPr lang="ru-RU" dirty="0">
+                        <a:solidFill>
+                          <a:schemeClr val="tx1"/>
+                        </a:solidFill>
+                      </a:endParaRPr>
+                    </a:p>
+                  </a:txBody>
+                  <a:tcPr>
+                    <a:lnL w="12700" cap="flat" cmpd="sng" algn="ctr">
+                      <a:solidFill>
+                        <a:schemeClr val="tx1"/>
+                      </a:solidFill>
+                      <a:prstDash val="solid"/>
+                      <a:round/>
+                      <a:headEnd type="none" w="med" len="med"/>
+                      <a:tailEnd type="none" w="med" len="med"/>
+                    </a:lnL>
+                    <a:lnR w="12700" cap="flat" cmpd="sng" algn="ctr">
+                      <a:solidFill>
+                        <a:schemeClr val="tx1"/>
+                      </a:solidFill>
+                      <a:prstDash val="solid"/>
+                      <a:round/>
+                      <a:headEnd type="none" w="med" len="med"/>
+                      <a:tailEnd type="none" w="med" len="med"/>
+                    </a:lnR>
+                    <a:lnT w="12700" cap="flat" cmpd="sng" algn="ctr">
+                      <a:solidFill>
+                        <a:schemeClr val="tx1"/>
+                      </a:solidFill>
+                      <a:prstDash val="solid"/>
+                      <a:round/>
+                      <a:headEnd type="none" w="med" len="med"/>
+                      <a:tailEnd type="none" w="med" len="med"/>
+                    </a:lnT>
+                    <a:lnB w="12700" cap="flat" cmpd="sng" algn="ctr">
+                      <a:solidFill>
+                        <a:schemeClr val="tx1"/>
+                      </a:solidFill>
+                      <a:prstDash val="solid"/>
+                      <a:round/>
+                      <a:headEnd type="none" w="med" len="med"/>
+                      <a:tailEnd type="none" w="med" len="med"/>
+                    </a:lnB>
+                    <a:solidFill>
+                      <a:schemeClr val="bg2"/>
+                    </a:solidFill>
+                  </a:tcPr>
+                </a:tc>
+                <a:tc>
+                  <a:txBody>
+                    <a:bodyPr/>
+                    <a:lstStyle/>
+                    <a:p>
+                      <a:r>
+                        <a:rPr lang="en-US" dirty="0" err="1" smtClean="0">
+                          <a:solidFill>
+                            <a:schemeClr val="tx1"/>
+                          </a:solidFill>
+                        </a:rPr>
+                        <a:t>Ragel</a:t>
+                      </a:r>
+                      <a:endParaRPr lang="ru-RU" dirty="0">
+                        <a:solidFill>
+                          <a:schemeClr val="tx1"/>
+                        </a:solidFill>
+                      </a:endParaRPr>
+                    </a:p>
+                  </a:txBody>
+                  <a:tcPr>
+                    <a:lnL w="12700" cap="flat" cmpd="sng" algn="ctr">
+                      <a:solidFill>
+                        <a:schemeClr val="tx1"/>
+                      </a:solidFill>
+                      <a:prstDash val="solid"/>
+                      <a:round/>
+                      <a:headEnd type="none" w="med" len="med"/>
+                      <a:tailEnd type="none" w="med" len="med"/>
+                    </a:lnL>
+                    <a:lnR w="12700" cap="flat" cmpd="sng" algn="ctr">
+                      <a:solidFill>
+                        <a:schemeClr val="tx1"/>
+                      </a:solidFill>
+                      <a:prstDash val="solid"/>
+                      <a:round/>
+                      <a:headEnd type="none" w="med" len="med"/>
+                      <a:tailEnd type="none" w="med" len="med"/>
+                    </a:lnR>
+                    <a:lnT w="12700" cap="flat" cmpd="sng" algn="ctr">
+                      <a:solidFill>
+                        <a:schemeClr val="tx1"/>
+                      </a:solidFill>
+                      <a:prstDash val="solid"/>
+                      <a:round/>
+                      <a:headEnd type="none" w="med" len="med"/>
+                      <a:tailEnd type="none" w="med" len="med"/>
+                    </a:lnT>
+                    <a:lnB w="12700" cap="flat" cmpd="sng" algn="ctr">
+                      <a:solidFill>
+                        <a:schemeClr val="tx1"/>
+                      </a:solidFill>
+                      <a:prstDash val="solid"/>
+                      <a:round/>
+                      <a:headEnd type="none" w="med" len="med"/>
+                      <a:tailEnd type="none" w="med" len="med"/>
+                    </a:lnB>
+                    <a:solidFill>
+                      <a:schemeClr val="bg2"/>
+                    </a:solidFill>
+                  </a:tcPr>
+                </a:tc>
+                <a:tc>
+                  <a:txBody>
+                    <a:bodyPr/>
+                    <a:lstStyle/>
+                    <a:p>
+                      <a:r>
+                        <a:rPr lang="en-US" dirty="0" smtClean="0">
+                          <a:solidFill>
+                            <a:schemeClr val="tx1"/>
+                          </a:solidFill>
+                        </a:rPr>
+                        <a:t>Re2c</a:t>
+                      </a:r>
+                      <a:endParaRPr lang="ru-RU" dirty="0">
+                        <a:solidFill>
+                          <a:schemeClr val="tx1"/>
+                        </a:solidFill>
+                      </a:endParaRPr>
+                    </a:p>
+                  </a:txBody>
+                  <a:tcPr>
+                    <a:lnL w="12700" cap="flat" cmpd="sng" algn="ctr">
+                      <a:solidFill>
+                        <a:schemeClr val="tx1"/>
+                      </a:solidFill>
+                      <a:prstDash val="solid"/>
+                      <a:round/>
+                      <a:headEnd type="none" w="med" len="med"/>
+                      <a:tailEnd type="none" w="med" len="med"/>
+                    </a:lnL>
+                    <a:lnR w="12700" cap="flat" cmpd="sng" algn="ctr">
+                      <a:solidFill>
+                        <a:schemeClr val="tx1"/>
+                      </a:solidFill>
+                      <a:prstDash val="solid"/>
+                      <a:round/>
+                      <a:headEnd type="none" w="med" len="med"/>
+                      <a:tailEnd type="none" w="med" len="med"/>
+                    </a:lnR>
+                    <a:lnT w="12700" cap="flat" cmpd="sng" algn="ctr">
+                      <a:solidFill>
+                        <a:schemeClr val="tx1"/>
+                      </a:solidFill>
+                      <a:prstDash val="solid"/>
+                      <a:round/>
+                      <a:headEnd type="none" w="med" len="med"/>
+                      <a:tailEnd type="none" w="med" len="med"/>
+                    </a:lnT>
+                    <a:lnB w="12700" cap="flat" cmpd="sng" algn="ctr">
+                      <a:solidFill>
+                        <a:schemeClr val="tx1"/>
+                      </a:solidFill>
+                      <a:prstDash val="solid"/>
+                      <a:round/>
+                      <a:headEnd type="none" w="med" len="med"/>
+                      <a:tailEnd type="none" w="med" len="med"/>
+                    </a:lnB>
+                    <a:solidFill>
+                      <a:schemeClr val="bg2"/>
+                    </a:solidFill>
+                  </a:tcPr>
+                </a:tc>
+                <a:extLst>
+                  <a:ext uri="{0D108BD9-81ED-4DB2-BD59-A6C34878D82A}">
+                    <a16:rowId xmlns:a16="http://schemas.microsoft.com/office/drawing/2014/main" val="3864216833"/>
+                  </a:ext>
+                </a:extLst>
+              </a:tr>
+              <a:tr h="370840">
+                <a:tc>
+                  <a:txBody>
+                    <a:bodyPr/>
+                    <a:lstStyle/>
+                    <a:p>
+                      <a:r>
+                        <a:rPr lang="ru-RU" dirty="0" smtClean="0">
+                          <a:solidFill>
+                            <a:schemeClr val="tx1"/>
+                          </a:solidFill>
+                        </a:rPr>
+                        <a:t>Назначение</a:t>
+                      </a:r>
+                      <a:endParaRPr lang="ru-RU" dirty="0">
+                        <a:solidFill>
+                          <a:schemeClr val="tx1"/>
+                        </a:solidFill>
+                      </a:endParaRPr>
+                    </a:p>
+                  </a:txBody>
+                  <a:tcPr>
+                    <a:lnL w="12700" cap="flat" cmpd="sng" algn="ctr">
+                      <a:solidFill>
+                        <a:schemeClr val="tx1"/>
+                      </a:solidFill>
+                      <a:prstDash val="solid"/>
+                      <a:round/>
+                      <a:headEnd type="none" w="med" len="med"/>
+                      <a:tailEnd type="none" w="med" len="med"/>
+                    </a:lnL>
+                    <a:lnR w="12700" cap="flat" cmpd="sng" algn="ctr">
+                      <a:solidFill>
+                        <a:schemeClr val="tx1"/>
+                      </a:solidFill>
+                      <a:prstDash val="solid"/>
+                      <a:round/>
+                      <a:headEnd type="none" w="med" len="med"/>
+                      <a:tailEnd type="none" w="med" len="med"/>
+                    </a:lnR>
+                    <a:lnT w="12700" cap="flat" cmpd="sng" algn="ctr">
+                      <a:solidFill>
+                        <a:schemeClr val="tx1"/>
+                      </a:solidFill>
+                      <a:prstDash val="solid"/>
+                      <a:round/>
+                      <a:headEnd type="none" w="med" len="med"/>
+                      <a:tailEnd type="none" w="med" len="med"/>
+                    </a:lnT>
+                    <a:lnB w="12700" cap="flat" cmpd="sng" algn="ctr">
+                      <a:solidFill>
+                        <a:schemeClr val="tx1"/>
+                      </a:solidFill>
+                      <a:prstDash val="solid"/>
+                      <a:round/>
+                      <a:headEnd type="none" w="med" len="med"/>
+                      <a:tailEnd type="none" w="med" len="med"/>
+                    </a:lnB>
+                    <a:noFill/>
+                  </a:tcPr>
+                </a:tc>
+                <a:tc>
+                  <a:txBody>
+                    <a:bodyPr/>
+                    <a:lstStyle/>
+                    <a:p>
+                      <a:endParaRPr lang="ru-RU" dirty="0">
+                        <a:solidFill>
+                          <a:schemeClr val="tx1"/>
+                        </a:solidFill>
+                      </a:endParaRPr>
+                    </a:p>
+                  </a:txBody>
+                  <a:tcPr>
+                    <a:lnL w="12700" cap="flat" cmpd="sng" algn="ctr">
+                      <a:solidFill>
+                        <a:schemeClr val="tx1"/>
+                      </a:solidFill>
+                      <a:prstDash val="solid"/>
+                      <a:round/>
+                      <a:headEnd type="none" w="med" len="med"/>
+                      <a:tailEnd type="none" w="med" len="med"/>
+                    </a:lnL>
+                    <a:lnR w="12700" cap="flat" cmpd="sng" algn="ctr">
+                      <a:solidFill>
+                        <a:schemeClr val="tx1"/>
+                      </a:solidFill>
+                      <a:prstDash val="solid"/>
+                      <a:round/>
+                      <a:headEnd type="none" w="med" len="med"/>
+                      <a:tailEnd type="none" w="med" len="med"/>
+                    </a:lnR>
+                    <a:lnT w="12700" cap="flat" cmpd="sng" algn="ctr">
+                      <a:solidFill>
+                        <a:schemeClr val="tx1"/>
+                      </a:solidFill>
+                      <a:prstDash val="solid"/>
+                      <a:round/>
+                      <a:headEnd type="none" w="med" len="med"/>
+                      <a:tailEnd type="none" w="med" len="med"/>
+                    </a:lnT>
+                    <a:lnB w="12700" cap="flat" cmpd="sng" algn="ctr">
+                      <a:solidFill>
+                        <a:schemeClr val="tx1"/>
+                      </a:solidFill>
+                      <a:prstDash val="solid"/>
+                      <a:round/>
+                      <a:headEnd type="none" w="med" len="med"/>
+                      <a:tailEnd type="none" w="med" len="med"/>
+                    </a:lnB>
+                    <a:noFill/>
+                  </a:tcPr>
+                </a:tc>
+                <a:tc>
+                  <a:txBody>
+                    <a:bodyPr/>
+                    <a:lstStyle/>
+                    <a:p>
+                      <a:endParaRPr lang="ru-RU" dirty="0">
+                        <a:solidFill>
+                          <a:schemeClr val="tx1"/>
+                        </a:solidFill>
+                      </a:endParaRPr>
+                    </a:p>
+                  </a:txBody>
+                  <a:tcPr>
+                    <a:lnL w="12700" cap="flat" cmpd="sng" algn="ctr">
+                      <a:solidFill>
+                        <a:schemeClr val="tx1"/>
+                      </a:solidFill>
+                      <a:prstDash val="solid"/>
+                      <a:round/>
+                      <a:headEnd type="none" w="med" len="med"/>
+                      <a:tailEnd type="none" w="med" len="med"/>
+                    </a:lnL>
+                    <a:lnR w="12700" cap="flat" cmpd="sng" algn="ctr">
+                      <a:solidFill>
+                        <a:schemeClr val="tx1"/>
+                      </a:solidFill>
+                      <a:prstDash val="solid"/>
+                      <a:round/>
+                      <a:headEnd type="none" w="med" len="med"/>
+                      <a:tailEnd type="none" w="med" len="med"/>
+                    </a:lnR>
+                    <a:lnT w="12700" cap="flat" cmpd="sng" algn="ctr">
+                      <a:solidFill>
+                        <a:schemeClr val="tx1"/>
+                      </a:solidFill>
+                      <a:prstDash val="solid"/>
+                      <a:round/>
+                      <a:headEnd type="none" w="med" len="med"/>
+                      <a:tailEnd type="none" w="med" len="med"/>
+                    </a:lnT>
+                    <a:lnB w="12700" cap="flat" cmpd="sng" algn="ctr">
+                      <a:solidFill>
+                        <a:schemeClr val="tx1"/>
+                      </a:solidFill>
+                      <a:prstDash val="solid"/>
+                      <a:round/>
+                      <a:headEnd type="none" w="med" len="med"/>
+                      <a:tailEnd type="none" w="med" len="med"/>
+                    </a:lnB>
+                    <a:noFill/>
+                  </a:tcPr>
+                </a:tc>
+                <a:tc>
+                  <a:txBody>
+                    <a:bodyPr/>
+                    <a:lstStyle/>
+                    <a:p>
+                      <a:endParaRPr lang="ru-RU" dirty="0">
+                        <a:solidFill>
+                          <a:schemeClr val="tx1"/>
+                        </a:solidFill>
+                      </a:endParaRPr>
+                    </a:p>
+                  </a:txBody>
+                  <a:tcPr>
+                    <a:lnL w="12700" cap="flat" cmpd="sng" algn="ctr">
+                      <a:solidFill>
+                        <a:schemeClr val="tx1"/>
+                      </a:solidFill>
+                      <a:prstDash val="solid"/>
+                      <a:round/>
+                      <a:headEnd type="none" w="med" len="med"/>
+                      <a:tailEnd type="none" w="med" len="med"/>
+                    </a:lnL>
+                    <a:lnR w="12700" cap="flat" cmpd="sng" algn="ctr">
+                      <a:solidFill>
+                        <a:schemeClr val="tx1"/>
+                      </a:solidFill>
+                      <a:prstDash val="solid"/>
+                      <a:round/>
+                      <a:headEnd type="none" w="med" len="med"/>
+                      <a:tailEnd type="none" w="med" len="med"/>
+                    </a:lnR>
+                    <a:lnT w="12700" cap="flat" cmpd="sng" algn="ctr">
+                      <a:solidFill>
+                        <a:schemeClr val="tx1"/>
+                      </a:solidFill>
+                      <a:prstDash val="solid"/>
+                      <a:round/>
+                      <a:headEnd type="none" w="med" len="med"/>
+                      <a:tailEnd type="none" w="med" len="med"/>
+                    </a:lnT>
+                    <a:lnB w="12700" cap="flat" cmpd="sng" algn="ctr">
+                      <a:solidFill>
+                        <a:schemeClr val="tx1"/>
+                      </a:solidFill>
+                      <a:prstDash val="solid"/>
+                      <a:round/>
+                      <a:headEnd type="none" w="med" len="med"/>
+                      <a:tailEnd type="none" w="med" len="med"/>
+                    </a:lnB>
+                    <a:noFill/>
+                  </a:tcPr>
+                </a:tc>
+                <a:tc>
+                  <a:txBody>
+                    <a:bodyPr/>
+                    <a:lstStyle/>
+                    <a:p>
+                      <a:endParaRPr lang="ru-RU" dirty="0">
+                        <a:solidFill>
+                          <a:schemeClr val="tx1"/>
+                        </a:solidFill>
+                      </a:endParaRPr>
+                    </a:p>
+                  </a:txBody>
+                  <a:tcPr>
+                    <a:lnL w="12700" cap="flat" cmpd="sng" algn="ctr">
+                      <a:solidFill>
+                        <a:schemeClr val="tx1"/>
+                      </a:solidFill>
+                      <a:prstDash val="solid"/>
+                      <a:round/>
+                      <a:headEnd type="none" w="med" len="med"/>
+                      <a:tailEnd type="none" w="med" len="med"/>
+                    </a:lnL>
+                    <a:lnR w="12700" cap="flat" cmpd="sng" algn="ctr">
+                      <a:solidFill>
+                        <a:schemeClr val="tx1"/>
+                      </a:solidFill>
+                      <a:prstDash val="solid"/>
+                      <a:round/>
+                      <a:headEnd type="none" w="med" len="med"/>
+                      <a:tailEnd type="none" w="med" len="med"/>
+                    </a:lnR>
+                    <a:lnT w="12700" cap="flat" cmpd="sng" algn="ctr">
+                      <a:solidFill>
+                        <a:schemeClr val="tx1"/>
+                      </a:solidFill>
+                      <a:prstDash val="solid"/>
+                      <a:round/>
+                      <a:headEnd type="none" w="med" len="med"/>
+                      <a:tailEnd type="none" w="med" len="med"/>
+                    </a:lnT>
+                    <a:lnB w="12700" cap="flat" cmpd="sng" algn="ctr">
+                      <a:solidFill>
+                        <a:schemeClr val="tx1"/>
+                      </a:solidFill>
+                      <a:prstDash val="solid"/>
+                      <a:round/>
+                      <a:headEnd type="none" w="med" len="med"/>
+                      <a:tailEnd type="none" w="med" len="med"/>
+                    </a:lnB>
+                    <a:noFill/>
+                  </a:tcPr>
+                </a:tc>
+                <a:extLst>
+                  <a:ext uri="{0D108BD9-81ED-4DB2-BD59-A6C34878D82A}">
+                    <a16:rowId xmlns:a16="http://schemas.microsoft.com/office/drawing/2014/main" val="3597158765"/>
+                  </a:ext>
+                </a:extLst>
+              </a:tr>
+              <a:tr h="370840">
+                <a:tc>
+                  <a:txBody>
+                    <a:bodyPr/>
+                    <a:lstStyle/>
+                    <a:p>
+                      <a:endParaRPr lang="ru-RU">
+                        <a:solidFill>
+                          <a:schemeClr val="tx1"/>
+                        </a:solidFill>
+                      </a:endParaRPr>
+                    </a:p>
+                  </a:txBody>
+                  <a:tcPr>
+                    <a:lnL w="12700" cap="flat" cmpd="sng" algn="ctr">
+                      <a:solidFill>
+                        <a:schemeClr val="tx1"/>
+                      </a:solidFill>
+                      <a:prstDash val="solid"/>
+                      <a:round/>
+                      <a:headEnd type="none" w="med" len="med"/>
+                      <a:tailEnd type="none" w="med" len="med"/>
+                    </a:lnL>
+                    <a:lnR w="12700" cap="flat" cmpd="sng" algn="ctr">
+                      <a:solidFill>
+                        <a:schemeClr val="tx1"/>
+                      </a:solidFill>
+                      <a:prstDash val="solid"/>
+                      <a:round/>
+                      <a:headEnd type="none" w="med" len="med"/>
+                      <a:tailEnd type="none" w="med" len="med"/>
+                    </a:lnR>
+                    <a:lnT w="12700" cap="flat" cmpd="sng" algn="ctr">
+                      <a:solidFill>
+                        <a:schemeClr val="tx1"/>
+                      </a:solidFill>
+                      <a:prstDash val="solid"/>
+                      <a:round/>
+                      <a:headEnd type="none" w="med" len="med"/>
+                      <a:tailEnd type="none" w="med" len="med"/>
+                    </a:lnT>
+                    <a:lnB w="12700" cap="flat" cmpd="sng" algn="ctr">
+                      <a:solidFill>
+                        <a:schemeClr val="tx1"/>
+                      </a:solidFill>
+                      <a:prstDash val="solid"/>
+                      <a:round/>
+                      <a:headEnd type="none" w="med" len="med"/>
+                      <a:tailEnd type="none" w="med" len="med"/>
+                    </a:lnB>
+                    <a:noFill/>
+                  </a:tcPr>
+                </a:tc>
+                <a:tc>
+                  <a:txBody>
+                    <a:bodyPr/>
+                    <a:lstStyle/>
+                    <a:p>
+                      <a:endParaRPr lang="ru-RU">
+                        <a:solidFill>
+                          <a:schemeClr val="tx1"/>
+                        </a:solidFill>
+                      </a:endParaRPr>
+                    </a:p>
+                  </a:txBody>
+                  <a:tcPr>
+                    <a:lnL w="12700" cap="flat" cmpd="sng" algn="ctr">
+                      <a:solidFill>
+                        <a:schemeClr val="tx1"/>
+                      </a:solidFill>
+                      <a:prstDash val="solid"/>
+                      <a:round/>
+                      <a:headEnd type="none" w="med" len="med"/>
+                      <a:tailEnd type="none" w="med" len="med"/>
+                    </a:lnL>
+                    <a:lnR w="12700" cap="flat" cmpd="sng" algn="ctr">
+                      <a:solidFill>
+                        <a:schemeClr val="tx1"/>
+                      </a:solidFill>
+                      <a:prstDash val="solid"/>
+                      <a:round/>
+                      <a:headEnd type="none" w="med" len="med"/>
+                      <a:tailEnd type="none" w="med" len="med"/>
+                    </a:lnR>
+                    <a:lnT w="12700" cap="flat" cmpd="sng" algn="ctr">
+                      <a:solidFill>
+                        <a:schemeClr val="tx1"/>
+                      </a:solidFill>
+                      <a:prstDash val="solid"/>
+                      <a:round/>
+                      <a:headEnd type="none" w="med" len="med"/>
+                      <a:tailEnd type="none" w="med" len="med"/>
+                    </a:lnT>
+                    <a:lnB w="12700" cap="flat" cmpd="sng" algn="ctr">
+                      <a:solidFill>
+                        <a:schemeClr val="tx1"/>
+                      </a:solidFill>
+                      <a:prstDash val="solid"/>
+                      <a:round/>
+                      <a:headEnd type="none" w="med" len="med"/>
+                      <a:tailEnd type="none" w="med" len="med"/>
+                    </a:lnB>
+                    <a:noFill/>
+                  </a:tcPr>
+                </a:tc>
+                <a:tc>
+                  <a:txBody>
+                    <a:bodyPr/>
+                    <a:lstStyle/>
+                    <a:p>
+                      <a:endParaRPr lang="ru-RU">
+                        <a:solidFill>
+                          <a:schemeClr val="tx1"/>
+                        </a:solidFill>
+                      </a:endParaRPr>
+                    </a:p>
+                  </a:txBody>
+                  <a:tcPr>
+                    <a:lnL w="12700" cap="flat" cmpd="sng" algn="ctr">
+                      <a:solidFill>
+                        <a:schemeClr val="tx1"/>
+                      </a:solidFill>
+                      <a:prstDash val="solid"/>
+                      <a:round/>
+                      <a:headEnd type="none" w="med" len="med"/>
+                      <a:tailEnd type="none" w="med" len="med"/>
+                    </a:lnL>
+                    <a:lnR w="12700" cap="flat" cmpd="sng" algn="ctr">
+                      <a:solidFill>
+                        <a:schemeClr val="tx1"/>
+                      </a:solidFill>
+                      <a:prstDash val="solid"/>
+                      <a:round/>
+                      <a:headEnd type="none" w="med" len="med"/>
+                      <a:tailEnd type="none" w="med" len="med"/>
+                    </a:lnR>
+                    <a:lnT w="12700" cap="flat" cmpd="sng" algn="ctr">
+                      <a:solidFill>
+                        <a:schemeClr val="tx1"/>
+                      </a:solidFill>
+                      <a:prstDash val="solid"/>
+                      <a:round/>
+                      <a:headEnd type="none" w="med" len="med"/>
+                      <a:tailEnd type="none" w="med" len="med"/>
+                    </a:lnT>
+                    <a:lnB w="12700" cap="flat" cmpd="sng" algn="ctr">
+                      <a:solidFill>
+                        <a:schemeClr val="tx1"/>
+                      </a:solidFill>
+                      <a:prstDash val="solid"/>
+                      <a:round/>
+                      <a:headEnd type="none" w="med" len="med"/>
+                      <a:tailEnd type="none" w="med" len="med"/>
+                    </a:lnB>
+                    <a:noFill/>
+                  </a:tcPr>
+                </a:tc>
+                <a:tc>
+                  <a:txBody>
+                    <a:bodyPr/>
+                    <a:lstStyle/>
+                    <a:p>
+                      <a:endParaRPr lang="ru-RU" dirty="0">
+                        <a:solidFill>
+                          <a:schemeClr val="tx1"/>
+                        </a:solidFill>
+                      </a:endParaRPr>
+                    </a:p>
+                  </a:txBody>
+                  <a:tcPr>
+                    <a:lnL w="12700" cap="flat" cmpd="sng" algn="ctr">
+                      <a:solidFill>
+                        <a:schemeClr val="tx1"/>
+                      </a:solidFill>
+                      <a:prstDash val="solid"/>
+                      <a:round/>
+                      <a:headEnd type="none" w="med" len="med"/>
+                      <a:tailEnd type="none" w="med" len="med"/>
+                    </a:lnL>
+                    <a:lnR w="12700" cap="flat" cmpd="sng" algn="ctr">
+                      <a:solidFill>
+                        <a:schemeClr val="tx1"/>
+                      </a:solidFill>
+                      <a:prstDash val="solid"/>
+                      <a:round/>
+                      <a:headEnd type="none" w="med" len="med"/>
+                      <a:tailEnd type="none" w="med" len="med"/>
+                    </a:lnR>
+                    <a:lnT w="12700" cap="flat" cmpd="sng" algn="ctr">
+                      <a:solidFill>
+                        <a:schemeClr val="tx1"/>
+                      </a:solidFill>
+                      <a:prstDash val="solid"/>
+                      <a:round/>
+                      <a:headEnd type="none" w="med" len="med"/>
+                      <a:tailEnd type="none" w="med" len="med"/>
+                    </a:lnT>
+                    <a:lnB w="12700" cap="flat" cmpd="sng" algn="ctr">
+                      <a:solidFill>
+                        <a:schemeClr val="tx1"/>
+                      </a:solidFill>
+                      <a:prstDash val="solid"/>
+                      <a:round/>
+                      <a:headEnd type="none" w="med" len="med"/>
+                      <a:tailEnd type="none" w="med" len="med"/>
+                    </a:lnB>
+                    <a:noFill/>
+                  </a:tcPr>
+                </a:tc>
+                <a:tc>
+                  <a:txBody>
+                    <a:bodyPr/>
+                    <a:lstStyle/>
+                    <a:p>
+                      <a:endParaRPr lang="ru-RU" dirty="0">
+                        <a:solidFill>
+                          <a:schemeClr val="tx1"/>
+                        </a:solidFill>
+                      </a:endParaRPr>
+                    </a:p>
+                  </a:txBody>
+                  <a:tcPr>
+                    <a:lnL w="12700" cap="flat" cmpd="sng" algn="ctr">
+                      <a:solidFill>
+                        <a:schemeClr val="tx1"/>
+                      </a:solidFill>
+                      <a:prstDash val="solid"/>
+                      <a:round/>
+                      <a:headEnd type="none" w="med" len="med"/>
+                      <a:tailEnd type="none" w="med" len="med"/>
+                    </a:lnL>
+                    <a:lnR w="12700" cap="flat" cmpd="sng" algn="ctr">
+                      <a:solidFill>
+                        <a:schemeClr val="tx1"/>
+                      </a:solidFill>
+                      <a:prstDash val="solid"/>
+                      <a:round/>
+                      <a:headEnd type="none" w="med" len="med"/>
+                      <a:tailEnd type="none" w="med" len="med"/>
+                    </a:lnR>
+                    <a:lnT w="12700" cap="flat" cmpd="sng" algn="ctr">
+                      <a:solidFill>
+                        <a:schemeClr val="tx1"/>
+                      </a:solidFill>
+                      <a:prstDash val="solid"/>
+                      <a:round/>
+                      <a:headEnd type="none" w="med" len="med"/>
+                      <a:tailEnd type="none" w="med" len="med"/>
+                    </a:lnT>
+                    <a:lnB w="12700" cap="flat" cmpd="sng" algn="ctr">
+                      <a:solidFill>
+                        <a:schemeClr val="tx1"/>
+                      </a:solidFill>
+                      <a:prstDash val="solid"/>
+                      <a:round/>
+                      <a:headEnd type="none" w="med" len="med"/>
+                      <a:tailEnd type="none" w="med" len="med"/>
+                    </a:lnB>
+                    <a:noFill/>
+                  </a:tcPr>
+                </a:tc>
+                <a:extLst>
+                  <a:ext uri="{0D108BD9-81ED-4DB2-BD59-A6C34878D82A}">
+                    <a16:rowId xmlns:a16="http://schemas.microsoft.com/office/drawing/2014/main" val="3009800293"/>
+                  </a:ext>
+                </a:extLst>
+              </a:tr>
+            </a:tbl>
+          </a:graphicData>
+        </a:graphic>
+      </p:graphicFrame>
+    </p:spTree>
+    <p:extLst>
+      <p:ext uri="{BB962C8B-B14F-4D97-AF65-F5344CB8AC3E}">
+        <p14:creationId xmlns:p14="http://schemas.microsoft.com/office/powerpoint/2010/main" val="2618310969"/>
+      </p:ext>
+    </p:extLst>
+  </p:cSld>
+  <p:clrMapOvr>
+    <a:masterClrMapping/>
+  </p:clrMapOvr>
+  <p:timing>
+    <p:tnLst>
+      <p:par>
+        <p:cTn id="1" dur="indefinite" restart="never" nodeType="tmRoot"/>
+      </p:par>
+    </p:tnLst>
+  </p:timing>
+</p:sld>
+</file>
+
+<file path=ppt/slides/slide4.xml><?xml version="1.0" encoding="utf-8"?>
+<p:sld xmlns:a="http://schemas.openxmlformats.org/drawingml/2006/main" xmlns:r="http://schemas.openxmlformats.org/officeDocument/2006/relationships" xmlns:p="http://schemas.openxmlformats.org/presentationml/2006/main">
+  <p:cSld>
+    <p:spTree>
+      <p:nvGrpSpPr>
+        <p:cNvPr id="1" name=""/>
+        <p:cNvGrpSpPr/>
+        <p:nvPr/>
+      </p:nvGrpSpPr>
+      <p:grpSpPr>
+        <a:xfrm>
+          <a:off x="0" y="0"/>
+          <a:ext cx="0" cy="0"/>
+          <a:chOff x="0" y="0"/>
+          <a:chExt cx="0" cy="0"/>
+        </a:xfrm>
+      </p:grpSpPr>
+      <p:sp>
+        <p:nvSpPr>
+          <p:cNvPr id="2" name="Заголовок 1"/>
+          <p:cNvSpPr>
+            <a:spLocks noGrp="1"/>
+          </p:cNvSpPr>
+          <p:nvPr>
+            <p:ph type="title"/>
+          </p:nvPr>
+        </p:nvSpPr>
+        <p:spPr/>
+        <p:txBody>
+          <a:bodyPr>
+            <a:normAutofit fontScale="90000"/>
+          </a:bodyPr>
+          <a:lstStyle/>
+          <a:p>
+            <a:r>
+              <a:rPr lang="ru-RU" dirty="0" smtClean="0"/>
+              <a:t>Использованные средства и технологии</a:t>
+            </a:r>
+            <a:endParaRPr lang="ru-RU" dirty="0"/>
+          </a:p>
+        </p:txBody>
+      </p:sp>
+      <p:sp>
+        <p:nvSpPr>
+          <p:cNvPr id="3" name="Объект 2"/>
+          <p:cNvSpPr>
+            <a:spLocks noGrp="1"/>
+          </p:cNvSpPr>
+          <p:nvPr>
+            <p:ph idx="1"/>
+          </p:nvPr>
+        </p:nvSpPr>
+        <p:spPr/>
+        <p:txBody>
+          <a:bodyPr/>
+          <a:lstStyle/>
+          <a:p>
+            <a:endParaRPr lang="ru-RU"/>
+          </a:p>
+        </p:txBody>
+      </p:sp>
+      <p:sp>
+        <p:nvSpPr>
+          <p:cNvPr id="4" name="Номер слайда 3"/>
+          <p:cNvSpPr>
+            <a:spLocks noGrp="1"/>
+          </p:cNvSpPr>
+          <p:nvPr>
+            <p:ph type="sldNum" sz="quarter" idx="12"/>
+          </p:nvPr>
+        </p:nvSpPr>
+        <p:spPr/>
+        <p:txBody>
+          <a:bodyPr/>
+          <a:lstStyle/>
+          <a:p>
+            <a:fld id="{04CAF7D5-9938-48A5-AE25-C5227D7796EA}" type="slidenum">
+              <a:rPr lang="ru-RU" smtClean="0"/>
+              <a:t>4</a:t>
+            </a:fld>
+            <a:endParaRPr lang="ru-RU"/>
+          </a:p>
+        </p:txBody>
+      </p:sp>
+    </p:spTree>
+    <p:extLst>
+      <p:ext uri="{BB962C8B-B14F-4D97-AF65-F5344CB8AC3E}">
+        <p14:creationId xmlns:p14="http://schemas.microsoft.com/office/powerpoint/2010/main" val="1629011969"/>
+      </p:ext>
+    </p:extLst>
+  </p:cSld>
+  <p:clrMapOvr>
+    <a:masterClrMapping/>
+  </p:clrMapOvr>
+  <p:timing>
+    <p:tnLst>
+      <p:par>
+        <p:cTn id="1" dur="indefinite" restart="never" nodeType="tmRoot"/>
+      </p:par>
+    </p:tnLst>
+  </p:timing>
+</p:sld>
+</file>
+
+<file path=ppt/slides/slide5.xml><?xml version="1.0" encoding="utf-8"?>
+<p:sld xmlns:a="http://schemas.openxmlformats.org/drawingml/2006/main" xmlns:r="http://schemas.openxmlformats.org/officeDocument/2006/relationships" xmlns:p="http://schemas.openxmlformats.org/presentationml/2006/main">
+  <p:cSld>
+    <p:spTree>
+      <p:nvGrpSpPr>
+        <p:cNvPr id="1" name=""/>
+        <p:cNvGrpSpPr/>
+        <p:nvPr/>
+      </p:nvGrpSpPr>
+      <p:grpSpPr>
+        <a:xfrm>
+          <a:off x="0" y="0"/>
+          <a:ext cx="0" cy="0"/>
+          <a:chOff x="0" y="0"/>
+          <a:chExt cx="0" cy="0"/>
+        </a:xfrm>
+      </p:grpSpPr>
+      <p:sp>
+        <p:nvSpPr>
+          <p:cNvPr id="2" name="Заголовок 1"/>
+          <p:cNvSpPr>
+            <a:spLocks noGrp="1"/>
+          </p:cNvSpPr>
+          <p:nvPr>
+            <p:ph type="title"/>
+          </p:nvPr>
+        </p:nvSpPr>
+        <p:spPr/>
+        <p:txBody>
+          <a:bodyPr>
+            <a:normAutofit fontScale="90000"/>
+          </a:bodyPr>
+          <a:lstStyle/>
+          <a:p>
+            <a:r>
+              <a:rPr lang="ru-RU" dirty="0" smtClean="0"/>
+              <a:t>Понятия конечного автомата и регулярного языка</a:t>
+            </a:r>
+            <a:endParaRPr lang="ru-RU" dirty="0"/>
+          </a:p>
+        </p:txBody>
+      </p:sp>
+      <p:sp>
+        <p:nvSpPr>
+          <p:cNvPr id="3" name="Объект 2"/>
+          <p:cNvSpPr>
+            <a:spLocks noGrp="1"/>
+          </p:cNvSpPr>
+          <p:nvPr>
+            <p:ph idx="1"/>
+          </p:nvPr>
+        </p:nvSpPr>
+        <p:spPr/>
+        <p:txBody>
+          <a:bodyPr/>
+          <a:lstStyle/>
+          <a:p>
+            <a:endParaRPr lang="ru-RU"/>
+          </a:p>
+        </p:txBody>
+      </p:sp>
+      <p:sp>
+        <p:nvSpPr>
+          <p:cNvPr id="4" name="Номер слайда 3"/>
+          <p:cNvSpPr>
+            <a:spLocks noGrp="1"/>
+          </p:cNvSpPr>
+          <p:nvPr>
+            <p:ph type="sldNum" sz="quarter" idx="12"/>
+          </p:nvPr>
+        </p:nvSpPr>
+        <p:spPr/>
+        <p:txBody>
+          <a:bodyPr/>
+          <a:lstStyle/>
+          <a:p>
+            <a:fld id="{04CAF7D5-9938-48A5-AE25-C5227D7796EA}" type="slidenum">
+              <a:rPr lang="ru-RU" smtClean="0"/>
+              <a:t>5</a:t>
+            </a:fld>
+            <a:endParaRPr lang="ru-RU"/>
+          </a:p>
+        </p:txBody>
+      </p:sp>
+    </p:spTree>
+    <p:extLst>
+      <p:ext uri="{BB962C8B-B14F-4D97-AF65-F5344CB8AC3E}">
+        <p14:creationId xmlns:p14="http://schemas.microsoft.com/office/powerpoint/2010/main" val="686473755"/>
+      </p:ext>
+    </p:extLst>
+  </p:cSld>
+  <p:clrMapOvr>
+    <a:masterClrMapping/>
+  </p:clrMapOvr>
+  <p:timing>
+    <p:tnLst>
+      <p:par>
+        <p:cTn id="1" dur="indefinite" restart="never" nodeType="tmRoot"/>
+      </p:par>
+    </p:tnLst>
+  </p:timing>
+</p:sld>
+</file>
+
+<file path=ppt/slides/slide6.xml><?xml version="1.0" encoding="utf-8"?>
+<p:sld xmlns:a="http://schemas.openxmlformats.org/drawingml/2006/main" xmlns:r="http://schemas.openxmlformats.org/officeDocument/2006/relationships" xmlns:p="http://schemas.openxmlformats.org/presentationml/2006/main">
+  <p:cSld>
+    <p:spTree>
+      <p:nvGrpSpPr>
+        <p:cNvPr id="1" name=""/>
+        <p:cNvGrpSpPr/>
+        <p:nvPr/>
+      </p:nvGrpSpPr>
+      <p:grpSpPr>
+        <a:xfrm>
+          <a:off x="0" y="0"/>
+          <a:ext cx="0" cy="0"/>
+          <a:chOff x="0" y="0"/>
+          <a:chExt cx="0" cy="0"/>
+        </a:xfrm>
+      </p:grpSpPr>
+      <p:sp>
+        <p:nvSpPr>
+          <p:cNvPr id="2" name="Заголовок 1"/>
+          <p:cNvSpPr>
+            <a:spLocks noGrp="1"/>
+          </p:cNvSpPr>
+          <p:nvPr>
+            <p:ph type="title"/>
+          </p:nvPr>
+        </p:nvSpPr>
+        <p:spPr/>
+        <p:txBody>
+          <a:bodyPr>
+            <a:normAutofit fontScale="90000"/>
+          </a:bodyPr>
+          <a:lstStyle/>
+          <a:p>
+            <a:r>
+              <a:rPr lang="ru-RU" dirty="0" smtClean="0"/>
+              <a:t>Разработка 1</a:t>
+            </a:r>
+            <a:endParaRPr lang="ru-RU" dirty="0"/>
+          </a:p>
+        </p:txBody>
+      </p:sp>
+      <p:sp>
+        <p:nvSpPr>
+          <p:cNvPr id="3" name="Объект 2"/>
+          <p:cNvSpPr>
+            <a:spLocks noGrp="1"/>
+          </p:cNvSpPr>
+          <p:nvPr>
+            <p:ph idx="1"/>
+          </p:nvPr>
+        </p:nvSpPr>
+        <p:spPr/>
+        <p:txBody>
+          <a:bodyPr/>
+          <a:lstStyle/>
+          <a:p>
+            <a:endParaRPr lang="ru-RU"/>
+          </a:p>
+        </p:txBody>
+      </p:sp>
+      <p:sp>
+        <p:nvSpPr>
+          <p:cNvPr id="4" name="Номер слайда 3"/>
+          <p:cNvSpPr>
+            <a:spLocks noGrp="1"/>
+          </p:cNvSpPr>
+          <p:nvPr>
+            <p:ph type="sldNum" sz="quarter" idx="12"/>
+          </p:nvPr>
+        </p:nvSpPr>
+        <p:spPr/>
+        <p:txBody>
+          <a:bodyPr/>
+          <a:lstStyle/>
+          <a:p>
+            <a:fld id="{04CAF7D5-9938-48A5-AE25-C5227D7796EA}" type="slidenum">
+              <a:rPr lang="ru-RU" smtClean="0"/>
+              <a:t>6</a:t>
+            </a:fld>
+            <a:endParaRPr lang="ru-RU"/>
+          </a:p>
+        </p:txBody>
+      </p:sp>
+    </p:spTree>
+    <p:extLst>
+      <p:ext uri="{BB962C8B-B14F-4D97-AF65-F5344CB8AC3E}">
+        <p14:creationId xmlns:p14="http://schemas.microsoft.com/office/powerpoint/2010/main" val="1047793918"/>
+      </p:ext>
+    </p:extLst>
+  </p:cSld>
+  <p:clrMapOvr>
+    <a:masterClrMapping/>
+  </p:clrMapOvr>
+  <p:timing>
+    <p:tnLst>
+      <p:par>
+        <p:cTn id="1" dur="indefinite" restart="never" nodeType="tmRoot"/>
+      </p:par>
+    </p:tnLst>
+  </p:timing>
+</p:sld>
+</file>
+
+<file path=ppt/slides/slide7.xml><?xml version="1.0" encoding="utf-8"?>
+<p:sld xmlns:a="http://schemas.openxmlformats.org/drawingml/2006/main" xmlns:r="http://schemas.openxmlformats.org/officeDocument/2006/relationships" xmlns:p="http://schemas.openxmlformats.org/presentationml/2006/main">
+  <p:cSld>
+    <p:spTree>
+      <p:nvGrpSpPr>
+        <p:cNvPr id="1" name=""/>
+        <p:cNvGrpSpPr/>
+        <p:nvPr/>
+      </p:nvGrpSpPr>
+      <p:grpSpPr>
+        <a:xfrm>
+          <a:off x="0" y="0"/>
+          <a:ext cx="0" cy="0"/>
+          <a:chOff x="0" y="0"/>
+          <a:chExt cx="0" cy="0"/>
+        </a:xfrm>
+      </p:grpSpPr>
+      <p:sp>
+        <p:nvSpPr>
+          <p:cNvPr id="2" name="Заголовок 1"/>
+          <p:cNvSpPr>
+            <a:spLocks noGrp="1"/>
+          </p:cNvSpPr>
+          <p:nvPr>
+            <p:ph type="title"/>
+          </p:nvPr>
+        </p:nvSpPr>
+        <p:spPr/>
+        <p:txBody>
+          <a:bodyPr>
+            <a:normAutofit fontScale="90000"/>
+          </a:bodyPr>
+          <a:lstStyle/>
+          <a:p>
+            <a:r>
+              <a:rPr lang="ru-RU" dirty="0" smtClean="0"/>
+              <a:t>Интерфейс</a:t>
+            </a:r>
+            <a:endParaRPr lang="ru-RU" dirty="0"/>
+          </a:p>
+        </p:txBody>
+      </p:sp>
+      <p:sp>
+        <p:nvSpPr>
+          <p:cNvPr id="3" name="Объект 2"/>
+          <p:cNvSpPr>
+            <a:spLocks noGrp="1"/>
+          </p:cNvSpPr>
+          <p:nvPr>
+            <p:ph idx="1"/>
+          </p:nvPr>
+        </p:nvSpPr>
+        <p:spPr/>
+        <p:txBody>
+          <a:bodyPr/>
+          <a:lstStyle/>
+          <a:p>
+            <a:endParaRPr lang="ru-RU"/>
+          </a:p>
+        </p:txBody>
+      </p:sp>
+      <p:sp>
+        <p:nvSpPr>
+          <p:cNvPr id="4" name="Номер слайда 3"/>
+          <p:cNvSpPr>
+            <a:spLocks noGrp="1"/>
+          </p:cNvSpPr>
+          <p:nvPr>
+            <p:ph type="sldNum" sz="quarter" idx="12"/>
+          </p:nvPr>
+        </p:nvSpPr>
+        <p:spPr/>
+        <p:txBody>
+          <a:bodyPr/>
+          <a:lstStyle/>
+          <a:p>
+            <a:fld id="{04CAF7D5-9938-48A5-AE25-C5227D7796EA}" type="slidenum">
+              <a:rPr lang="ru-RU" smtClean="0"/>
+              <a:t>7</a:t>
+            </a:fld>
+            <a:endParaRPr lang="ru-RU"/>
+          </a:p>
+        </p:txBody>
+      </p:sp>
+    </p:spTree>
+    <p:extLst>
+      <p:ext uri="{BB962C8B-B14F-4D97-AF65-F5344CB8AC3E}">
+        <p14:creationId xmlns:p14="http://schemas.microsoft.com/office/powerpoint/2010/main" val="3000031124"/>
+      </p:ext>
+    </p:extLst>
+  </p:cSld>
+  <p:clrMapOvr>
+    <a:masterClrMapping/>
+  </p:clrMapOvr>
+  <p:timing>
+    <p:tnLst>
+      <p:par>
+        <p:cTn id="1" dur="indefinite" restart="never" nodeType="tmRoot"/>
+      </p:par>
+    </p:tnLst>
+  </p:timing>
+</p:sld>
+</file>
+
+<file path=ppt/slides/slide8.xml><?xml version="1.0" encoding="utf-8"?>
+<p:sld xmlns:a="http://schemas.openxmlformats.org/drawingml/2006/main" xmlns:r="http://schemas.openxmlformats.org/officeDocument/2006/relationships" xmlns:p="http://schemas.openxmlformats.org/presentationml/2006/main">
+  <p:cSld>
+    <p:spTree>
+      <p:nvGrpSpPr>
+        <p:cNvPr id="1" name=""/>
+        <p:cNvGrpSpPr/>
+        <p:nvPr/>
+      </p:nvGrpSpPr>
+      <p:grpSpPr>
+        <a:xfrm>
+          <a:off x="0" y="0"/>
+          <a:ext cx="0" cy="0"/>
+          <a:chOff x="0" y="0"/>
+          <a:chExt cx="0" cy="0"/>
+        </a:xfrm>
+      </p:grpSpPr>
+      <p:sp>
+        <p:nvSpPr>
+          <p:cNvPr id="2" name="Заголовок 1"/>
+          <p:cNvSpPr>
+            <a:spLocks noGrp="1"/>
+          </p:cNvSpPr>
+          <p:nvPr>
+            <p:ph type="title"/>
+          </p:nvPr>
+        </p:nvSpPr>
+        <p:spPr/>
+        <p:txBody>
+          <a:bodyPr>
+            <a:normAutofit fontScale="90000"/>
+          </a:bodyPr>
+          <a:lstStyle/>
+          <a:p>
+            <a:r>
+              <a:rPr lang="ru-RU" dirty="0" smtClean="0"/>
+              <a:t>Тестирование</a:t>
+            </a:r>
+            <a:endParaRPr lang="ru-RU" dirty="0"/>
+          </a:p>
+        </p:txBody>
+      </p:sp>
+      <p:sp>
+        <p:nvSpPr>
+          <p:cNvPr id="3" name="Объект 2"/>
+          <p:cNvSpPr>
+            <a:spLocks noGrp="1"/>
+          </p:cNvSpPr>
+          <p:nvPr>
+            <p:ph idx="1"/>
+          </p:nvPr>
+        </p:nvSpPr>
+        <p:spPr/>
+        <p:txBody>
+          <a:bodyPr/>
+          <a:lstStyle/>
+          <a:p>
+            <a:endParaRPr lang="ru-RU"/>
+          </a:p>
+        </p:txBody>
+      </p:sp>
+      <p:sp>
+        <p:nvSpPr>
+          <p:cNvPr id="4" name="Номер слайда 3"/>
+          <p:cNvSpPr>
+            <a:spLocks noGrp="1"/>
+          </p:cNvSpPr>
+          <p:nvPr>
+            <p:ph type="sldNum" sz="quarter" idx="12"/>
+          </p:nvPr>
+        </p:nvSpPr>
+        <p:spPr/>
+        <p:txBody>
+          <a:bodyPr/>
+          <a:lstStyle/>
+          <a:p>
+            <a:fld id="{04CAF7D5-9938-48A5-AE25-C5227D7796EA}" type="slidenum">
+              <a:rPr lang="ru-RU" smtClean="0"/>
+              <a:t>8</a:t>
+            </a:fld>
+            <a:endParaRPr lang="ru-RU"/>
+          </a:p>
+        </p:txBody>
+      </p:sp>
+    </p:spTree>
+    <p:extLst>
+      <p:ext uri="{BB962C8B-B14F-4D97-AF65-F5344CB8AC3E}">
+        <p14:creationId xmlns:p14="http://schemas.microsoft.com/office/powerpoint/2010/main" val="2485835659"/>
+      </p:ext>
+    </p:extLst>
+  </p:cSld>
+  <p:clrMapOvr>
+    <a:masterClrMapping/>
+  </p:clrMapOvr>
+  <p:timing>
+    <p:tnLst>
+      <p:par>
+        <p:cTn id="1" dur="indefinite" restart="never" nodeType="tmRoot"/>
+      </p:par>
+    </p:tnLst>
+  </p:timing>
+</p:sld>
+</file>
+
+<file path=ppt/slides/slide9.xml><?xml version="1.0" encoding="utf-8"?>
+<p:sld xmlns:a="http://schemas.openxmlformats.org/drawingml/2006/main" xmlns:r="http://schemas.openxmlformats.org/officeDocument/2006/relationships" xmlns:p="http://schemas.openxmlformats.org/presentationml/2006/main">
+  <p:cSld>
+    <p:spTree>
+      <p:nvGrpSpPr>
+        <p:cNvPr id="1" name=""/>
+        <p:cNvGrpSpPr/>
+        <p:nvPr/>
+      </p:nvGrpSpPr>
+      <p:grpSpPr>
+        <a:xfrm>
+          <a:off x="0" y="0"/>
+          <a:ext cx="0" cy="0"/>
+          <a:chOff x="0" y="0"/>
+          <a:chExt cx="0" cy="0"/>
+        </a:xfrm>
+      </p:grpSpPr>
+      <p:sp>
+        <p:nvSpPr>
+          <p:cNvPr id="2" name="Заголовок 1"/>
+          <p:cNvSpPr>
+            <a:spLocks noGrp="1"/>
+          </p:cNvSpPr>
+          <p:nvPr>
+            <p:ph type="title"/>
+          </p:nvPr>
+        </p:nvSpPr>
+        <p:spPr/>
+        <p:txBody>
+          <a:bodyPr>
+            <a:normAutofit fontScale="90000"/>
+          </a:bodyPr>
+          <a:lstStyle/>
+          <a:p>
+            <a:r>
+              <a:rPr lang="ru-RU" dirty="0" smtClean="0"/>
+              <a:t>Заключение</a:t>
+            </a:r>
+            <a:endParaRPr lang="ru-RU" dirty="0"/>
+          </a:p>
+        </p:txBody>
+      </p:sp>
+      <p:sp>
+        <p:nvSpPr>
+          <p:cNvPr id="3" name="Объект 2"/>
+          <p:cNvSpPr>
+            <a:spLocks noGrp="1"/>
+          </p:cNvSpPr>
+          <p:nvPr>
+            <p:ph idx="1"/>
+          </p:nvPr>
+        </p:nvSpPr>
+        <p:spPr/>
+        <p:txBody>
+          <a:bodyPr/>
+          <a:lstStyle/>
+          <a:p>
+            <a:endParaRPr lang="ru-RU" dirty="0"/>
+          </a:p>
+        </p:txBody>
+      </p:sp>
+      <p:sp>
+        <p:nvSpPr>
+          <p:cNvPr id="4" name="Номер слайда 3"/>
+          <p:cNvSpPr>
+            <a:spLocks noGrp="1"/>
+          </p:cNvSpPr>
+          <p:nvPr>
+            <p:ph type="sldNum" sz="quarter" idx="12"/>
+          </p:nvPr>
+        </p:nvSpPr>
+        <p:spPr/>
+        <p:txBody>
+          <a:bodyPr/>
+          <a:lstStyle/>
+          <a:p>
+            <a:fld id="{04CAF7D5-9938-48A5-AE25-C5227D7796EA}" type="slidenum">
+              <a:rPr lang="ru-RU" smtClean="0"/>
+              <a:t>9</a:t>
+            </a:fld>
+            <a:endParaRPr lang="ru-RU"/>
+          </a:p>
+        </p:txBody>
+      </p:sp>
+    </p:spTree>
+    <p:extLst>
+      <p:ext uri="{BB962C8B-B14F-4D97-AF65-F5344CB8AC3E}">
+        <p14:creationId xmlns:p14="http://schemas.microsoft.com/office/powerpoint/2010/main" val="1472438276"/>
       </p:ext>
     </p:extLst>
   </p:cSld>
@@ -3593,14 +5555,49 @@
         <a:srgbClr val="954F72"/>
       </a:folHlink>
     </a:clrScheme>
-    <a:fontScheme name="Стандартная">
+    <a:fontScheme name="Arial/Times New Roman">
       <a:majorFont>
-        <a:latin typeface="Calibri Light" panose="020F0302020204030204"/>
+        <a:latin typeface="Arial" panose="020B0604020202020204"/>
         <a:ea typeface=""/>
         <a:cs typeface=""/>
-        <a:font script="Jpan" typeface="游ゴシック Light"/>
-        <a:font script="Hang" typeface="맑은 고딕"/>
-        <a:font script="Hans" typeface="等线 Light"/>
+        <a:font script="Jpan" typeface="ＭＳ Ｐゴシック"/>
+        <a:font script="Hang" typeface="굴림"/>
+        <a:font script="Hans" typeface="黑体"/>
+        <a:font script="Hant" typeface="微軟正黑體"/>
+        <a:font script="Arab" typeface="Arial"/>
+        <a:font script="Hebr" typeface="Arial"/>
+        <a:font script="Thai" typeface="Cordia New"/>
+        <a:font script="Ethi" typeface="Nyala"/>
+        <a:font script="Beng" typeface="Vrinda"/>
+        <a:font script="Gujr" typeface="Shruti"/>
+        <a:font script="Khmr" typeface="DaunPenh"/>
+        <a:font script="Knda" typeface="Tunga"/>
+        <a:font script="Guru" typeface="Raavi"/>
+        <a:font script="Cans" typeface="Euphemia"/>
+        <a:font script="Cher" typeface="Plantagenet Cherokee"/>
+        <a:font script="Yiii" typeface="Microsoft Yi Baiti"/>
+        <a:font script="Tibt" typeface="Microsoft Himalaya"/>
+        <a:font script="Thaa" typeface="MV Boli"/>
+        <a:font script="Deva" typeface="Mangal"/>
+        <a:font script="Telu" typeface="Gautami"/>
+        <a:font script="Taml" typeface="Latha"/>
+        <a:font script="Syrc" typeface="Estrangelo Edessa"/>
+        <a:font script="Orya" typeface="Kalinga"/>
+        <a:font script="Mlym" typeface="Kartika"/>
+        <a:font script="Laoo" typeface="DokChampa"/>
+        <a:font script="Sinh" typeface="Iskoola Pota"/>
+        <a:font script="Mong" typeface="Mongolian Baiti"/>
+        <a:font script="Viet" typeface="Arial"/>
+        <a:font script="Uigh" typeface="Microsoft Uighur"/>
+        <a:font script="Geor" typeface="Sylfaen"/>
+      </a:majorFont>
+      <a:minorFont>
+        <a:latin typeface="Times New Roman" panose="02020603050405020304"/>
+        <a:ea typeface=""/>
+        <a:cs typeface=""/>
+        <a:font script="Jpan" typeface="ＭＳ Ｐ明朝"/>
+        <a:font script="Hang" typeface="바탕"/>
+        <a:font script="Hans" typeface="宋体"/>
         <a:font script="Hant" typeface="新細明體"/>
         <a:font script="Arab" typeface="Times New Roman"/>
         <a:font script="Hebr" typeface="Times New Roman"/>
@@ -3626,41 +5623,6 @@
         <a:font script="Sinh" typeface="Iskoola Pota"/>
         <a:font script="Mong" typeface="Mongolian Baiti"/>
         <a:font script="Viet" typeface="Times New Roman"/>
-        <a:font script="Uigh" typeface="Microsoft Uighur"/>
-        <a:font script="Geor" typeface="Sylfaen"/>
-      </a:majorFont>
-      <a:minorFont>
-        <a:latin typeface="Calibri" panose="020F0502020204030204"/>
-        <a:ea typeface=""/>
-        <a:cs typeface=""/>
-        <a:font script="Jpan" typeface="游ゴシック"/>
-        <a:font script="Hang" typeface="맑은 고딕"/>
-        <a:font script="Hans" typeface="等线"/>
-        <a:font script="Hant" typeface="新細明體"/>
-        <a:font script="Arab" typeface="Arial"/>
-        <a:font script="Hebr" typeface="Arial"/>
-        <a:font script="Thai" typeface="Cordia New"/>
-        <a:font script="Ethi" typeface="Nyala"/>
-        <a:font script="Beng" typeface="Vrinda"/>
-        <a:font script="Gujr" typeface="Shruti"/>
-        <a:font script="Khmr" typeface="DaunPenh"/>
-        <a:font script="Knda" typeface="Tunga"/>
-        <a:font script="Guru" typeface="Raavi"/>
-        <a:font script="Cans" typeface="Euphemia"/>
-        <a:font script="Cher" typeface="Plantagenet Cherokee"/>
-        <a:font script="Yiii" typeface="Microsoft Yi Baiti"/>
-        <a:font script="Tibt" typeface="Microsoft Himalaya"/>
-        <a:font script="Thaa" typeface="MV Boli"/>
-        <a:font script="Deva" typeface="Mangal"/>
-        <a:font script="Telu" typeface="Gautami"/>
-        <a:font script="Taml" typeface="Latha"/>
-        <a:font script="Syrc" typeface="Estrangelo Edessa"/>
-        <a:font script="Orya" typeface="Kalinga"/>
-        <a:font script="Mlym" typeface="Kartika"/>
-        <a:font script="Laoo" typeface="DokChampa"/>
-        <a:font script="Sinh" typeface="Iskoola Pota"/>
-        <a:font script="Mong" typeface="Mongolian Baiti"/>
-        <a:font script="Viet" typeface="Arial"/>
         <a:font script="Uigh" typeface="Microsoft Uighur"/>
         <a:font script="Geor" typeface="Sylfaen"/>
       </a:minorFont>

--- a/Презентация на защиту.pptx
+++ b/Презентация на защиту.pptx
@@ -5,7 +5,7 @@
     <p:sldMasterId id="2147483648" r:id="rId1"/>
   </p:sldMasterIdLst>
   <p:notesMasterIdLst>
-    <p:notesMasterId r:id="rId11"/>
+    <p:notesMasterId r:id="rId12"/>
   </p:notesMasterIdLst>
   <p:sldIdLst>
     <p:sldId id="256" r:id="rId2"/>
@@ -13,10 +13,11 @@
     <p:sldId id="258" r:id="rId4"/>
     <p:sldId id="259" r:id="rId5"/>
     <p:sldId id="260" r:id="rId6"/>
-    <p:sldId id="261" r:id="rId7"/>
-    <p:sldId id="262" r:id="rId8"/>
-    <p:sldId id="263" r:id="rId9"/>
-    <p:sldId id="264" r:id="rId10"/>
+    <p:sldId id="265" r:id="rId7"/>
+    <p:sldId id="261" r:id="rId8"/>
+    <p:sldId id="262" r:id="rId9"/>
+    <p:sldId id="263" r:id="rId10"/>
+    <p:sldId id="264" r:id="rId11"/>
   </p:sldIdLst>
   <p:sldSz cx="12192000" cy="6858000"/>
   <p:notesSz cx="6858000" cy="9144000"/>
@@ -3637,6 +3638,110 @@
 </p:sld>
 </file>
 
+<file path=ppt/slides/slide10.xml><?xml version="1.0" encoding="utf-8"?>
+<p:sld xmlns:a="http://schemas.openxmlformats.org/drawingml/2006/main" xmlns:r="http://schemas.openxmlformats.org/officeDocument/2006/relationships" xmlns:p="http://schemas.openxmlformats.org/presentationml/2006/main">
+  <p:cSld>
+    <p:spTree>
+      <p:nvGrpSpPr>
+        <p:cNvPr id="1" name=""/>
+        <p:cNvGrpSpPr/>
+        <p:nvPr/>
+      </p:nvGrpSpPr>
+      <p:grpSpPr>
+        <a:xfrm>
+          <a:off x="0" y="0"/>
+          <a:ext cx="0" cy="0"/>
+          <a:chOff x="0" y="0"/>
+          <a:chExt cx="0" cy="0"/>
+        </a:xfrm>
+      </p:grpSpPr>
+      <p:sp>
+        <p:nvSpPr>
+          <p:cNvPr id="2" name="Заголовок 1"/>
+          <p:cNvSpPr>
+            <a:spLocks noGrp="1"/>
+          </p:cNvSpPr>
+          <p:nvPr>
+            <p:ph type="title"/>
+          </p:nvPr>
+        </p:nvSpPr>
+        <p:spPr/>
+        <p:txBody>
+          <a:bodyPr>
+            <a:normAutofit fontScale="90000"/>
+          </a:bodyPr>
+          <a:lstStyle/>
+          <a:p>
+            <a:r>
+              <a:rPr lang="ru-RU" dirty="0" smtClean="0"/>
+              <a:t>Заключение</a:t>
+            </a:r>
+            <a:endParaRPr lang="ru-RU" dirty="0"/>
+          </a:p>
+        </p:txBody>
+      </p:sp>
+      <p:sp>
+        <p:nvSpPr>
+          <p:cNvPr id="3" name="Объект 2"/>
+          <p:cNvSpPr>
+            <a:spLocks noGrp="1"/>
+          </p:cNvSpPr>
+          <p:nvPr>
+            <p:ph idx="1"/>
+          </p:nvPr>
+        </p:nvSpPr>
+        <p:spPr/>
+        <p:txBody>
+          <a:bodyPr/>
+          <a:lstStyle/>
+          <a:p>
+            <a:endParaRPr lang="ru-RU" dirty="0"/>
+          </a:p>
+        </p:txBody>
+      </p:sp>
+      <p:sp>
+        <p:nvSpPr>
+          <p:cNvPr id="4" name="Номер слайда 3"/>
+          <p:cNvSpPr>
+            <a:spLocks noGrp="1"/>
+          </p:cNvSpPr>
+          <p:nvPr>
+            <p:ph type="sldNum" sz="quarter" idx="12"/>
+          </p:nvPr>
+        </p:nvSpPr>
+        <p:spPr/>
+        <p:txBody>
+          <a:bodyPr/>
+          <a:lstStyle/>
+          <a:p>
+            <a:fld id="{04CAF7D5-9938-48A5-AE25-C5227D7796EA}" type="slidenum">
+              <a:rPr lang="ru-RU" smtClean="0"/>
+              <a:t>10</a:t>
+            </a:fld>
+            <a:endParaRPr lang="ru-RU"/>
+          </a:p>
+        </p:txBody>
+      </p:sp>
+    </p:spTree>
+    <p:extLst>
+      <p:ext uri="{BB962C8B-B14F-4D97-AF65-F5344CB8AC3E}">
+        <p14:creationId xmlns:p14="http://schemas.microsoft.com/office/powerpoint/2010/main" val="1472438276"/>
+      </p:ext>
+    </p:extLst>
+  </p:cSld>
+  <p:clrMapOvr>
+    <a:masterClrMapping/>
+  </p:clrMapOvr>
+  <p:timing>
+    <p:tnLst>
+      <p:par>
+        <p:cTn id="1" dur="indefinite" restart="never" nodeType="tmRoot"/>
+      </p:par>
+    </p:tnLst>
+  </p:timing>
+</p:sld>
+</file>
+
 <file path=ppt/slides/slide2.xml><?xml version="1.0" encoding="utf-8"?>
 <p:sld xmlns:a="http://schemas.openxmlformats.org/drawingml/2006/main" xmlns:r="http://schemas.openxmlformats.org/officeDocument/2006/relationships" xmlns:p="http://schemas.openxmlformats.org/presentationml/2006/main">
   <p:cSld>
@@ -3873,138 +3978,64 @@
           </a:p>
         </p:txBody>
       </p:sp>
-      <p:sp>
-        <p:nvSpPr>
-          <p:cNvPr id="3" name="Объект 2"/>
-          <p:cNvSpPr>
-            <a:spLocks noGrp="1"/>
-          </p:cNvSpPr>
-          <p:nvPr>
-            <p:ph idx="1"/>
-          </p:nvPr>
-        </p:nvSpPr>
-        <p:spPr/>
-        <p:txBody>
-          <a:bodyPr/>
-          <a:lstStyle/>
-          <a:p>
-            <a:r>
-              <a:rPr lang="en-US" dirty="0" smtClean="0"/>
-              <a:t>Lex/Flex/</a:t>
-            </a:r>
-            <a:r>
-              <a:rPr lang="en-US" dirty="0" err="1" smtClean="0"/>
-              <a:t>Jflex</a:t>
-            </a:r>
-            <a:r>
-              <a:rPr lang="en-US" dirty="0" smtClean="0"/>
-              <a:t>/…</a:t>
-            </a:r>
-          </a:p>
-          <a:p>
-            <a:r>
-              <a:rPr lang="en-US" dirty="0" smtClean="0"/>
-              <a:t>ANTLR</a:t>
-            </a:r>
-          </a:p>
-          <a:p>
-            <a:r>
-              <a:rPr lang="en-US" dirty="0" err="1" smtClean="0"/>
-              <a:t>Ragel</a:t>
-            </a:r>
-            <a:endParaRPr lang="en-US" dirty="0" smtClean="0"/>
-          </a:p>
-          <a:p>
-            <a:r>
-              <a:rPr lang="en-US" dirty="0" smtClean="0"/>
-              <a:t>re2c</a:t>
-            </a:r>
-          </a:p>
-          <a:p>
-            <a:endParaRPr lang="ru-RU" dirty="0"/>
-          </a:p>
-        </p:txBody>
-      </p:sp>
-      <p:sp>
-        <p:nvSpPr>
-          <p:cNvPr id="4" name="Номер слайда 3"/>
-          <p:cNvSpPr>
-            <a:spLocks noGrp="1"/>
-          </p:cNvSpPr>
-          <p:nvPr>
-            <p:ph type="sldNum" sz="quarter" idx="12"/>
-          </p:nvPr>
-        </p:nvSpPr>
-        <p:spPr/>
-        <p:txBody>
-          <a:bodyPr/>
-          <a:lstStyle/>
-          <a:p>
-            <a:fld id="{04CAF7D5-9938-48A5-AE25-C5227D7796EA}" type="slidenum">
-              <a:rPr lang="ru-RU" smtClean="0"/>
-              <a:t>3</a:t>
-            </a:fld>
-            <a:endParaRPr lang="ru-RU"/>
-          </a:p>
-        </p:txBody>
-      </p:sp>
       <p:graphicFrame>
         <p:nvGraphicFramePr>
-          <p:cNvPr id="5" name="Таблица 4"/>
+          <p:cNvPr id="6" name="Объект 5"/>
           <p:cNvGraphicFramePr>
             <a:graphicFrameLocks noGrp="1"/>
           </p:cNvGraphicFramePr>
           <p:nvPr>
+            <p:ph idx="1"/>
             <p:extLst>
               <p:ext uri="{D42A27DB-BD31-4B8C-83A1-F6EECF244321}">
-                <p14:modId xmlns:p14="http://schemas.microsoft.com/office/powerpoint/2010/main" val="2963176544"/>
+                <p14:modId xmlns:p14="http://schemas.microsoft.com/office/powerpoint/2010/main" val="2727941737"/>
               </p:ext>
             </p:extLst>
           </p:nvPr>
         </p:nvGraphicFramePr>
         <p:xfrm>
-          <a:off x="2032000" y="719666"/>
-          <a:ext cx="8128000" cy="1381760"/>
+          <a:off x="838200" y="847725"/>
+          <a:ext cx="10515600" cy="3296920"/>
         </p:xfrm>
         <a:graphic>
           <a:graphicData uri="http://schemas.openxmlformats.org/drawingml/2006/table">
             <a:tbl>
               <a:tblPr firstRow="1" bandRow="1">
-                <a:tableStyleId>{5C22544A-7EE6-4342-B048-85BDC9FD1C3A}</a:tableStyleId>
+                <a:tableStyleId>{5940675A-B579-460E-94D1-54222C63F5DA}</a:tableStyleId>
               </a:tblPr>
               <a:tblGrid>
-                <a:gridCol w="1625600">
+                <a:gridCol w="2103120">
                   <a:extLst>
                     <a:ext uri="{9D8B030D-6E8A-4147-A177-3AD203B41FA5}">
-                      <a16:colId xmlns:a16="http://schemas.microsoft.com/office/drawing/2014/main" val="2781536198"/>
+                      <a16:colId xmlns:a16="http://schemas.microsoft.com/office/drawing/2014/main" val="2985767447"/>
                     </a:ext>
                   </a:extLst>
                 </a:gridCol>
-                <a:gridCol w="1625600">
+                <a:gridCol w="2103120">
                   <a:extLst>
                     <a:ext uri="{9D8B030D-6E8A-4147-A177-3AD203B41FA5}">
-                      <a16:colId xmlns:a16="http://schemas.microsoft.com/office/drawing/2014/main" val="432333112"/>
+                      <a16:colId xmlns:a16="http://schemas.microsoft.com/office/drawing/2014/main" val="1228321173"/>
                     </a:ext>
                   </a:extLst>
                 </a:gridCol>
-                <a:gridCol w="1625600">
+                <a:gridCol w="2103120">
                   <a:extLst>
                     <a:ext uri="{9D8B030D-6E8A-4147-A177-3AD203B41FA5}">
-                      <a16:colId xmlns:a16="http://schemas.microsoft.com/office/drawing/2014/main" val="2535420866"/>
+                      <a16:colId xmlns:a16="http://schemas.microsoft.com/office/drawing/2014/main" val="1759549783"/>
                     </a:ext>
                   </a:extLst>
                 </a:gridCol>
-                <a:gridCol w="1625600">
+                <a:gridCol w="2103120">
                   <a:extLst>
                     <a:ext uri="{9D8B030D-6E8A-4147-A177-3AD203B41FA5}">
-                      <a16:colId xmlns:a16="http://schemas.microsoft.com/office/drawing/2014/main" val="725023131"/>
+                      <a16:colId xmlns:a16="http://schemas.microsoft.com/office/drawing/2014/main" val="261485775"/>
                     </a:ext>
                   </a:extLst>
                 </a:gridCol>
-                <a:gridCol w="1625600">
+                <a:gridCol w="2103120">
                   <a:extLst>
                     <a:ext uri="{9D8B030D-6E8A-4147-A177-3AD203B41FA5}">
-                      <a16:colId xmlns:a16="http://schemas.microsoft.com/office/drawing/2014/main" val="4026909777"/>
+                      <a16:colId xmlns:a16="http://schemas.microsoft.com/office/drawing/2014/main" val="785396144"/>
                     </a:ext>
                   </a:extLst>
                 </a:gridCol>
@@ -4015,7 +4046,62 @@
                     <a:bodyPr/>
                     <a:lstStyle/>
                     <a:p>
-                      <a:endParaRPr lang="ru-RU" dirty="0">
+                      <a:r>
+                        <a:rPr lang="ru-RU" dirty="0" smtClean="0"/>
+                        <a:t>Инструмент</a:t>
+                      </a:r>
+                      <a:endParaRPr lang="ru-RU" dirty="0"/>
+                    </a:p>
+                  </a:txBody>
+                  <a:tcPr/>
+                </a:tc>
+                <a:tc>
+                  <a:txBody>
+                    <a:bodyPr/>
+                    <a:lstStyle/>
+                    <a:p>
+                      <a:pPr marL="0" marR="0" indent="0" algn="ctr" defTabSz="914400" rtl="0" eaLnBrk="1" fontAlgn="auto" latinLnBrk="0" hangingPunct="1">
+                        <a:lnSpc>
+                          <a:spcPct val="100000"/>
+                        </a:lnSpc>
+                        <a:spcBef>
+                          <a:spcPts val="0"/>
+                        </a:spcBef>
+                        <a:spcAft>
+                          <a:spcPts val="0"/>
+                        </a:spcAft>
+                        <a:buClrTx/>
+                        <a:buSzTx/>
+                        <a:buFontTx/>
+                        <a:buNone/>
+                        <a:tabLst/>
+                        <a:defRPr/>
+                      </a:pPr>
+                      <a:r>
+                        <a:rPr lang="en-US" b="1" dirty="0" smtClean="0">
+                          <a:solidFill>
+                            <a:schemeClr val="tx1"/>
+                          </a:solidFill>
+                        </a:rPr>
+                        <a:t>Lex/Flex/</a:t>
+                      </a:r>
+                      <a:r>
+                        <a:rPr lang="en-US" b="1" dirty="0" err="1" smtClean="0">
+                          <a:solidFill>
+                            <a:schemeClr val="tx1"/>
+                          </a:solidFill>
+                        </a:rPr>
+                        <a:t>Jflex</a:t>
+                      </a:r>
+                      <a:r>
+                        <a:rPr lang="en-US" b="1" dirty="0" smtClean="0">
+                          <a:solidFill>
+                            <a:schemeClr val="tx1"/>
+                          </a:solidFill>
+                        </a:rPr>
+                        <a:t>/…</a:t>
+                      </a:r>
+                      <a:endParaRPr lang="ru-RU" b="1" dirty="0" smtClean="0">
                         <a:solidFill>
                           <a:schemeClr val="tx1"/>
                         </a:solidFill>
@@ -4023,112 +4109,10 @@
                     </a:p>
                   </a:txBody>
                   <a:tcPr>
-                    <a:lnL w="12700" cap="flat" cmpd="sng" algn="ctr">
-                      <a:solidFill>
-                        <a:schemeClr val="tx1"/>
-                      </a:solidFill>
-                      <a:prstDash val="solid"/>
-                      <a:round/>
-                      <a:headEnd type="none" w="med" len="med"/>
-                      <a:tailEnd type="none" w="med" len="med"/>
-                    </a:lnL>
-                    <a:lnR w="12700" cap="flat" cmpd="sng" algn="ctr">
-                      <a:solidFill>
-                        <a:schemeClr val="tx1"/>
-                      </a:solidFill>
-                      <a:prstDash val="solid"/>
-                      <a:round/>
-                      <a:headEnd type="none" w="med" len="med"/>
-                      <a:tailEnd type="none" w="med" len="med"/>
-                    </a:lnR>
-                    <a:lnT w="12700" cap="flat" cmpd="sng" algn="ctr">
-                      <a:solidFill>
-                        <a:schemeClr val="tx1"/>
-                      </a:solidFill>
-                      <a:prstDash val="solid"/>
-                      <a:round/>
-                      <a:headEnd type="none" w="med" len="med"/>
-                      <a:tailEnd type="none" w="med" len="med"/>
-                    </a:lnT>
-                    <a:lnB w="12700" cap="flat" cmpd="sng" algn="ctr">
-                      <a:solidFill>
-                        <a:schemeClr val="tx1"/>
-                      </a:solidFill>
-                      <a:prstDash val="solid"/>
-                      <a:round/>
-                      <a:headEnd type="none" w="med" len="med"/>
-                      <a:tailEnd type="none" w="med" len="med"/>
-                    </a:lnB>
-                    <a:noFill/>
-                  </a:tcPr>
-                </a:tc>
-                <a:tc>
-                  <a:txBody>
-                    <a:bodyPr/>
-                    <a:lstStyle/>
-                    <a:p>
-                      <a:r>
-                        <a:rPr lang="en-US" dirty="0" smtClean="0">
-                          <a:solidFill>
-                            <a:schemeClr val="tx1"/>
-                          </a:solidFill>
-                        </a:rPr>
-                        <a:t>Lex/Flex/</a:t>
-                      </a:r>
-                      <a:r>
-                        <a:rPr lang="en-US" dirty="0" err="1" smtClean="0">
-                          <a:solidFill>
-                            <a:schemeClr val="tx1"/>
-                          </a:solidFill>
-                        </a:rPr>
-                        <a:t>JFlex</a:t>
-                      </a:r>
-                      <a:endParaRPr lang="ru-RU" dirty="0">
-                        <a:solidFill>
-                          <a:schemeClr val="tx1"/>
-                        </a:solidFill>
-                      </a:endParaRPr>
-                    </a:p>
-                  </a:txBody>
-                  <a:tcPr>
-                    <a:lnL w="12700" cap="flat" cmpd="sng" algn="ctr">
-                      <a:solidFill>
-                        <a:schemeClr val="tx1"/>
-                      </a:solidFill>
-                      <a:prstDash val="solid"/>
-                      <a:round/>
-                      <a:headEnd type="none" w="med" len="med"/>
-                      <a:tailEnd type="none" w="med" len="med"/>
-                    </a:lnL>
-                    <a:lnR w="12700" cap="flat" cmpd="sng" algn="ctr">
-                      <a:solidFill>
-                        <a:schemeClr val="tx1"/>
-                      </a:solidFill>
-                      <a:prstDash val="solid"/>
-                      <a:round/>
-                      <a:headEnd type="none" w="med" len="med"/>
-                      <a:tailEnd type="none" w="med" len="med"/>
-                    </a:lnR>
-                    <a:lnT w="12700" cap="flat" cmpd="sng" algn="ctr">
-                      <a:solidFill>
-                        <a:schemeClr val="tx1"/>
-                      </a:solidFill>
-                      <a:prstDash val="solid"/>
-                      <a:round/>
-                      <a:headEnd type="none" w="med" len="med"/>
-                      <a:tailEnd type="none" w="med" len="med"/>
-                    </a:lnT>
-                    <a:lnB w="12700" cap="flat" cmpd="sng" algn="ctr">
-                      <a:solidFill>
-                        <a:schemeClr val="tx1"/>
-                      </a:solidFill>
-                      <a:prstDash val="solid"/>
-                      <a:round/>
-                      <a:headEnd type="none" w="med" len="med"/>
-                      <a:tailEnd type="none" w="med" len="med"/>
-                    </a:lnB>
                     <a:solidFill>
-                      <a:schemeClr val="bg2"/>
+                      <a:schemeClr val="bg1">
+                        <a:lumMod val="85000"/>
+                      </a:schemeClr>
                     </a:solidFill>
                   </a:tcPr>
                 </a:tc>
@@ -4137,60 +4121,23 @@
                     <a:bodyPr/>
                     <a:lstStyle/>
                     <a:p>
+                      <a:pPr algn="ctr"/>
                       <a:r>
-                        <a:rPr lang="en-US" dirty="0" smtClean="0">
+                        <a:rPr lang="en-US" b="1" dirty="0" smtClean="0">
                           <a:solidFill>
                             <a:schemeClr val="tx1"/>
                           </a:solidFill>
                         </a:rPr>
                         <a:t>ANTLR</a:t>
                       </a:r>
-                      <a:endParaRPr lang="ru-RU" dirty="0">
-                        <a:solidFill>
-                          <a:schemeClr val="tx1"/>
-                        </a:solidFill>
-                      </a:endParaRPr>
+                      <a:endParaRPr lang="ru-RU" b="1" dirty="0"/>
                     </a:p>
                   </a:txBody>
                   <a:tcPr>
-                    <a:lnL w="12700" cap="flat" cmpd="sng" algn="ctr">
-                      <a:solidFill>
-                        <a:schemeClr val="tx1"/>
-                      </a:solidFill>
-                      <a:prstDash val="solid"/>
-                      <a:round/>
-                      <a:headEnd type="none" w="med" len="med"/>
-                      <a:tailEnd type="none" w="med" len="med"/>
-                    </a:lnL>
-                    <a:lnR w="12700" cap="flat" cmpd="sng" algn="ctr">
-                      <a:solidFill>
-                        <a:schemeClr val="tx1"/>
-                      </a:solidFill>
-                      <a:prstDash val="solid"/>
-                      <a:round/>
-                      <a:headEnd type="none" w="med" len="med"/>
-                      <a:tailEnd type="none" w="med" len="med"/>
-                    </a:lnR>
-                    <a:lnT w="12700" cap="flat" cmpd="sng" algn="ctr">
-                      <a:solidFill>
-                        <a:schemeClr val="tx1"/>
-                      </a:solidFill>
-                      <a:prstDash val="solid"/>
-                      <a:round/>
-                      <a:headEnd type="none" w="med" len="med"/>
-                      <a:tailEnd type="none" w="med" len="med"/>
-                    </a:lnT>
-                    <a:lnB w="12700" cap="flat" cmpd="sng" algn="ctr">
-                      <a:solidFill>
-                        <a:schemeClr val="tx1"/>
-                      </a:solidFill>
-                      <a:prstDash val="solid"/>
-                      <a:round/>
-                      <a:headEnd type="none" w="med" len="med"/>
-                      <a:tailEnd type="none" w="med" len="med"/>
-                    </a:lnB>
                     <a:solidFill>
-                      <a:schemeClr val="bg2"/>
+                      <a:schemeClr val="bg1">
+                        <a:lumMod val="85000"/>
+                      </a:schemeClr>
                     </a:solidFill>
                   </a:tcPr>
                 </a:tc>
@@ -4199,60 +4146,23 @@
                     <a:bodyPr/>
                     <a:lstStyle/>
                     <a:p>
+                      <a:pPr algn="ctr"/>
                       <a:r>
-                        <a:rPr lang="en-US" dirty="0" err="1" smtClean="0">
+                        <a:rPr lang="en-US" b="1" dirty="0" err="1" smtClean="0">
                           <a:solidFill>
                             <a:schemeClr val="tx1"/>
                           </a:solidFill>
                         </a:rPr>
                         <a:t>Ragel</a:t>
                       </a:r>
-                      <a:endParaRPr lang="ru-RU" dirty="0">
-                        <a:solidFill>
-                          <a:schemeClr val="tx1"/>
-                        </a:solidFill>
-                      </a:endParaRPr>
+                      <a:endParaRPr lang="ru-RU" b="1" dirty="0"/>
                     </a:p>
                   </a:txBody>
                   <a:tcPr>
-                    <a:lnL w="12700" cap="flat" cmpd="sng" algn="ctr">
-                      <a:solidFill>
-                        <a:schemeClr val="tx1"/>
-                      </a:solidFill>
-                      <a:prstDash val="solid"/>
-                      <a:round/>
-                      <a:headEnd type="none" w="med" len="med"/>
-                      <a:tailEnd type="none" w="med" len="med"/>
-                    </a:lnL>
-                    <a:lnR w="12700" cap="flat" cmpd="sng" algn="ctr">
-                      <a:solidFill>
-                        <a:schemeClr val="tx1"/>
-                      </a:solidFill>
-                      <a:prstDash val="solid"/>
-                      <a:round/>
-                      <a:headEnd type="none" w="med" len="med"/>
-                      <a:tailEnd type="none" w="med" len="med"/>
-                    </a:lnR>
-                    <a:lnT w="12700" cap="flat" cmpd="sng" algn="ctr">
-                      <a:solidFill>
-                        <a:schemeClr val="tx1"/>
-                      </a:solidFill>
-                      <a:prstDash val="solid"/>
-                      <a:round/>
-                      <a:headEnd type="none" w="med" len="med"/>
-                      <a:tailEnd type="none" w="med" len="med"/>
-                    </a:lnT>
-                    <a:lnB w="12700" cap="flat" cmpd="sng" algn="ctr">
-                      <a:solidFill>
-                        <a:schemeClr val="tx1"/>
-                      </a:solidFill>
-                      <a:prstDash val="solid"/>
-                      <a:round/>
-                      <a:headEnd type="none" w="med" len="med"/>
-                      <a:tailEnd type="none" w="med" len="med"/>
-                    </a:lnB>
                     <a:solidFill>
-                      <a:schemeClr val="bg2"/>
+                      <a:schemeClr val="bg1">
+                        <a:lumMod val="85000"/>
+                      </a:schemeClr>
                     </a:solidFill>
                   </a:tcPr>
                 </a:tc>
@@ -4261,66 +4171,29 @@
                     <a:bodyPr/>
                     <a:lstStyle/>
                     <a:p>
+                      <a:pPr algn="ctr"/>
                       <a:r>
-                        <a:rPr lang="en-US" dirty="0" smtClean="0">
+                        <a:rPr lang="en-US" b="1" dirty="0" smtClean="0">
                           <a:solidFill>
                             <a:schemeClr val="tx1"/>
                           </a:solidFill>
                         </a:rPr>
-                        <a:t>Re2c</a:t>
+                        <a:t>re2c</a:t>
                       </a:r>
-                      <a:endParaRPr lang="ru-RU" dirty="0">
-                        <a:solidFill>
-                          <a:schemeClr val="tx1"/>
-                        </a:solidFill>
-                      </a:endParaRPr>
+                      <a:endParaRPr lang="ru-RU" b="1" dirty="0"/>
                     </a:p>
                   </a:txBody>
                   <a:tcPr>
-                    <a:lnL w="12700" cap="flat" cmpd="sng" algn="ctr">
-                      <a:solidFill>
-                        <a:schemeClr val="tx1"/>
-                      </a:solidFill>
-                      <a:prstDash val="solid"/>
-                      <a:round/>
-                      <a:headEnd type="none" w="med" len="med"/>
-                      <a:tailEnd type="none" w="med" len="med"/>
-                    </a:lnL>
-                    <a:lnR w="12700" cap="flat" cmpd="sng" algn="ctr">
-                      <a:solidFill>
-                        <a:schemeClr val="tx1"/>
-                      </a:solidFill>
-                      <a:prstDash val="solid"/>
-                      <a:round/>
-                      <a:headEnd type="none" w="med" len="med"/>
-                      <a:tailEnd type="none" w="med" len="med"/>
-                    </a:lnR>
-                    <a:lnT w="12700" cap="flat" cmpd="sng" algn="ctr">
-                      <a:solidFill>
-                        <a:schemeClr val="tx1"/>
-                      </a:solidFill>
-                      <a:prstDash val="solid"/>
-                      <a:round/>
-                      <a:headEnd type="none" w="med" len="med"/>
-                      <a:tailEnd type="none" w="med" len="med"/>
-                    </a:lnT>
-                    <a:lnB w="12700" cap="flat" cmpd="sng" algn="ctr">
-                      <a:solidFill>
-                        <a:schemeClr val="tx1"/>
-                      </a:solidFill>
-                      <a:prstDash val="solid"/>
-                      <a:round/>
-                      <a:headEnd type="none" w="med" len="med"/>
-                      <a:tailEnd type="none" w="med" len="med"/>
-                    </a:lnB>
                     <a:solidFill>
-                      <a:schemeClr val="bg2"/>
+                      <a:schemeClr val="bg1">
+                        <a:lumMod val="85000"/>
+                      </a:schemeClr>
                     </a:solidFill>
                   </a:tcPr>
                 </a:tc>
                 <a:extLst>
                   <a:ext uri="{0D108BD9-81ED-4DB2-BD59-A6C34878D82A}">
-                    <a16:rowId xmlns:a16="http://schemas.microsoft.com/office/drawing/2014/main" val="3864216833"/>
+                    <a16:rowId xmlns:a16="http://schemas.microsoft.com/office/drawing/2014/main" val="242673379"/>
                   </a:ext>
                 </a:extLst>
               </a:tr>
@@ -4331,271 +4204,69 @@
                     <a:lstStyle/>
                     <a:p>
                       <a:r>
-                        <a:rPr lang="ru-RU" dirty="0" smtClean="0">
-                          <a:solidFill>
-                            <a:schemeClr val="tx1"/>
-                          </a:solidFill>
-                        </a:rPr>
+                        <a:rPr lang="ru-RU" dirty="0" smtClean="0"/>
                         <a:t>Назначение</a:t>
                       </a:r>
-                      <a:endParaRPr lang="ru-RU" dirty="0">
-                        <a:solidFill>
-                          <a:schemeClr val="tx1"/>
-                        </a:solidFill>
-                      </a:endParaRPr>
+                      <a:endParaRPr lang="ru-RU" dirty="0"/>
                     </a:p>
                   </a:txBody>
-                  <a:tcPr>
-                    <a:lnL w="12700" cap="flat" cmpd="sng" algn="ctr">
-                      <a:solidFill>
-                        <a:schemeClr val="tx1"/>
-                      </a:solidFill>
-                      <a:prstDash val="solid"/>
-                      <a:round/>
-                      <a:headEnd type="none" w="med" len="med"/>
-                      <a:tailEnd type="none" w="med" len="med"/>
-                    </a:lnL>
-                    <a:lnR w="12700" cap="flat" cmpd="sng" algn="ctr">
-                      <a:solidFill>
-                        <a:schemeClr val="tx1"/>
-                      </a:solidFill>
-                      <a:prstDash val="solid"/>
-                      <a:round/>
-                      <a:headEnd type="none" w="med" len="med"/>
-                      <a:tailEnd type="none" w="med" len="med"/>
-                    </a:lnR>
-                    <a:lnT w="12700" cap="flat" cmpd="sng" algn="ctr">
-                      <a:solidFill>
-                        <a:schemeClr val="tx1"/>
-                      </a:solidFill>
-                      <a:prstDash val="solid"/>
-                      <a:round/>
-                      <a:headEnd type="none" w="med" len="med"/>
-                      <a:tailEnd type="none" w="med" len="med"/>
-                    </a:lnT>
-                    <a:lnB w="12700" cap="flat" cmpd="sng" algn="ctr">
-                      <a:solidFill>
-                        <a:schemeClr val="tx1"/>
-                      </a:solidFill>
-                      <a:prstDash val="solid"/>
-                      <a:round/>
-                      <a:headEnd type="none" w="med" len="med"/>
-                      <a:tailEnd type="none" w="med" len="med"/>
-                    </a:lnB>
-                    <a:noFill/>
-                  </a:tcPr>
+                  <a:tcPr/>
                 </a:tc>
                 <a:tc>
                   <a:txBody>
                     <a:bodyPr/>
                     <a:lstStyle/>
                     <a:p>
-                      <a:endParaRPr lang="ru-RU" dirty="0">
-                        <a:solidFill>
-                          <a:schemeClr val="tx1"/>
-                        </a:solidFill>
-                      </a:endParaRPr>
+                      <a:r>
+                        <a:rPr lang="ru-RU" dirty="0" smtClean="0"/>
+                        <a:t>Генератор лексических анализаторов</a:t>
+                      </a:r>
+                      <a:endParaRPr lang="ru-RU" dirty="0"/>
                     </a:p>
                   </a:txBody>
-                  <a:tcPr>
-                    <a:lnL w="12700" cap="flat" cmpd="sng" algn="ctr">
-                      <a:solidFill>
-                        <a:schemeClr val="tx1"/>
-                      </a:solidFill>
-                      <a:prstDash val="solid"/>
-                      <a:round/>
-                      <a:headEnd type="none" w="med" len="med"/>
-                      <a:tailEnd type="none" w="med" len="med"/>
-                    </a:lnL>
-                    <a:lnR w="12700" cap="flat" cmpd="sng" algn="ctr">
-                      <a:solidFill>
-                        <a:schemeClr val="tx1"/>
-                      </a:solidFill>
-                      <a:prstDash val="solid"/>
-                      <a:round/>
-                      <a:headEnd type="none" w="med" len="med"/>
-                      <a:tailEnd type="none" w="med" len="med"/>
-                    </a:lnR>
-                    <a:lnT w="12700" cap="flat" cmpd="sng" algn="ctr">
-                      <a:solidFill>
-                        <a:schemeClr val="tx1"/>
-                      </a:solidFill>
-                      <a:prstDash val="solid"/>
-                      <a:round/>
-                      <a:headEnd type="none" w="med" len="med"/>
-                      <a:tailEnd type="none" w="med" len="med"/>
-                    </a:lnT>
-                    <a:lnB w="12700" cap="flat" cmpd="sng" algn="ctr">
-                      <a:solidFill>
-                        <a:schemeClr val="tx1"/>
-                      </a:solidFill>
-                      <a:prstDash val="solid"/>
-                      <a:round/>
-                      <a:headEnd type="none" w="med" len="med"/>
-                      <a:tailEnd type="none" w="med" len="med"/>
-                    </a:lnB>
-                    <a:noFill/>
-                  </a:tcPr>
+                  <a:tcPr/>
                 </a:tc>
                 <a:tc>
                   <a:txBody>
                     <a:bodyPr/>
                     <a:lstStyle/>
                     <a:p>
-                      <a:endParaRPr lang="ru-RU" dirty="0">
-                        <a:solidFill>
-                          <a:schemeClr val="tx1"/>
-                        </a:solidFill>
-                      </a:endParaRPr>
+                      <a:r>
+                        <a:rPr lang="ru-RU" dirty="0" smtClean="0"/>
+                        <a:t>Построение</a:t>
+                      </a:r>
+                      <a:r>
+                        <a:rPr lang="ru-RU" baseline="0" dirty="0" smtClean="0"/>
+                        <a:t> лексических и синтаксических анализаторов</a:t>
+                      </a:r>
+                      <a:endParaRPr lang="ru-RU" dirty="0"/>
                     </a:p>
                   </a:txBody>
-                  <a:tcPr>
-                    <a:lnL w="12700" cap="flat" cmpd="sng" algn="ctr">
-                      <a:solidFill>
-                        <a:schemeClr val="tx1"/>
-                      </a:solidFill>
-                      <a:prstDash val="solid"/>
-                      <a:round/>
-                      <a:headEnd type="none" w="med" len="med"/>
-                      <a:tailEnd type="none" w="med" len="med"/>
-                    </a:lnL>
-                    <a:lnR w="12700" cap="flat" cmpd="sng" algn="ctr">
-                      <a:solidFill>
-                        <a:schemeClr val="tx1"/>
-                      </a:solidFill>
-                      <a:prstDash val="solid"/>
-                      <a:round/>
-                      <a:headEnd type="none" w="med" len="med"/>
-                      <a:tailEnd type="none" w="med" len="med"/>
-                    </a:lnR>
-                    <a:lnT w="12700" cap="flat" cmpd="sng" algn="ctr">
-                      <a:solidFill>
-                        <a:schemeClr val="tx1"/>
-                      </a:solidFill>
-                      <a:prstDash val="solid"/>
-                      <a:round/>
-                      <a:headEnd type="none" w="med" len="med"/>
-                      <a:tailEnd type="none" w="med" len="med"/>
-                    </a:lnT>
-                    <a:lnB w="12700" cap="flat" cmpd="sng" algn="ctr">
-                      <a:solidFill>
-                        <a:schemeClr val="tx1"/>
-                      </a:solidFill>
-                      <a:prstDash val="solid"/>
-                      <a:round/>
-                      <a:headEnd type="none" w="med" len="med"/>
-                      <a:tailEnd type="none" w="med" len="med"/>
-                    </a:lnB>
-                    <a:noFill/>
-                  </a:tcPr>
+                  <a:tcPr/>
                 </a:tc>
                 <a:tc>
                   <a:txBody>
                     <a:bodyPr/>
                     <a:lstStyle/>
                     <a:p>
-                      <a:endParaRPr lang="ru-RU" dirty="0">
-                        <a:solidFill>
-                          <a:schemeClr val="tx1"/>
-                        </a:solidFill>
-                      </a:endParaRPr>
+                      <a:endParaRPr lang="ru-RU" dirty="0"/>
                     </a:p>
                   </a:txBody>
-                  <a:tcPr>
-                    <a:lnL w="12700" cap="flat" cmpd="sng" algn="ctr">
-                      <a:solidFill>
-                        <a:schemeClr val="tx1"/>
-                      </a:solidFill>
-                      <a:prstDash val="solid"/>
-                      <a:round/>
-                      <a:headEnd type="none" w="med" len="med"/>
-                      <a:tailEnd type="none" w="med" len="med"/>
-                    </a:lnL>
-                    <a:lnR w="12700" cap="flat" cmpd="sng" algn="ctr">
-                      <a:solidFill>
-                        <a:schemeClr val="tx1"/>
-                      </a:solidFill>
-                      <a:prstDash val="solid"/>
-                      <a:round/>
-                      <a:headEnd type="none" w="med" len="med"/>
-                      <a:tailEnd type="none" w="med" len="med"/>
-                    </a:lnR>
-                    <a:lnT w="12700" cap="flat" cmpd="sng" algn="ctr">
-                      <a:solidFill>
-                        <a:schemeClr val="tx1"/>
-                      </a:solidFill>
-                      <a:prstDash val="solid"/>
-                      <a:round/>
-                      <a:headEnd type="none" w="med" len="med"/>
-                      <a:tailEnd type="none" w="med" len="med"/>
-                    </a:lnT>
-                    <a:lnB w="12700" cap="flat" cmpd="sng" algn="ctr">
-                      <a:solidFill>
-                        <a:schemeClr val="tx1"/>
-                      </a:solidFill>
-                      <a:prstDash val="solid"/>
-                      <a:round/>
-                      <a:headEnd type="none" w="med" len="med"/>
-                      <a:tailEnd type="none" w="med" len="med"/>
-                    </a:lnB>
-                    <a:noFill/>
-                  </a:tcPr>
+                  <a:tcPr/>
                 </a:tc>
                 <a:tc>
                   <a:txBody>
                     <a:bodyPr/>
                     <a:lstStyle/>
                     <a:p>
-                      <a:endParaRPr lang="ru-RU" dirty="0">
-                        <a:solidFill>
-                          <a:schemeClr val="tx1"/>
-                        </a:solidFill>
-                      </a:endParaRPr>
+                      <a:endParaRPr lang="ru-RU"/>
                     </a:p>
                   </a:txBody>
-                  <a:tcPr>
-                    <a:lnL w="12700" cap="flat" cmpd="sng" algn="ctr">
-                      <a:solidFill>
-                        <a:schemeClr val="tx1"/>
-                      </a:solidFill>
-                      <a:prstDash val="solid"/>
-                      <a:round/>
-                      <a:headEnd type="none" w="med" len="med"/>
-                      <a:tailEnd type="none" w="med" len="med"/>
-                    </a:lnL>
-                    <a:lnR w="12700" cap="flat" cmpd="sng" algn="ctr">
-                      <a:solidFill>
-                        <a:schemeClr val="tx1"/>
-                      </a:solidFill>
-                      <a:prstDash val="solid"/>
-                      <a:round/>
-                      <a:headEnd type="none" w="med" len="med"/>
-                      <a:tailEnd type="none" w="med" len="med"/>
-                    </a:lnR>
-                    <a:lnT w="12700" cap="flat" cmpd="sng" algn="ctr">
-                      <a:solidFill>
-                        <a:schemeClr val="tx1"/>
-                      </a:solidFill>
-                      <a:prstDash val="solid"/>
-                      <a:round/>
-                      <a:headEnd type="none" w="med" len="med"/>
-                      <a:tailEnd type="none" w="med" len="med"/>
-                    </a:lnT>
-                    <a:lnB w="12700" cap="flat" cmpd="sng" algn="ctr">
-                      <a:solidFill>
-                        <a:schemeClr val="tx1"/>
-                      </a:solidFill>
-                      <a:prstDash val="solid"/>
-                      <a:round/>
-                      <a:headEnd type="none" w="med" len="med"/>
-                      <a:tailEnd type="none" w="med" len="med"/>
-                    </a:lnB>
-                    <a:noFill/>
-                  </a:tcPr>
+                  <a:tcPr/>
                 </a:tc>
                 <a:extLst>
                   <a:ext uri="{0D108BD9-81ED-4DB2-BD59-A6C34878D82A}">
-                    <a16:rowId xmlns:a16="http://schemas.microsoft.com/office/drawing/2014/main" val="3597158765"/>
+                    <a16:rowId xmlns:a16="http://schemas.microsoft.com/office/drawing/2014/main" val="1267251333"/>
                   </a:ext>
                 </a:extLst>
               </a:tr>
@@ -4605,264 +4276,70 @@
                     <a:bodyPr/>
                     <a:lstStyle/>
                     <a:p>
-                      <a:endParaRPr lang="ru-RU">
-                        <a:solidFill>
-                          <a:schemeClr val="tx1"/>
-                        </a:solidFill>
-                      </a:endParaRPr>
+                      <a:r>
+                        <a:rPr lang="ru-RU" dirty="0" smtClean="0"/>
+                        <a:t>Визуализация (граф переходов конечного</a:t>
+                      </a:r>
+                      <a:r>
+                        <a:rPr lang="ru-RU" baseline="0" dirty="0" smtClean="0"/>
+                        <a:t> автомата, дерево переходов - в </a:t>
+                      </a:r>
+                      <a:r>
+                        <a:rPr lang="en-US" baseline="0" dirty="0" smtClean="0"/>
+                        <a:t>ANTLR</a:t>
+                      </a:r>
+                      <a:r>
+                        <a:rPr lang="ru-RU" baseline="0" dirty="0" smtClean="0"/>
+                        <a:t>)</a:t>
+                      </a:r>
+                      <a:endParaRPr lang="ru-RU" dirty="0"/>
                     </a:p>
                   </a:txBody>
-                  <a:tcPr>
-                    <a:lnL w="12700" cap="flat" cmpd="sng" algn="ctr">
-                      <a:solidFill>
-                        <a:schemeClr val="tx1"/>
-                      </a:solidFill>
-                      <a:prstDash val="solid"/>
-                      <a:round/>
-                      <a:headEnd type="none" w="med" len="med"/>
-                      <a:tailEnd type="none" w="med" len="med"/>
-                    </a:lnL>
-                    <a:lnR w="12700" cap="flat" cmpd="sng" algn="ctr">
-                      <a:solidFill>
-                        <a:schemeClr val="tx1"/>
-                      </a:solidFill>
-                      <a:prstDash val="solid"/>
-                      <a:round/>
-                      <a:headEnd type="none" w="med" len="med"/>
-                      <a:tailEnd type="none" w="med" len="med"/>
-                    </a:lnR>
-                    <a:lnT w="12700" cap="flat" cmpd="sng" algn="ctr">
-                      <a:solidFill>
-                        <a:schemeClr val="tx1"/>
-                      </a:solidFill>
-                      <a:prstDash val="solid"/>
-                      <a:round/>
-                      <a:headEnd type="none" w="med" len="med"/>
-                      <a:tailEnd type="none" w="med" len="med"/>
-                    </a:lnT>
-                    <a:lnB w="12700" cap="flat" cmpd="sng" algn="ctr">
-                      <a:solidFill>
-                        <a:schemeClr val="tx1"/>
-                      </a:solidFill>
-                      <a:prstDash val="solid"/>
-                      <a:round/>
-                      <a:headEnd type="none" w="med" len="med"/>
-                      <a:tailEnd type="none" w="med" len="med"/>
-                    </a:lnB>
-                    <a:noFill/>
-                  </a:tcPr>
+                  <a:tcPr/>
                 </a:tc>
                 <a:tc>
                   <a:txBody>
                     <a:bodyPr/>
                     <a:lstStyle/>
                     <a:p>
-                      <a:endParaRPr lang="ru-RU">
-                        <a:solidFill>
-                          <a:schemeClr val="tx1"/>
-                        </a:solidFill>
-                      </a:endParaRPr>
+                      <a:endParaRPr lang="ru-RU"/>
                     </a:p>
                   </a:txBody>
-                  <a:tcPr>
-                    <a:lnL w="12700" cap="flat" cmpd="sng" algn="ctr">
-                      <a:solidFill>
-                        <a:schemeClr val="tx1"/>
-                      </a:solidFill>
-                      <a:prstDash val="solid"/>
-                      <a:round/>
-                      <a:headEnd type="none" w="med" len="med"/>
-                      <a:tailEnd type="none" w="med" len="med"/>
-                    </a:lnL>
-                    <a:lnR w="12700" cap="flat" cmpd="sng" algn="ctr">
-                      <a:solidFill>
-                        <a:schemeClr val="tx1"/>
-                      </a:solidFill>
-                      <a:prstDash val="solid"/>
-                      <a:round/>
-                      <a:headEnd type="none" w="med" len="med"/>
-                      <a:tailEnd type="none" w="med" len="med"/>
-                    </a:lnR>
-                    <a:lnT w="12700" cap="flat" cmpd="sng" algn="ctr">
-                      <a:solidFill>
-                        <a:schemeClr val="tx1"/>
-                      </a:solidFill>
-                      <a:prstDash val="solid"/>
-                      <a:round/>
-                      <a:headEnd type="none" w="med" len="med"/>
-                      <a:tailEnd type="none" w="med" len="med"/>
-                    </a:lnT>
-                    <a:lnB w="12700" cap="flat" cmpd="sng" algn="ctr">
-                      <a:solidFill>
-                        <a:schemeClr val="tx1"/>
-                      </a:solidFill>
-                      <a:prstDash val="solid"/>
-                      <a:round/>
-                      <a:headEnd type="none" w="med" len="med"/>
-                      <a:tailEnd type="none" w="med" len="med"/>
-                    </a:lnB>
-                    <a:noFill/>
-                  </a:tcPr>
+                  <a:tcPr/>
                 </a:tc>
                 <a:tc>
                   <a:txBody>
                     <a:bodyPr/>
                     <a:lstStyle/>
                     <a:p>
-                      <a:endParaRPr lang="ru-RU">
-                        <a:solidFill>
-                          <a:schemeClr val="tx1"/>
-                        </a:solidFill>
-                      </a:endParaRPr>
+                      <a:endParaRPr lang="ru-RU"/>
                     </a:p>
                   </a:txBody>
-                  <a:tcPr>
-                    <a:lnL w="12700" cap="flat" cmpd="sng" algn="ctr">
-                      <a:solidFill>
-                        <a:schemeClr val="tx1"/>
-                      </a:solidFill>
-                      <a:prstDash val="solid"/>
-                      <a:round/>
-                      <a:headEnd type="none" w="med" len="med"/>
-                      <a:tailEnd type="none" w="med" len="med"/>
-                    </a:lnL>
-                    <a:lnR w="12700" cap="flat" cmpd="sng" algn="ctr">
-                      <a:solidFill>
-                        <a:schemeClr val="tx1"/>
-                      </a:solidFill>
-                      <a:prstDash val="solid"/>
-                      <a:round/>
-                      <a:headEnd type="none" w="med" len="med"/>
-                      <a:tailEnd type="none" w="med" len="med"/>
-                    </a:lnR>
-                    <a:lnT w="12700" cap="flat" cmpd="sng" algn="ctr">
-                      <a:solidFill>
-                        <a:schemeClr val="tx1"/>
-                      </a:solidFill>
-                      <a:prstDash val="solid"/>
-                      <a:round/>
-                      <a:headEnd type="none" w="med" len="med"/>
-                      <a:tailEnd type="none" w="med" len="med"/>
-                    </a:lnT>
-                    <a:lnB w="12700" cap="flat" cmpd="sng" algn="ctr">
-                      <a:solidFill>
-                        <a:schemeClr val="tx1"/>
-                      </a:solidFill>
-                      <a:prstDash val="solid"/>
-                      <a:round/>
-                      <a:headEnd type="none" w="med" len="med"/>
-                      <a:tailEnd type="none" w="med" len="med"/>
-                    </a:lnB>
-                    <a:noFill/>
-                  </a:tcPr>
+                  <a:tcPr/>
                 </a:tc>
                 <a:tc>
                   <a:txBody>
                     <a:bodyPr/>
                     <a:lstStyle/>
                     <a:p>
-                      <a:endParaRPr lang="ru-RU" dirty="0">
-                        <a:solidFill>
-                          <a:schemeClr val="tx1"/>
-                        </a:solidFill>
-                      </a:endParaRPr>
+                      <a:endParaRPr lang="ru-RU"/>
                     </a:p>
                   </a:txBody>
-                  <a:tcPr>
-                    <a:lnL w="12700" cap="flat" cmpd="sng" algn="ctr">
-                      <a:solidFill>
-                        <a:schemeClr val="tx1"/>
-                      </a:solidFill>
-                      <a:prstDash val="solid"/>
-                      <a:round/>
-                      <a:headEnd type="none" w="med" len="med"/>
-                      <a:tailEnd type="none" w="med" len="med"/>
-                    </a:lnL>
-                    <a:lnR w="12700" cap="flat" cmpd="sng" algn="ctr">
-                      <a:solidFill>
-                        <a:schemeClr val="tx1"/>
-                      </a:solidFill>
-                      <a:prstDash val="solid"/>
-                      <a:round/>
-                      <a:headEnd type="none" w="med" len="med"/>
-                      <a:tailEnd type="none" w="med" len="med"/>
-                    </a:lnR>
-                    <a:lnT w="12700" cap="flat" cmpd="sng" algn="ctr">
-                      <a:solidFill>
-                        <a:schemeClr val="tx1"/>
-                      </a:solidFill>
-                      <a:prstDash val="solid"/>
-                      <a:round/>
-                      <a:headEnd type="none" w="med" len="med"/>
-                      <a:tailEnd type="none" w="med" len="med"/>
-                    </a:lnT>
-                    <a:lnB w="12700" cap="flat" cmpd="sng" algn="ctr">
-                      <a:solidFill>
-                        <a:schemeClr val="tx1"/>
-                      </a:solidFill>
-                      <a:prstDash val="solid"/>
-                      <a:round/>
-                      <a:headEnd type="none" w="med" len="med"/>
-                      <a:tailEnd type="none" w="med" len="med"/>
-                    </a:lnB>
-                    <a:noFill/>
-                  </a:tcPr>
+                  <a:tcPr/>
                 </a:tc>
                 <a:tc>
                   <a:txBody>
                     <a:bodyPr/>
                     <a:lstStyle/>
                     <a:p>
-                      <a:endParaRPr lang="ru-RU" dirty="0">
-                        <a:solidFill>
-                          <a:schemeClr val="tx1"/>
-                        </a:solidFill>
-                      </a:endParaRPr>
+                      <a:endParaRPr lang="ru-RU" dirty="0"/>
                     </a:p>
                   </a:txBody>
-                  <a:tcPr>
-                    <a:lnL w="12700" cap="flat" cmpd="sng" algn="ctr">
-                      <a:solidFill>
-                        <a:schemeClr val="tx1"/>
-                      </a:solidFill>
-                      <a:prstDash val="solid"/>
-                      <a:round/>
-                      <a:headEnd type="none" w="med" len="med"/>
-                      <a:tailEnd type="none" w="med" len="med"/>
-                    </a:lnL>
-                    <a:lnR w="12700" cap="flat" cmpd="sng" algn="ctr">
-                      <a:solidFill>
-                        <a:schemeClr val="tx1"/>
-                      </a:solidFill>
-                      <a:prstDash val="solid"/>
-                      <a:round/>
-                      <a:headEnd type="none" w="med" len="med"/>
-                      <a:tailEnd type="none" w="med" len="med"/>
-                    </a:lnR>
-                    <a:lnT w="12700" cap="flat" cmpd="sng" algn="ctr">
-                      <a:solidFill>
-                        <a:schemeClr val="tx1"/>
-                      </a:solidFill>
-                      <a:prstDash val="solid"/>
-                      <a:round/>
-                      <a:headEnd type="none" w="med" len="med"/>
-                      <a:tailEnd type="none" w="med" len="med"/>
-                    </a:lnT>
-                    <a:lnB w="12700" cap="flat" cmpd="sng" algn="ctr">
-                      <a:solidFill>
-                        <a:schemeClr val="tx1"/>
-                      </a:solidFill>
-                      <a:prstDash val="solid"/>
-                      <a:round/>
-                      <a:headEnd type="none" w="med" len="med"/>
-                      <a:tailEnd type="none" w="med" len="med"/>
-                    </a:lnB>
-                    <a:noFill/>
-                  </a:tcPr>
+                  <a:tcPr/>
                 </a:tc>
                 <a:extLst>
                   <a:ext uri="{0D108BD9-81ED-4DB2-BD59-A6C34878D82A}">
-                    <a16:rowId xmlns:a16="http://schemas.microsoft.com/office/drawing/2014/main" val="3009800293"/>
+                    <a16:rowId xmlns:a16="http://schemas.microsoft.com/office/drawing/2014/main" val="819771898"/>
                   </a:ext>
                 </a:extLst>
               </a:tr>
@@ -4870,6 +4347,29 @@
           </a:graphicData>
         </a:graphic>
       </p:graphicFrame>
+      <p:sp>
+        <p:nvSpPr>
+          <p:cNvPr id="4" name="Номер слайда 3"/>
+          <p:cNvSpPr>
+            <a:spLocks noGrp="1"/>
+          </p:cNvSpPr>
+          <p:nvPr>
+            <p:ph type="sldNum" sz="quarter" idx="12"/>
+          </p:nvPr>
+        </p:nvSpPr>
+        <p:spPr/>
+        <p:txBody>
+          <a:bodyPr/>
+          <a:lstStyle/>
+          <a:p>
+            <a:fld id="{04CAF7D5-9938-48A5-AE25-C5227D7796EA}" type="slidenum">
+              <a:rPr lang="ru-RU" smtClean="0"/>
+              <a:t>3</a:t>
+            </a:fld>
+            <a:endParaRPr lang="ru-RU"/>
+          </a:p>
+        </p:txBody>
+      </p:sp>
     </p:spTree>
     <p:extLst>
       <p:ext uri="{BB962C8B-B14F-4D97-AF65-F5344CB8AC3E}">
@@ -5134,7 +4634,7 @@
           <a:p>
             <a:r>
               <a:rPr lang="ru-RU" dirty="0" smtClean="0"/>
-              <a:t>Разработка 1</a:t>
+              <a:t>Проектирование архитектуры программной системы</a:t>
             </a:r>
             <a:endParaRPr lang="ru-RU" dirty="0"/>
           </a:p>
@@ -5185,20 +4685,13 @@
     </p:spTree>
     <p:extLst>
       <p:ext uri="{BB962C8B-B14F-4D97-AF65-F5344CB8AC3E}">
-        <p14:creationId xmlns:p14="http://schemas.microsoft.com/office/powerpoint/2010/main" val="1047793918"/>
+        <p14:creationId xmlns:p14="http://schemas.microsoft.com/office/powerpoint/2010/main" val="2518371560"/>
       </p:ext>
     </p:extLst>
   </p:cSld>
   <p:clrMapOvr>
     <a:masterClrMapping/>
   </p:clrMapOvr>
-  <p:timing>
-    <p:tnLst>
-      <p:par>
-        <p:cTn id="1" dur="indefinite" restart="never" nodeType="tmRoot"/>
-      </p:par>
-    </p:tnLst>
-  </p:timing>
 </p:sld>
 </file>
 
@@ -5238,7 +4731,7 @@
           <a:p>
             <a:r>
               <a:rPr lang="ru-RU" dirty="0" smtClean="0"/>
-              <a:t>Интерфейс</a:t>
+              <a:t>Разработка алгоритмов</a:t>
             </a:r>
             <a:endParaRPr lang="ru-RU" dirty="0"/>
           </a:p>
@@ -5289,7 +4782,7 @@
     </p:spTree>
     <p:extLst>
       <p:ext uri="{BB962C8B-B14F-4D97-AF65-F5344CB8AC3E}">
-        <p14:creationId xmlns:p14="http://schemas.microsoft.com/office/powerpoint/2010/main" val="3000031124"/>
+        <p14:creationId xmlns:p14="http://schemas.microsoft.com/office/powerpoint/2010/main" val="1047793918"/>
       </p:ext>
     </p:extLst>
   </p:cSld>
@@ -5342,7 +4835,7 @@
           <a:p>
             <a:r>
               <a:rPr lang="ru-RU" dirty="0" smtClean="0"/>
-              <a:t>Тестирование</a:t>
+              <a:t>Интерфейс</a:t>
             </a:r>
             <a:endParaRPr lang="ru-RU" dirty="0"/>
           </a:p>
@@ -5393,7 +4886,7 @@
     </p:spTree>
     <p:extLst>
       <p:ext uri="{BB962C8B-B14F-4D97-AF65-F5344CB8AC3E}">
-        <p14:creationId xmlns:p14="http://schemas.microsoft.com/office/powerpoint/2010/main" val="2485835659"/>
+        <p14:creationId xmlns:p14="http://schemas.microsoft.com/office/powerpoint/2010/main" val="3000031124"/>
       </p:ext>
     </p:extLst>
   </p:cSld>
@@ -5446,7 +4939,7 @@
           <a:p>
             <a:r>
               <a:rPr lang="ru-RU" dirty="0" smtClean="0"/>
-              <a:t>Заключение</a:t>
+              <a:t>Тестирование</a:t>
             </a:r>
             <a:endParaRPr lang="ru-RU" dirty="0"/>
           </a:p>
@@ -5467,7 +4960,7 @@
           <a:bodyPr/>
           <a:lstStyle/>
           <a:p>
-            <a:endParaRPr lang="ru-RU" dirty="0"/>
+            <a:endParaRPr lang="ru-RU"/>
           </a:p>
         </p:txBody>
       </p:sp>
@@ -5497,7 +4990,7 @@
     </p:spTree>
     <p:extLst>
       <p:ext uri="{BB962C8B-B14F-4D97-AF65-F5344CB8AC3E}">
-        <p14:creationId xmlns:p14="http://schemas.microsoft.com/office/powerpoint/2010/main" val="1472438276"/>
+        <p14:creationId xmlns:p14="http://schemas.microsoft.com/office/powerpoint/2010/main" val="2485835659"/>
       </p:ext>
     </p:extLst>
   </p:cSld>

--- a/Презентация на защиту.pptx
+++ b/Презентация на защиту.pptx
@@ -3564,7 +3564,14 @@
                 <a:latin typeface="Times New Roman" panose="02020603050405020304" pitchFamily="18" charset="0"/>
                 <a:cs typeface="Times New Roman" panose="02020603050405020304" pitchFamily="18" charset="0"/>
               </a:rPr>
-              <a:t>Научный руководитель: </a:t>
+              <a:t>Руководитель</a:t>
+            </a:r>
+            <a:r>
+              <a:rPr lang="ru-RU" sz="2000" dirty="0" smtClean="0">
+                <a:latin typeface="Times New Roman" panose="02020603050405020304" pitchFamily="18" charset="0"/>
+                <a:cs typeface="Times New Roman" panose="02020603050405020304" pitchFamily="18" charset="0"/>
+              </a:rPr>
+              <a:t>: </a:t>
             </a:r>
             <a:r>
               <a:rPr lang="ru-RU" sz="2000" dirty="0" err="1" smtClean="0">
@@ -3777,8 +3784,8 @@
           <a:lstStyle/>
           <a:p>
             <a:r>
-              <a:rPr lang="ru-RU" dirty="0" smtClean="0"/>
-              <a:t>Цель работы, задачи</a:t>
+              <a:rPr lang="ru-RU" dirty="0"/>
+              <a:t>Постановка задачи</a:t>
             </a:r>
             <a:endParaRPr lang="ru-RU" dirty="0"/>
           </a:p>
@@ -3988,14 +3995,14 @@
             <p:ph idx="1"/>
             <p:extLst>
               <p:ext uri="{D42A27DB-BD31-4B8C-83A1-F6EECF244321}">
-                <p14:modId xmlns:p14="http://schemas.microsoft.com/office/powerpoint/2010/main" val="2727941737"/>
+                <p14:modId xmlns:p14="http://schemas.microsoft.com/office/powerpoint/2010/main" val="853609257"/>
               </p:ext>
             </p:extLst>
           </p:nvPr>
         </p:nvGraphicFramePr>
         <p:xfrm>
           <a:off x="838200" y="847725"/>
-          <a:ext cx="10515600" cy="3296920"/>
+          <a:ext cx="10515600" cy="4119880"/>
         </p:xfrm>
         <a:graphic>
           <a:graphicData uri="http://schemas.openxmlformats.org/drawingml/2006/table">
@@ -4249,6 +4256,14 @@
                     <a:bodyPr/>
                     <a:lstStyle/>
                     <a:p>
+                      <a:r>
+                        <a:rPr lang="ru-RU" dirty="0" smtClean="0"/>
+                        <a:t>Компилятор</a:t>
+                      </a:r>
+                      <a:r>
+                        <a:rPr lang="ru-RU" baseline="0" dirty="0" smtClean="0"/>
+                        <a:t> конечных автоматов. Используется при построении лексических анализаторов</a:t>
+                      </a:r>
                       <a:endParaRPr lang="ru-RU" dirty="0"/>
                     </a:p>
                   </a:txBody>
@@ -4259,7 +4274,15 @@
                     <a:bodyPr/>
                     <a:lstStyle/>
                     <a:p>
-                      <a:endParaRPr lang="ru-RU"/>
+                      <a:r>
+                        <a:rPr lang="ru-RU" dirty="0" smtClean="0"/>
+                        <a:t>Компилятор</a:t>
+                      </a:r>
+                      <a:r>
+                        <a:rPr lang="ru-RU" baseline="0" dirty="0" smtClean="0"/>
+                        <a:t> регулярных выражений</a:t>
+                      </a:r>
+                      <a:endParaRPr lang="ru-RU" dirty="0"/>
                     </a:p>
                   </a:txBody>
                   <a:tcPr/>
@@ -4835,7 +4858,7 @@
           <a:p>
             <a:r>
               <a:rPr lang="ru-RU" dirty="0" smtClean="0"/>
-              <a:t>Интерфейс</a:t>
+              <a:t>Интерфейс программной системы</a:t>
             </a:r>
             <a:endParaRPr lang="ru-RU" dirty="0"/>
           </a:p>
@@ -4939,7 +4962,7 @@
           <a:p>
             <a:r>
               <a:rPr lang="ru-RU" dirty="0" smtClean="0"/>
-              <a:t>Тестирование</a:t>
+              <a:t>Тестирование программной системы</a:t>
             </a:r>
             <a:endParaRPr lang="ru-RU" dirty="0"/>
           </a:p>

--- a/Презентация на защиту.pptx
+++ b/Презентация на защиту.pptx
@@ -5,19 +5,24 @@
     <p:sldMasterId id="2147483648" r:id="rId1"/>
   </p:sldMasterIdLst>
   <p:notesMasterIdLst>
-    <p:notesMasterId r:id="rId12"/>
+    <p:notesMasterId r:id="rId17"/>
   </p:notesMasterIdLst>
   <p:sldIdLst>
     <p:sldId id="256" r:id="rId2"/>
     <p:sldId id="257" r:id="rId3"/>
-    <p:sldId id="258" r:id="rId4"/>
-    <p:sldId id="259" r:id="rId5"/>
-    <p:sldId id="260" r:id="rId6"/>
-    <p:sldId id="265" r:id="rId7"/>
-    <p:sldId id="261" r:id="rId8"/>
-    <p:sldId id="262" r:id="rId9"/>
-    <p:sldId id="263" r:id="rId10"/>
-    <p:sldId id="264" r:id="rId11"/>
+    <p:sldId id="266" r:id="rId4"/>
+    <p:sldId id="258" r:id="rId5"/>
+    <p:sldId id="259" r:id="rId6"/>
+    <p:sldId id="260" r:id="rId7"/>
+    <p:sldId id="267" r:id="rId8"/>
+    <p:sldId id="265" r:id="rId9"/>
+    <p:sldId id="261" r:id="rId10"/>
+    <p:sldId id="268" r:id="rId11"/>
+    <p:sldId id="262" r:id="rId12"/>
+    <p:sldId id="269" r:id="rId13"/>
+    <p:sldId id="270" r:id="rId14"/>
+    <p:sldId id="271" r:id="rId15"/>
+    <p:sldId id="264" r:id="rId16"/>
   </p:sldIdLst>
   <p:sldSz cx="12192000" cy="6858000"/>
   <p:notesSz cx="6858000" cy="9144000"/>
@@ -1477,7 +1482,7 @@
 </file>
 
 <file path=ppt/slideLayouts/slideLayout4.xml><?xml version="1.0" encoding="utf-8"?>
-<p:sldLayout xmlns:a="http://schemas.openxmlformats.org/drawingml/2006/main" xmlns:r="http://schemas.openxmlformats.org/officeDocument/2006/relationships" xmlns:p="http://schemas.openxmlformats.org/presentationml/2006/main" type="twoObj" preserve="1">
+<p:sldLayout xmlns:a="http://schemas.openxmlformats.org/drawingml/2006/main" xmlns:r="http://schemas.openxmlformats.org/officeDocument/2006/relationships" xmlns:p="http://schemas.openxmlformats.org/presentationml/2006/main" preserve="1" userDrawn="1">
   <p:cSld name="Два объекта">
     <p:spTree>
       <p:nvGrpSpPr>
@@ -1495,29 +1500,6 @@
       </p:grpSpPr>
       <p:sp>
         <p:nvSpPr>
-          <p:cNvPr id="2" name="Заголовок 1"/>
-          <p:cNvSpPr>
-            <a:spLocks noGrp="1"/>
-          </p:cNvSpPr>
-          <p:nvPr>
-            <p:ph type="title"/>
-          </p:nvPr>
-        </p:nvSpPr>
-        <p:spPr/>
-        <p:txBody>
-          <a:bodyPr/>
-          <a:lstStyle/>
-          <a:p>
-            <a:r>
-              <a:rPr lang="ru-RU" smtClean="0"/>
-              <a:t>Образец заголовка</a:t>
-            </a:r>
-            <a:endParaRPr lang="ru-RU"/>
-          </a:p>
-        </p:txBody>
-      </p:sp>
-      <p:sp>
-        <p:nvSpPr>
           <p:cNvPr id="3" name="Объект 2"/>
           <p:cNvSpPr>
             <a:spLocks noGrp="1"/>
@@ -1528,8 +1510,8 @@
         </p:nvSpPr>
         <p:spPr>
           <a:xfrm>
-            <a:off x="838200" y="1825625"/>
-            <a:ext cx="5181600" cy="4351338"/>
+            <a:off x="838200" y="859171"/>
+            <a:ext cx="5181600" cy="5317792"/>
           </a:xfrm>
         </p:spPr>
         <p:txBody>
@@ -1538,38 +1520,38 @@
           <a:p>
             <a:pPr lvl="0"/>
             <a:r>
-              <a:rPr lang="ru-RU" smtClean="0"/>
+              <a:rPr lang="ru-RU" dirty="0" smtClean="0"/>
               <a:t>Образец текста</a:t>
             </a:r>
           </a:p>
           <a:p>
             <a:pPr lvl="1"/>
             <a:r>
-              <a:rPr lang="ru-RU" smtClean="0"/>
+              <a:rPr lang="ru-RU" dirty="0" smtClean="0"/>
               <a:t>Второй уровень</a:t>
             </a:r>
           </a:p>
           <a:p>
             <a:pPr lvl="2"/>
             <a:r>
-              <a:rPr lang="ru-RU" smtClean="0"/>
+              <a:rPr lang="ru-RU" dirty="0" smtClean="0"/>
               <a:t>Третий уровень</a:t>
             </a:r>
           </a:p>
           <a:p>
             <a:pPr lvl="3"/>
             <a:r>
-              <a:rPr lang="ru-RU" smtClean="0"/>
+              <a:rPr lang="ru-RU" dirty="0" smtClean="0"/>
               <a:t>Четвертый уровень</a:t>
             </a:r>
           </a:p>
           <a:p>
             <a:pPr lvl="4"/>
             <a:r>
-              <a:rPr lang="ru-RU" smtClean="0"/>
+              <a:rPr lang="ru-RU" dirty="0" smtClean="0"/>
               <a:t>Пятый уровень</a:t>
             </a:r>
-            <a:endParaRPr lang="ru-RU"/>
+            <a:endParaRPr lang="ru-RU" dirty="0"/>
           </a:p>
         </p:txBody>
       </p:sp>
@@ -1585,8 +1567,8 @@
         </p:nvSpPr>
         <p:spPr>
           <a:xfrm>
-            <a:off x="6172200" y="1825625"/>
-            <a:ext cx="5181600" cy="4351338"/>
+            <a:off x="6172200" y="859171"/>
+            <a:ext cx="5181600" cy="5317792"/>
           </a:xfrm>
         </p:spPr>
         <p:txBody>
@@ -1695,6 +1677,34 @@
               <a:rPr lang="ru-RU" smtClean="0"/>
               <a:t>‹#›</a:t>
             </a:fld>
+            <a:endParaRPr lang="ru-RU"/>
+          </a:p>
+        </p:txBody>
+      </p:sp>
+      <p:sp>
+        <p:nvSpPr>
+          <p:cNvPr id="8" name="Заголовок 1"/>
+          <p:cNvSpPr>
+            <a:spLocks noGrp="1"/>
+          </p:cNvSpPr>
+          <p:nvPr>
+            <p:ph type="title"/>
+          </p:nvPr>
+        </p:nvSpPr>
+        <p:spPr>
+          <a:xfrm>
+            <a:off x="838200" y="161515"/>
+            <a:ext cx="10515600" cy="483100"/>
+          </a:xfrm>
+        </p:spPr>
+        <p:txBody>
+          <a:bodyPr/>
+          <a:lstStyle/>
+          <a:p>
+            <a:r>
+              <a:rPr lang="ru-RU" smtClean="0"/>
+              <a:t>Образец заголовка</a:t>
+            </a:r>
             <a:endParaRPr lang="ru-RU"/>
           </a:p>
         </p:txBody>
@@ -3064,7 +3074,7 @@
           <a:bodyPr vert="horz" lIns="91440" tIns="45720" rIns="91440" bIns="45720" rtlCol="0" anchor="ctr"/>
           <a:lstStyle>
             <a:lvl1pPr algn="r">
-              <a:defRPr sz="1400">
+              <a:defRPr sz="1800">
                 <a:solidFill>
                   <a:schemeClr val="tx1">
                     <a:tint val="75000"/>
@@ -3564,14 +3574,7 @@
                 <a:latin typeface="Times New Roman" panose="02020603050405020304" pitchFamily="18" charset="0"/>
                 <a:cs typeface="Times New Roman" panose="02020603050405020304" pitchFamily="18" charset="0"/>
               </a:rPr>
-              <a:t>Руководитель</a:t>
-            </a:r>
-            <a:r>
-              <a:rPr lang="ru-RU" sz="2000" dirty="0" smtClean="0">
-                <a:latin typeface="Times New Roman" panose="02020603050405020304" pitchFamily="18" charset="0"/>
-                <a:cs typeface="Times New Roman" panose="02020603050405020304" pitchFamily="18" charset="0"/>
-              </a:rPr>
-              <a:t>: </a:t>
+              <a:t>Руководитель: </a:t>
             </a:r>
             <a:r>
               <a:rPr lang="ru-RU" sz="2000" dirty="0" err="1" smtClean="0">
@@ -3681,6 +3684,646 @@
           <a:p>
             <a:r>
               <a:rPr lang="ru-RU" dirty="0" smtClean="0"/>
+              <a:t>Разработка алгоритмов</a:t>
+            </a:r>
+            <a:endParaRPr lang="ru-RU" dirty="0"/>
+          </a:p>
+        </p:txBody>
+      </p:sp>
+      <p:sp>
+        <p:nvSpPr>
+          <p:cNvPr id="3" name="Объект 2"/>
+          <p:cNvSpPr>
+            <a:spLocks noGrp="1"/>
+          </p:cNvSpPr>
+          <p:nvPr>
+            <p:ph idx="1"/>
+          </p:nvPr>
+        </p:nvSpPr>
+        <p:spPr>
+          <a:xfrm>
+            <a:off x="838200" y="848226"/>
+            <a:ext cx="10515600" cy="541345"/>
+          </a:xfrm>
+        </p:spPr>
+        <p:txBody>
+          <a:bodyPr>
+            <a:normAutofit fontScale="85000" lnSpcReduction="10000"/>
+          </a:bodyPr>
+          <a:lstStyle/>
+          <a:p>
+            <a:pPr marL="0" indent="0">
+              <a:buNone/>
+            </a:pPr>
+            <a:r>
+              <a:rPr lang="ru-RU" dirty="0" smtClean="0"/>
+              <a:t>Блок-схемы генерации выходного кода для ЯП Паскаль (</a:t>
+            </a:r>
+            <a:r>
+              <a:rPr lang="ru-RU" dirty="0" err="1" smtClean="0"/>
+              <a:t>недетализированные</a:t>
+            </a:r>
+            <a:r>
+              <a:rPr lang="ru-RU" dirty="0" smtClean="0"/>
+              <a:t>)</a:t>
+            </a:r>
+            <a:endParaRPr lang="ru-RU" dirty="0"/>
+          </a:p>
+        </p:txBody>
+      </p:sp>
+      <p:sp>
+        <p:nvSpPr>
+          <p:cNvPr id="4" name="Номер слайда 3"/>
+          <p:cNvSpPr>
+            <a:spLocks noGrp="1"/>
+          </p:cNvSpPr>
+          <p:nvPr>
+            <p:ph type="sldNum" sz="quarter" idx="12"/>
+          </p:nvPr>
+        </p:nvSpPr>
+        <p:spPr/>
+        <p:txBody>
+          <a:bodyPr/>
+          <a:lstStyle/>
+          <a:p>
+            <a:fld id="{04CAF7D5-9938-48A5-AE25-C5227D7796EA}" type="slidenum">
+              <a:rPr lang="ru-RU" smtClean="0"/>
+              <a:t>10</a:t>
+            </a:fld>
+            <a:endParaRPr lang="ru-RU"/>
+          </a:p>
+        </p:txBody>
+      </p:sp>
+      <p:pic>
+        <p:nvPicPr>
+          <p:cNvPr id="5" name="Рисунок 4"/>
+          <p:cNvPicPr/>
+          <p:nvPr/>
+        </p:nvPicPr>
+        <p:blipFill>
+          <a:blip r:embed="rId2"/>
+          <a:stretch>
+            <a:fillRect/>
+          </a:stretch>
+        </p:blipFill>
+        <p:spPr>
+          <a:xfrm>
+            <a:off x="388747" y="1558013"/>
+            <a:ext cx="4274820" cy="3577590"/>
+          </a:xfrm>
+          <a:prstGeom prst="rect">
+            <a:avLst/>
+          </a:prstGeom>
+        </p:spPr>
+      </p:pic>
+      <p:pic>
+        <p:nvPicPr>
+          <p:cNvPr id="6" name="Рисунок 5"/>
+          <p:cNvPicPr/>
+          <p:nvPr/>
+        </p:nvPicPr>
+        <p:blipFill>
+          <a:blip r:embed="rId3"/>
+          <a:stretch>
+            <a:fillRect/>
+          </a:stretch>
+        </p:blipFill>
+        <p:spPr>
+          <a:xfrm>
+            <a:off x="4663567" y="1558013"/>
+            <a:ext cx="5940425" cy="4994910"/>
+          </a:xfrm>
+          <a:prstGeom prst="rect">
+            <a:avLst/>
+          </a:prstGeom>
+        </p:spPr>
+      </p:pic>
+    </p:spTree>
+    <p:extLst>
+      <p:ext uri="{BB962C8B-B14F-4D97-AF65-F5344CB8AC3E}">
+        <p14:creationId xmlns:p14="http://schemas.microsoft.com/office/powerpoint/2010/main" val="227413603"/>
+      </p:ext>
+    </p:extLst>
+  </p:cSld>
+  <p:clrMapOvr>
+    <a:masterClrMapping/>
+  </p:clrMapOvr>
+</p:sld>
+</file>
+
+<file path=ppt/slides/slide11.xml><?xml version="1.0" encoding="utf-8"?>
+<p:sld xmlns:a="http://schemas.openxmlformats.org/drawingml/2006/main" xmlns:r="http://schemas.openxmlformats.org/officeDocument/2006/relationships" xmlns:p="http://schemas.openxmlformats.org/presentationml/2006/main">
+  <p:cSld>
+    <p:spTree>
+      <p:nvGrpSpPr>
+        <p:cNvPr id="1" name=""/>
+        <p:cNvGrpSpPr/>
+        <p:nvPr/>
+      </p:nvGrpSpPr>
+      <p:grpSpPr>
+        <a:xfrm>
+          <a:off x="0" y="0"/>
+          <a:ext cx="0" cy="0"/>
+          <a:chOff x="0" y="0"/>
+          <a:chExt cx="0" cy="0"/>
+        </a:xfrm>
+      </p:grpSpPr>
+      <p:sp>
+        <p:nvSpPr>
+          <p:cNvPr id="2" name="Заголовок 1"/>
+          <p:cNvSpPr>
+            <a:spLocks noGrp="1"/>
+          </p:cNvSpPr>
+          <p:nvPr>
+            <p:ph type="title"/>
+          </p:nvPr>
+        </p:nvSpPr>
+        <p:spPr/>
+        <p:txBody>
+          <a:bodyPr>
+            <a:normAutofit fontScale="90000"/>
+          </a:bodyPr>
+          <a:lstStyle/>
+          <a:p>
+            <a:r>
+              <a:rPr lang="ru-RU" dirty="0" smtClean="0"/>
+              <a:t>Интерфейс программной системы</a:t>
+            </a:r>
+            <a:endParaRPr lang="ru-RU" dirty="0"/>
+          </a:p>
+        </p:txBody>
+      </p:sp>
+      <p:sp>
+        <p:nvSpPr>
+          <p:cNvPr id="4" name="Номер слайда 3"/>
+          <p:cNvSpPr>
+            <a:spLocks noGrp="1"/>
+          </p:cNvSpPr>
+          <p:nvPr>
+            <p:ph type="sldNum" sz="quarter" idx="12"/>
+          </p:nvPr>
+        </p:nvSpPr>
+        <p:spPr/>
+        <p:txBody>
+          <a:bodyPr/>
+          <a:lstStyle/>
+          <a:p>
+            <a:fld id="{04CAF7D5-9938-48A5-AE25-C5227D7796EA}" type="slidenum">
+              <a:rPr lang="ru-RU" smtClean="0"/>
+              <a:t>11</a:t>
+            </a:fld>
+            <a:endParaRPr lang="ru-RU"/>
+          </a:p>
+        </p:txBody>
+      </p:sp>
+      <p:pic>
+        <p:nvPicPr>
+          <p:cNvPr id="5" name="Объект 4"/>
+          <p:cNvPicPr>
+            <a:picLocks noGrp="1"/>
+          </p:cNvPicPr>
+          <p:nvPr>
+            <p:ph idx="1"/>
+          </p:nvPr>
+        </p:nvPicPr>
+        <p:blipFill>
+          <a:blip r:embed="rId2"/>
+          <a:stretch>
+            <a:fillRect/>
+          </a:stretch>
+        </p:blipFill>
+        <p:spPr>
+          <a:xfrm>
+            <a:off x="838200" y="679784"/>
+            <a:ext cx="6107114" cy="3858612"/>
+          </a:xfrm>
+          <a:prstGeom prst="rect">
+            <a:avLst/>
+          </a:prstGeom>
+        </p:spPr>
+      </p:pic>
+      <p:pic>
+        <p:nvPicPr>
+          <p:cNvPr id="6" name="Объект 4"/>
+          <p:cNvPicPr>
+            <a:picLocks/>
+          </p:cNvPicPr>
+          <p:nvPr/>
+        </p:nvPicPr>
+        <p:blipFill>
+          <a:blip r:embed="rId3"/>
+          <a:stretch>
+            <a:fillRect/>
+          </a:stretch>
+        </p:blipFill>
+        <p:spPr>
+          <a:xfrm>
+            <a:off x="8021016" y="679784"/>
+            <a:ext cx="3332784" cy="2831512"/>
+          </a:xfrm>
+          <a:prstGeom prst="rect">
+            <a:avLst/>
+          </a:prstGeom>
+        </p:spPr>
+      </p:pic>
+      <p:pic>
+        <p:nvPicPr>
+          <p:cNvPr id="7" name="Рисунок 6"/>
+          <p:cNvPicPr/>
+          <p:nvPr/>
+        </p:nvPicPr>
+        <p:blipFill>
+          <a:blip r:embed="rId4"/>
+          <a:stretch>
+            <a:fillRect/>
+          </a:stretch>
+        </p:blipFill>
+        <p:spPr>
+          <a:xfrm>
+            <a:off x="7287768" y="3745740"/>
+            <a:ext cx="3685032" cy="2610610"/>
+          </a:xfrm>
+          <a:prstGeom prst="rect">
+            <a:avLst/>
+          </a:prstGeom>
+        </p:spPr>
+      </p:pic>
+    </p:spTree>
+    <p:extLst>
+      <p:ext uri="{BB962C8B-B14F-4D97-AF65-F5344CB8AC3E}">
+        <p14:creationId xmlns:p14="http://schemas.microsoft.com/office/powerpoint/2010/main" val="3000031124"/>
+      </p:ext>
+    </p:extLst>
+  </p:cSld>
+  <p:clrMapOvr>
+    <a:masterClrMapping/>
+  </p:clrMapOvr>
+  <p:timing>
+    <p:tnLst>
+      <p:par>
+        <p:cTn id="1" dur="indefinite" restart="never" nodeType="tmRoot"/>
+      </p:par>
+    </p:tnLst>
+  </p:timing>
+</p:sld>
+</file>
+
+<file path=ppt/slides/slide12.xml><?xml version="1.0" encoding="utf-8"?>
+<p:sld xmlns:a="http://schemas.openxmlformats.org/drawingml/2006/main" xmlns:r="http://schemas.openxmlformats.org/officeDocument/2006/relationships" xmlns:p="http://schemas.openxmlformats.org/presentationml/2006/main">
+  <p:cSld>
+    <p:spTree>
+      <p:nvGrpSpPr>
+        <p:cNvPr id="1" name=""/>
+        <p:cNvGrpSpPr/>
+        <p:nvPr/>
+      </p:nvGrpSpPr>
+      <p:grpSpPr>
+        <a:xfrm>
+          <a:off x="0" y="0"/>
+          <a:ext cx="0" cy="0"/>
+          <a:chOff x="0" y="0"/>
+          <a:chExt cx="0" cy="0"/>
+        </a:xfrm>
+      </p:grpSpPr>
+      <p:sp>
+        <p:nvSpPr>
+          <p:cNvPr id="2" name="Заголовок 1"/>
+          <p:cNvSpPr>
+            <a:spLocks noGrp="1"/>
+          </p:cNvSpPr>
+          <p:nvPr>
+            <p:ph type="title"/>
+          </p:nvPr>
+        </p:nvSpPr>
+        <p:spPr/>
+        <p:txBody>
+          <a:bodyPr>
+            <a:normAutofit fontScale="90000"/>
+          </a:bodyPr>
+          <a:lstStyle/>
+          <a:p>
+            <a:r>
+              <a:rPr lang="ru-RU" dirty="0" smtClean="0"/>
+              <a:t>Интерфейс программной системы</a:t>
+            </a:r>
+            <a:endParaRPr lang="ru-RU" dirty="0"/>
+          </a:p>
+        </p:txBody>
+      </p:sp>
+      <p:sp>
+        <p:nvSpPr>
+          <p:cNvPr id="4" name="Номер слайда 3"/>
+          <p:cNvSpPr>
+            <a:spLocks noGrp="1"/>
+          </p:cNvSpPr>
+          <p:nvPr>
+            <p:ph type="sldNum" sz="quarter" idx="12"/>
+          </p:nvPr>
+        </p:nvSpPr>
+        <p:spPr/>
+        <p:txBody>
+          <a:bodyPr/>
+          <a:lstStyle/>
+          <a:p>
+            <a:fld id="{04CAF7D5-9938-48A5-AE25-C5227D7796EA}" type="slidenum">
+              <a:rPr lang="ru-RU" smtClean="0"/>
+              <a:t>12</a:t>
+            </a:fld>
+            <a:endParaRPr lang="ru-RU"/>
+          </a:p>
+        </p:txBody>
+      </p:sp>
+      <p:pic>
+        <p:nvPicPr>
+          <p:cNvPr id="8" name="Объект 7"/>
+          <p:cNvPicPr>
+            <a:picLocks noGrp="1"/>
+          </p:cNvPicPr>
+          <p:nvPr>
+            <p:ph idx="1"/>
+          </p:nvPr>
+        </p:nvPicPr>
+        <p:blipFill>
+          <a:blip r:embed="rId2"/>
+          <a:stretch>
+            <a:fillRect/>
+          </a:stretch>
+        </p:blipFill>
+        <p:spPr>
+          <a:xfrm>
+            <a:off x="838200" y="1682827"/>
+            <a:ext cx="10515600" cy="3659033"/>
+          </a:xfrm>
+          <a:prstGeom prst="rect">
+            <a:avLst/>
+          </a:prstGeom>
+        </p:spPr>
+      </p:pic>
+    </p:spTree>
+    <p:extLst>
+      <p:ext uri="{BB962C8B-B14F-4D97-AF65-F5344CB8AC3E}">
+        <p14:creationId xmlns:p14="http://schemas.microsoft.com/office/powerpoint/2010/main" val="1771358330"/>
+      </p:ext>
+    </p:extLst>
+  </p:cSld>
+  <p:clrMapOvr>
+    <a:masterClrMapping/>
+  </p:clrMapOvr>
+</p:sld>
+</file>
+
+<file path=ppt/slides/slide13.xml><?xml version="1.0" encoding="utf-8"?>
+<p:sld xmlns:a="http://schemas.openxmlformats.org/drawingml/2006/main" xmlns:r="http://schemas.openxmlformats.org/officeDocument/2006/relationships" xmlns:p="http://schemas.openxmlformats.org/presentationml/2006/main">
+  <p:cSld>
+    <p:spTree>
+      <p:nvGrpSpPr>
+        <p:cNvPr id="1" name=""/>
+        <p:cNvGrpSpPr/>
+        <p:nvPr/>
+      </p:nvGrpSpPr>
+      <p:grpSpPr>
+        <a:xfrm>
+          <a:off x="0" y="0"/>
+          <a:ext cx="0" cy="0"/>
+          <a:chOff x="0" y="0"/>
+          <a:chExt cx="0" cy="0"/>
+        </a:xfrm>
+      </p:grpSpPr>
+      <p:sp>
+        <p:nvSpPr>
+          <p:cNvPr id="2" name="Заголовок 1"/>
+          <p:cNvSpPr>
+            <a:spLocks noGrp="1"/>
+          </p:cNvSpPr>
+          <p:nvPr>
+            <p:ph type="title"/>
+          </p:nvPr>
+        </p:nvSpPr>
+        <p:spPr/>
+        <p:txBody>
+          <a:bodyPr>
+            <a:normAutofit fontScale="90000"/>
+          </a:bodyPr>
+          <a:lstStyle/>
+          <a:p>
+            <a:r>
+              <a:rPr lang="ru-RU" dirty="0" smtClean="0"/>
+              <a:t>Интерфейс программной системы</a:t>
+            </a:r>
+            <a:endParaRPr lang="ru-RU" dirty="0"/>
+          </a:p>
+        </p:txBody>
+      </p:sp>
+      <p:sp>
+        <p:nvSpPr>
+          <p:cNvPr id="4" name="Номер слайда 3"/>
+          <p:cNvSpPr>
+            <a:spLocks noGrp="1"/>
+          </p:cNvSpPr>
+          <p:nvPr>
+            <p:ph type="sldNum" sz="quarter" idx="12"/>
+          </p:nvPr>
+        </p:nvSpPr>
+        <p:spPr/>
+        <p:txBody>
+          <a:bodyPr/>
+          <a:lstStyle/>
+          <a:p>
+            <a:fld id="{04CAF7D5-9938-48A5-AE25-C5227D7796EA}" type="slidenum">
+              <a:rPr lang="ru-RU" smtClean="0"/>
+              <a:t>13</a:t>
+            </a:fld>
+            <a:endParaRPr lang="ru-RU"/>
+          </a:p>
+        </p:txBody>
+      </p:sp>
+      <p:pic>
+        <p:nvPicPr>
+          <p:cNvPr id="5" name="Объект 4"/>
+          <p:cNvPicPr>
+            <a:picLocks noGrp="1"/>
+          </p:cNvPicPr>
+          <p:nvPr>
+            <p:ph idx="1"/>
+          </p:nvPr>
+        </p:nvPicPr>
+        <p:blipFill>
+          <a:blip r:embed="rId2"/>
+          <a:stretch>
+            <a:fillRect/>
+          </a:stretch>
+        </p:blipFill>
+        <p:spPr>
+          <a:xfrm>
+            <a:off x="838200" y="1264321"/>
+            <a:ext cx="10515600" cy="4496045"/>
+          </a:xfrm>
+          <a:prstGeom prst="rect">
+            <a:avLst/>
+          </a:prstGeom>
+        </p:spPr>
+      </p:pic>
+    </p:spTree>
+    <p:extLst>
+      <p:ext uri="{BB962C8B-B14F-4D97-AF65-F5344CB8AC3E}">
+        <p14:creationId xmlns:p14="http://schemas.microsoft.com/office/powerpoint/2010/main" val="3601388351"/>
+      </p:ext>
+    </p:extLst>
+  </p:cSld>
+  <p:clrMapOvr>
+    <a:masterClrMapping/>
+  </p:clrMapOvr>
+</p:sld>
+</file>
+
+<file path=ppt/slides/slide14.xml><?xml version="1.0" encoding="utf-8"?>
+<p:sld xmlns:a="http://schemas.openxmlformats.org/drawingml/2006/main" xmlns:r="http://schemas.openxmlformats.org/officeDocument/2006/relationships" xmlns:p="http://schemas.openxmlformats.org/presentationml/2006/main">
+  <p:cSld>
+    <p:spTree>
+      <p:nvGrpSpPr>
+        <p:cNvPr id="1" name=""/>
+        <p:cNvGrpSpPr/>
+        <p:nvPr/>
+      </p:nvGrpSpPr>
+      <p:grpSpPr>
+        <a:xfrm>
+          <a:off x="0" y="0"/>
+          <a:ext cx="0" cy="0"/>
+          <a:chOff x="0" y="0"/>
+          <a:chExt cx="0" cy="0"/>
+        </a:xfrm>
+      </p:grpSpPr>
+      <p:sp>
+        <p:nvSpPr>
+          <p:cNvPr id="2" name="Заголовок 1"/>
+          <p:cNvSpPr>
+            <a:spLocks noGrp="1"/>
+          </p:cNvSpPr>
+          <p:nvPr>
+            <p:ph type="title"/>
+          </p:nvPr>
+        </p:nvSpPr>
+        <p:spPr/>
+        <p:txBody>
+          <a:bodyPr>
+            <a:normAutofit fontScale="90000"/>
+          </a:bodyPr>
+          <a:lstStyle/>
+          <a:p>
+            <a:r>
+              <a:rPr lang="ru-RU" dirty="0" smtClean="0"/>
+              <a:t>Тестирование программой системы</a:t>
+            </a:r>
+            <a:endParaRPr lang="ru-RU" dirty="0"/>
+          </a:p>
+        </p:txBody>
+      </p:sp>
+      <p:sp>
+        <p:nvSpPr>
+          <p:cNvPr id="3" name="Объект 2"/>
+          <p:cNvSpPr>
+            <a:spLocks noGrp="1"/>
+          </p:cNvSpPr>
+          <p:nvPr>
+            <p:ph idx="1"/>
+          </p:nvPr>
+        </p:nvSpPr>
+        <p:spPr/>
+        <p:txBody>
+          <a:bodyPr/>
+          <a:lstStyle/>
+          <a:p>
+            <a:pPr marL="0" indent="0">
+              <a:buNone/>
+            </a:pPr>
+            <a:r>
+              <a:rPr lang="ru-RU" dirty="0" smtClean="0"/>
+              <a:t>Подход к тестированию ПО: проверка распознавателей, сгенерированных им. Если они правильно распознают конструкции формальных языков, для которых они создавались, то работа разработанной </a:t>
+            </a:r>
+            <a:r>
+              <a:rPr lang="ru-RU" smtClean="0"/>
+              <a:t>системы является </a:t>
+            </a:r>
+            <a:r>
+              <a:rPr lang="ru-RU" dirty="0" smtClean="0"/>
+              <a:t>правильной</a:t>
+            </a:r>
+            <a:endParaRPr lang="ru-RU" dirty="0"/>
+          </a:p>
+        </p:txBody>
+      </p:sp>
+      <p:sp>
+        <p:nvSpPr>
+          <p:cNvPr id="4" name="Номер слайда 3"/>
+          <p:cNvSpPr>
+            <a:spLocks noGrp="1"/>
+          </p:cNvSpPr>
+          <p:nvPr>
+            <p:ph type="sldNum" sz="quarter" idx="12"/>
+          </p:nvPr>
+        </p:nvSpPr>
+        <p:spPr/>
+        <p:txBody>
+          <a:bodyPr/>
+          <a:lstStyle/>
+          <a:p>
+            <a:fld id="{04CAF7D5-9938-48A5-AE25-C5227D7796EA}" type="slidenum">
+              <a:rPr lang="ru-RU" smtClean="0"/>
+              <a:t>14</a:t>
+            </a:fld>
+            <a:endParaRPr lang="ru-RU"/>
+          </a:p>
+        </p:txBody>
+      </p:sp>
+    </p:spTree>
+    <p:extLst>
+      <p:ext uri="{BB962C8B-B14F-4D97-AF65-F5344CB8AC3E}">
+        <p14:creationId xmlns:p14="http://schemas.microsoft.com/office/powerpoint/2010/main" val="4044558866"/>
+      </p:ext>
+    </p:extLst>
+  </p:cSld>
+  <p:clrMapOvr>
+    <a:masterClrMapping/>
+  </p:clrMapOvr>
+</p:sld>
+</file>
+
+<file path=ppt/slides/slide15.xml><?xml version="1.0" encoding="utf-8"?>
+<p:sld xmlns:a="http://schemas.openxmlformats.org/drawingml/2006/main" xmlns:r="http://schemas.openxmlformats.org/officeDocument/2006/relationships" xmlns:p="http://schemas.openxmlformats.org/presentationml/2006/main">
+  <p:cSld>
+    <p:spTree>
+      <p:nvGrpSpPr>
+        <p:cNvPr id="1" name=""/>
+        <p:cNvGrpSpPr/>
+        <p:nvPr/>
+      </p:nvGrpSpPr>
+      <p:grpSpPr>
+        <a:xfrm>
+          <a:off x="0" y="0"/>
+          <a:ext cx="0" cy="0"/>
+          <a:chOff x="0" y="0"/>
+          <a:chExt cx="0" cy="0"/>
+        </a:xfrm>
+      </p:grpSpPr>
+      <p:sp>
+        <p:nvSpPr>
+          <p:cNvPr id="2" name="Заголовок 1"/>
+          <p:cNvSpPr>
+            <a:spLocks noGrp="1"/>
+          </p:cNvSpPr>
+          <p:nvPr>
+            <p:ph type="title"/>
+          </p:nvPr>
+        </p:nvSpPr>
+        <p:spPr/>
+        <p:txBody>
+          <a:bodyPr>
+            <a:normAutofit fontScale="90000"/>
+          </a:bodyPr>
+          <a:lstStyle/>
+          <a:p>
+            <a:r>
+              <a:rPr lang="ru-RU" dirty="0" smtClean="0"/>
               <a:t>Заключение</a:t>
             </a:r>
             <a:endParaRPr lang="ru-RU" dirty="0"/>
@@ -3702,8 +4345,68 @@
           <a:bodyPr/>
           <a:lstStyle/>
           <a:p>
+            <a:pPr marL="0" indent="0">
+              <a:buNone/>
+            </a:pPr>
+            <a:r>
+              <a:rPr lang="ru-RU" dirty="0" smtClean="0"/>
+              <a:t>Дальнейшие возможности улучшения</a:t>
+            </a:r>
+          </a:p>
+          <a:p>
+            <a:r>
+              <a:rPr lang="ru-RU" dirty="0" smtClean="0"/>
+              <a:t>добавление </a:t>
+            </a:r>
+            <a:r>
+              <a:rPr lang="ru-RU" dirty="0"/>
+              <a:t>возможностей альтернативных способов внесения начальных данных (например, настройка конечного автомата по графу переходов</a:t>
+            </a:r>
+            <a:r>
+              <a:rPr lang="ru-RU" dirty="0" smtClean="0"/>
+              <a:t>);</a:t>
+            </a:r>
+          </a:p>
+          <a:p>
+            <a:r>
+              <a:rPr lang="ru-RU" dirty="0" smtClean="0"/>
+              <a:t>сохранение параметров конечного автомата;</a:t>
+            </a:r>
             <a:endParaRPr lang="ru-RU" dirty="0"/>
           </a:p>
+          <a:p>
+            <a:r>
+              <a:rPr lang="ru-RU" dirty="0" smtClean="0"/>
+              <a:t>создание </a:t>
+            </a:r>
+            <a:r>
+              <a:rPr lang="ru-RU" dirty="0"/>
+              <a:t>генераторов выходного кода для других языков программирования;</a:t>
+            </a:r>
+          </a:p>
+          <a:p>
+            <a:r>
+              <a:rPr lang="ru-RU" dirty="0" smtClean="0"/>
+              <a:t>обеспечение </a:t>
+            </a:r>
+            <a:r>
+              <a:rPr lang="ru-RU" dirty="0"/>
+              <a:t>большего контроля за процессом генерации кода;</a:t>
+            </a:r>
+          </a:p>
+          <a:p>
+            <a:r>
+              <a:rPr lang="ru-RU" dirty="0" smtClean="0"/>
+              <a:t>дополнение </a:t>
+            </a:r>
+            <a:r>
+              <a:rPr lang="ru-RU" dirty="0"/>
+              <a:t>справочных материалов в интерфейс приложения</a:t>
+            </a:r>
+          </a:p>
+          <a:p>
+            <a:endParaRPr lang="ru-RU" dirty="0"/>
+          </a:p>
         </p:txBody>
       </p:sp>
       <p:sp>
@@ -3723,7 +4426,7 @@
           <a:p>
             <a:fld id="{04CAF7D5-9938-48A5-AE25-C5227D7796EA}" type="slidenum">
               <a:rPr lang="ru-RU" smtClean="0"/>
-              <a:t>10</a:t>
+              <a:t>15</a:t>
             </a:fld>
             <a:endParaRPr lang="ru-RU"/>
           </a:p>
@@ -3787,7 +4490,6 @@
               <a:rPr lang="ru-RU" dirty="0"/>
               <a:t>Постановка задачи</a:t>
             </a:r>
-            <a:endParaRPr lang="ru-RU" dirty="0"/>
           </a:p>
         </p:txBody>
       </p:sp>
@@ -3892,8 +4594,13 @@
             </a:r>
             <a:r>
               <a:rPr lang="ru-RU" dirty="0"/>
-              <a:t>детальной программной документации.</a:t>
-            </a:r>
+              <a:t>детальной программной </a:t>
+            </a:r>
+            <a:r>
+              <a:rPr lang="ru-RU" dirty="0" smtClean="0"/>
+              <a:t>документации</a:t>
+            </a:r>
+            <a:endParaRPr lang="ru-RU" dirty="0"/>
           </a:p>
           <a:p>
             <a:endParaRPr lang="ru-RU" dirty="0"/>
@@ -3979,15 +4686,38 @@
           <a:p>
             <a:r>
               <a:rPr lang="ru-RU" dirty="0" smtClean="0"/>
-              <a:t>Актуальность разработки</a:t>
+              <a:t>Существующие программные средства</a:t>
             </a:r>
             <a:endParaRPr lang="ru-RU" dirty="0"/>
+          </a:p>
+        </p:txBody>
+      </p:sp>
+      <p:sp>
+        <p:nvSpPr>
+          <p:cNvPr id="4" name="Номер слайда 3"/>
+          <p:cNvSpPr>
+            <a:spLocks noGrp="1"/>
+          </p:cNvSpPr>
+          <p:nvPr>
+            <p:ph type="sldNum" sz="quarter" idx="12"/>
+          </p:nvPr>
+        </p:nvSpPr>
+        <p:spPr/>
+        <p:txBody>
+          <a:bodyPr/>
+          <a:lstStyle/>
+          <a:p>
+            <a:fld id="{04CAF7D5-9938-48A5-AE25-C5227D7796EA}" type="slidenum">
+              <a:rPr lang="ru-RU" smtClean="0"/>
+              <a:t>3</a:t>
+            </a:fld>
+            <a:endParaRPr lang="ru-RU"/>
           </a:p>
         </p:txBody>
       </p:sp>
       <p:graphicFrame>
         <p:nvGraphicFramePr>
-          <p:cNvPr id="6" name="Объект 5"/>
+          <p:cNvPr id="5" name="Объект 5"/>
           <p:cNvGraphicFramePr>
             <a:graphicFrameLocks noGrp="1"/>
           </p:cNvGraphicFramePr>
@@ -3995,14 +4725,14 @@
             <p:ph idx="1"/>
             <p:extLst>
               <p:ext uri="{D42A27DB-BD31-4B8C-83A1-F6EECF244321}">
-                <p14:modId xmlns:p14="http://schemas.microsoft.com/office/powerpoint/2010/main" val="853609257"/>
+                <p14:modId xmlns:p14="http://schemas.microsoft.com/office/powerpoint/2010/main" val="1080540798"/>
               </p:ext>
             </p:extLst>
           </p:nvPr>
         </p:nvGraphicFramePr>
         <p:xfrm>
           <a:off x="838200" y="847725"/>
-          <a:ext cx="10515600" cy="4119880"/>
+          <a:ext cx="10515600" cy="4973320"/>
         </p:xfrm>
         <a:graphic>
           <a:graphicData uri="http://schemas.openxmlformats.org/drawingml/2006/table">
@@ -4011,38 +4741,38 @@
                 <a:tableStyleId>{5940675A-B579-460E-94D1-54222C63F5DA}</a:tableStyleId>
               </a:tblPr>
               <a:tblGrid>
-                <a:gridCol w="2103120">
+                <a:gridCol w="1670538">
                   <a:extLst>
                     <a:ext uri="{9D8B030D-6E8A-4147-A177-3AD203B41FA5}">
                       <a16:colId xmlns:a16="http://schemas.microsoft.com/office/drawing/2014/main" val="2985767447"/>
                     </a:ext>
                   </a:extLst>
                 </a:gridCol>
-                <a:gridCol w="2103120">
+                <a:gridCol w="2450124">
                   <a:extLst>
                     <a:ext uri="{9D8B030D-6E8A-4147-A177-3AD203B41FA5}">
                       <a16:colId xmlns:a16="http://schemas.microsoft.com/office/drawing/2014/main" val="1228321173"/>
                     </a:ext>
                   </a:extLst>
                 </a:gridCol>
-                <a:gridCol w="2103120">
+                <a:gridCol w="1735015">
                   <a:extLst>
                     <a:ext uri="{9D8B030D-6E8A-4147-A177-3AD203B41FA5}">
                       <a16:colId xmlns:a16="http://schemas.microsoft.com/office/drawing/2014/main" val="1759549783"/>
                     </a:ext>
                   </a:extLst>
                 </a:gridCol>
-                <a:gridCol w="2103120">
+                <a:gridCol w="2028092">
                   <a:extLst>
                     <a:ext uri="{9D8B030D-6E8A-4147-A177-3AD203B41FA5}">
                       <a16:colId xmlns:a16="http://schemas.microsoft.com/office/drawing/2014/main" val="261485775"/>
                     </a:ext>
                   </a:extLst>
                 </a:gridCol>
-                <a:gridCol w="2103120">
+                <a:gridCol w="2631831">
                   <a:extLst>
                     <a:ext uri="{9D8B030D-6E8A-4147-A177-3AD203B41FA5}">
-                      <a16:colId xmlns:a16="http://schemas.microsoft.com/office/drawing/2014/main" val="785396144"/>
+                      <a16:colId xmlns:a16="http://schemas.microsoft.com/office/drawing/2014/main" val="3267069960"/>
                     </a:ext>
                   </a:extLst>
                 </a:gridCol>
@@ -4085,7 +4815,7 @@
                         <a:defRPr/>
                       </a:pPr>
                       <a:r>
-                        <a:rPr lang="en-US" b="1" dirty="0" smtClean="0">
+                        <a:rPr lang="en-US" sz="2000" b="1" dirty="0" smtClean="0">
                           <a:solidFill>
                             <a:schemeClr val="tx1"/>
                           </a:solidFill>
@@ -4093,7 +4823,7 @@
                         <a:t>Lex/Flex/</a:t>
                       </a:r>
                       <a:r>
-                        <a:rPr lang="en-US" b="1" dirty="0" err="1" smtClean="0">
+                        <a:rPr lang="en-US" sz="2000" b="1" dirty="0" err="1" smtClean="0">
                           <a:solidFill>
                             <a:schemeClr val="tx1"/>
                           </a:solidFill>
@@ -4101,14 +4831,14 @@
                         <a:t>Jflex</a:t>
                       </a:r>
                       <a:r>
-                        <a:rPr lang="en-US" b="1" dirty="0" smtClean="0">
+                        <a:rPr lang="en-US" sz="2000" b="1" dirty="0" smtClean="0">
                           <a:solidFill>
                             <a:schemeClr val="tx1"/>
                           </a:solidFill>
                         </a:rPr>
                         <a:t>/…</a:t>
                       </a:r>
-                      <a:endParaRPr lang="ru-RU" b="1" dirty="0" smtClean="0">
+                      <a:endParaRPr lang="ru-RU" sz="2000" b="1" dirty="0" smtClean="0">
                         <a:solidFill>
                           <a:schemeClr val="tx1"/>
                         </a:solidFill>
@@ -4130,14 +4860,14 @@
                     <a:p>
                       <a:pPr algn="ctr"/>
                       <a:r>
-                        <a:rPr lang="en-US" b="1" dirty="0" smtClean="0">
+                        <a:rPr lang="en-US" sz="2000" b="1" dirty="0" smtClean="0">
                           <a:solidFill>
                             <a:schemeClr val="tx1"/>
                           </a:solidFill>
                         </a:rPr>
                         <a:t>ANTLR</a:t>
                       </a:r>
-                      <a:endParaRPr lang="ru-RU" b="1" dirty="0"/>
+                      <a:endParaRPr lang="ru-RU" sz="2000" b="1" dirty="0"/>
                     </a:p>
                   </a:txBody>
                   <a:tcPr>
@@ -4155,14 +4885,14 @@
                     <a:p>
                       <a:pPr algn="ctr"/>
                       <a:r>
-                        <a:rPr lang="en-US" b="1" dirty="0" err="1" smtClean="0">
+                        <a:rPr lang="en-US" sz="2000" b="1" dirty="0" err="1" smtClean="0">
                           <a:solidFill>
                             <a:schemeClr val="tx1"/>
                           </a:solidFill>
                         </a:rPr>
                         <a:t>Ragel</a:t>
                       </a:r>
-                      <a:endParaRPr lang="ru-RU" b="1" dirty="0"/>
+                      <a:endParaRPr lang="ru-RU" sz="2000" b="1" dirty="0"/>
                     </a:p>
                   </a:txBody>
                   <a:tcPr>
@@ -4180,14 +4910,14 @@
                     <a:p>
                       <a:pPr algn="ctr"/>
                       <a:r>
-                        <a:rPr lang="en-US" b="1" dirty="0" smtClean="0">
+                        <a:rPr lang="en-US" sz="2000" b="1" dirty="0" smtClean="0">
                           <a:solidFill>
                             <a:schemeClr val="tx1"/>
                           </a:solidFill>
                         </a:rPr>
                         <a:t>re2c</a:t>
                       </a:r>
-                      <a:endParaRPr lang="ru-RU" b="1" dirty="0"/>
+                      <a:endParaRPr lang="ru-RU" sz="2000" b="1" dirty="0"/>
                     </a:p>
                   </a:txBody>
                   <a:tcPr>
@@ -4205,7 +4935,7 @@
                 </a:extLst>
               </a:tr>
               <a:tr h="370840">
-                <a:tc>
+                <a:tc rowSpan="2">
                   <a:txBody>
                     <a:bodyPr/>
                     <a:lstStyle/>
@@ -4219,15 +4949,73 @@
                   </a:txBody>
                   <a:tcPr/>
                 </a:tc>
+                <a:tc gridSpan="4">
+                  <a:txBody>
+                    <a:bodyPr/>
+                    <a:lstStyle/>
+                    <a:p>
+                      <a:pPr algn="ctr"/>
+                      <a:r>
+                        <a:rPr lang="ru-RU" dirty="0" smtClean="0"/>
+                        <a:t>Построение лексических анализаторов</a:t>
+                      </a:r>
+                      <a:endParaRPr lang="ru-RU" dirty="0"/>
+                    </a:p>
+                  </a:txBody>
+                  <a:tcPr/>
+                </a:tc>
+                <a:tc hMerge="1">
+                  <a:txBody>
+                    <a:bodyPr/>
+                    <a:lstStyle/>
+                    <a:p>
+                      <a:endParaRPr lang="ru-RU" dirty="0"/>
+                    </a:p>
+                  </a:txBody>
+                  <a:tcPr/>
+                </a:tc>
+                <a:tc hMerge="1">
+                  <a:txBody>
+                    <a:bodyPr/>
+                    <a:lstStyle/>
+                    <a:p>
+                      <a:endParaRPr lang="ru-RU" dirty="0"/>
+                    </a:p>
+                  </a:txBody>
+                  <a:tcPr/>
+                </a:tc>
+                <a:tc hMerge="1">
+                  <a:txBody>
+                    <a:bodyPr/>
+                    <a:lstStyle/>
+                    <a:p>
+                      <a:endParaRPr lang="ru-RU"/>
+                    </a:p>
+                  </a:txBody>
+                  <a:tcPr/>
+                </a:tc>
+                <a:extLst>
+                  <a:ext uri="{0D108BD9-81ED-4DB2-BD59-A6C34878D82A}">
+                    <a16:rowId xmlns:a16="http://schemas.microsoft.com/office/drawing/2014/main" val="1267251333"/>
+                  </a:ext>
+                </a:extLst>
+              </a:tr>
+              <a:tr h="370840">
+                <a:tc vMerge="1">
+                  <a:txBody>
+                    <a:bodyPr/>
+                    <a:lstStyle/>
+                    <a:p>
+                      <a:endParaRPr lang="ru-RU" dirty="0"/>
+                    </a:p>
+                  </a:txBody>
+                  <a:tcPr/>
+                </a:tc>
                 <a:tc>
                   <a:txBody>
                     <a:bodyPr/>
                     <a:lstStyle/>
                     <a:p>
-                      <a:r>
-                        <a:rPr lang="ru-RU" dirty="0" smtClean="0"/>
-                        <a:t>Генератор лексических анализаторов</a:t>
-                      </a:r>
                       <a:endParaRPr lang="ru-RU" dirty="0"/>
                     </a:p>
                   </a:txBody>
@@ -4244,7 +5032,7 @@
                       </a:r>
                       <a:r>
                         <a:rPr lang="ru-RU" baseline="0" dirty="0" smtClean="0"/>
-                        <a:t> лексических и синтаксических анализаторов</a:t>
+                        <a:t> синтаксических анализаторов</a:t>
                       </a:r>
                       <a:endParaRPr lang="ru-RU" dirty="0"/>
                     </a:p>
@@ -4258,11 +5046,11 @@
                     <a:p>
                       <a:r>
                         <a:rPr lang="ru-RU" dirty="0" smtClean="0"/>
-                        <a:t>Компилятор</a:t>
+                        <a:t>Спецификация конечных</a:t>
                       </a:r>
                       <a:r>
                         <a:rPr lang="ru-RU" baseline="0" dirty="0" smtClean="0"/>
-                        <a:t> конечных автоматов. Используется при построении лексических анализаторов</a:t>
+                        <a:t> автоматов</a:t>
                       </a:r>
                       <a:endParaRPr lang="ru-RU" dirty="0"/>
                     </a:p>
@@ -4276,11 +5064,7 @@
                     <a:p>
                       <a:r>
                         <a:rPr lang="ru-RU" dirty="0" smtClean="0"/>
-                        <a:t>Компилятор</a:t>
-                      </a:r>
-                      <a:r>
-                        <a:rPr lang="ru-RU" baseline="0" dirty="0" smtClean="0"/>
-                        <a:t> регулярных выражений</a:t>
+                        <a:t>Компиляция регулярных выражений</a:t>
                       </a:r>
                       <a:endParaRPr lang="ru-RU" dirty="0"/>
                     </a:p>
@@ -4289,7 +5073,7 @@
                 </a:tc>
                 <a:extLst>
                   <a:ext uri="{0D108BD9-81ED-4DB2-BD59-A6C34878D82A}">
-                    <a16:rowId xmlns:a16="http://schemas.microsoft.com/office/drawing/2014/main" val="1267251333"/>
+                    <a16:rowId xmlns:a16="http://schemas.microsoft.com/office/drawing/2014/main" val="2936101240"/>
                   </a:ext>
                 </a:extLst>
               </a:tr>
@@ -4301,19 +5085,11 @@
                     <a:p>
                       <a:r>
                         <a:rPr lang="ru-RU" dirty="0" smtClean="0"/>
-                        <a:t>Визуализация (граф переходов конечного</a:t>
+                        <a:t>Входные</a:t>
                       </a:r>
                       <a:r>
                         <a:rPr lang="ru-RU" baseline="0" dirty="0" smtClean="0"/>
-                        <a:t> автомата, дерево переходов - в </a:t>
-                      </a:r>
-                      <a:r>
-                        <a:rPr lang="en-US" baseline="0" dirty="0" smtClean="0"/>
-                        <a:t>ANTLR</a:t>
-                      </a:r>
-                      <a:r>
-                        <a:rPr lang="ru-RU" baseline="0" dirty="0" smtClean="0"/>
-                        <a:t>)</a:t>
+                        <a:t> данные для использования</a:t>
                       </a:r>
                       <a:endParaRPr lang="ru-RU" dirty="0"/>
                     </a:p>
@@ -4325,7 +5101,15 @@
                     <a:bodyPr/>
                     <a:lstStyle/>
                     <a:p>
-                      <a:endParaRPr lang="ru-RU"/>
+                      <a:r>
+                        <a:rPr lang="ru-RU" dirty="0" smtClean="0"/>
+                        <a:t>Ко</a:t>
+                      </a:r>
+                      <a:r>
+                        <a:rPr lang="ru-RU" baseline="0" dirty="0" smtClean="0"/>
+                        <a:t>д на целевом ЯП с фрагментами на специальном языке, регулярные выражения</a:t>
+                      </a:r>
+                      <a:endParaRPr lang="ru-RU" dirty="0"/>
                     </a:p>
                   </a:txBody>
                   <a:tcPr/>
@@ -4335,7 +5119,27 @@
                     <a:bodyPr/>
                     <a:lstStyle/>
                     <a:p>
-                      <a:endParaRPr lang="ru-RU"/>
+                      <a:r>
+                        <a:rPr lang="ru-RU" dirty="0" smtClean="0"/>
+                        <a:t>Г</a:t>
+                      </a:r>
+                      <a:r>
+                        <a:rPr lang="ru-RU" baseline="0" dirty="0" smtClean="0"/>
+                        <a:t>рамматики в </a:t>
+                      </a:r>
+                      <a:r>
+                        <a:rPr lang="ru-RU" dirty="0" smtClean="0"/>
+                        <a:t>РБНФ со</a:t>
+                      </a:r>
+                      <a:r>
+                        <a:rPr lang="ru-RU" baseline="0" dirty="0" smtClean="0"/>
+                        <a:t> связанными</a:t>
+                      </a:r>
+                      <a:r>
+                        <a:rPr lang="ru-RU" dirty="0" smtClean="0"/>
+                        <a:t> действиями</a:t>
+                      </a:r>
+                      <a:endParaRPr lang="ru-RU" dirty="0"/>
                     </a:p>
                   </a:txBody>
                   <a:tcPr/>
@@ -4345,7 +5149,15 @@
                     <a:bodyPr/>
                     <a:lstStyle/>
                     <a:p>
-                      <a:endParaRPr lang="ru-RU"/>
+                      <a:r>
+                        <a:rPr lang="ru-RU" dirty="0" smtClean="0"/>
+                        <a:t>Специальный</a:t>
+                      </a:r>
+                      <a:r>
+                        <a:rPr lang="ru-RU" baseline="0" dirty="0" smtClean="0"/>
+                        <a:t> язык описания, регулярные выражения</a:t>
+                      </a:r>
+                      <a:endParaRPr lang="ru-RU" dirty="0"/>
                     </a:p>
                   </a:txBody>
                   <a:tcPr/>
@@ -4355,6 +5167,120 @@
                     <a:bodyPr/>
                     <a:lstStyle/>
                     <a:p>
+                      <a:r>
+                        <a:rPr lang="ru-RU" dirty="0" smtClean="0"/>
+                        <a:t>Код на целевом ЯП, фрагменты</a:t>
+                      </a:r>
+                      <a:r>
+                        <a:rPr lang="ru-RU" baseline="0" dirty="0" smtClean="0"/>
+                        <a:t> специального языка, регулярные выражения</a:t>
+                      </a:r>
+                      <a:endParaRPr lang="ru-RU" dirty="0"/>
+                    </a:p>
+                  </a:txBody>
+                  <a:tcPr/>
+                </a:tc>
+                <a:extLst>
+                  <a:ext uri="{0D108BD9-81ED-4DB2-BD59-A6C34878D82A}">
+                    <a16:rowId xmlns:a16="http://schemas.microsoft.com/office/drawing/2014/main" val="410422078"/>
+                  </a:ext>
+                </a:extLst>
+              </a:tr>
+              <a:tr h="370840">
+                <a:tc>
+                  <a:txBody>
+                    <a:bodyPr/>
+                    <a:lstStyle/>
+                    <a:p>
+                      <a:r>
+                        <a:rPr lang="ru-RU" dirty="0" smtClean="0"/>
+                        <a:t>Визуализация модели</a:t>
+                      </a:r>
+                      <a:endParaRPr lang="ru-RU" dirty="0"/>
+                    </a:p>
+                  </a:txBody>
+                  <a:tcPr/>
+                </a:tc>
+                <a:tc>
+                  <a:txBody>
+                    <a:bodyPr/>
+                    <a:lstStyle/>
+                    <a:p>
+                      <a:pPr algn="ctr"/>
+                      <a:r>
+                        <a:rPr lang="ru-RU" dirty="0" smtClean="0"/>
+                        <a:t>–</a:t>
+                      </a:r>
+                      <a:endParaRPr lang="ru-RU" dirty="0"/>
+                    </a:p>
+                  </a:txBody>
+                  <a:tcPr/>
+                </a:tc>
+                <a:tc>
+                  <a:txBody>
+                    <a:bodyPr/>
+                    <a:lstStyle/>
+                    <a:p>
+                      <a:r>
+                        <a:rPr lang="ru-RU" dirty="0" smtClean="0"/>
+                        <a:t>Представление в</a:t>
+                      </a:r>
+                      <a:r>
+                        <a:rPr lang="ru-RU" baseline="0" dirty="0" smtClean="0"/>
+                        <a:t> </a:t>
+                      </a:r>
+                      <a:r>
+                        <a:rPr lang="en-US" baseline="0" dirty="0" smtClean="0"/>
+                        <a:t>DOT</a:t>
+                      </a:r>
+                      <a:r>
+                        <a:rPr lang="ru-RU" baseline="30000" dirty="0" smtClean="0"/>
+                        <a:t>*</a:t>
+                      </a:r>
+                      <a:endParaRPr lang="ru-RU" dirty="0"/>
+                    </a:p>
+                  </a:txBody>
+                  <a:tcPr/>
+                </a:tc>
+                <a:tc>
+                  <a:txBody>
+                    <a:bodyPr/>
+                    <a:lstStyle/>
+                    <a:p>
+                      <a:r>
+                        <a:rPr lang="ru-RU" dirty="0" smtClean="0"/>
+                        <a:t>Представление в</a:t>
+                      </a:r>
+                      <a:r>
+                        <a:rPr lang="ru-RU" baseline="0" dirty="0" smtClean="0"/>
+                        <a:t> </a:t>
+                      </a:r>
+                      <a:r>
+                        <a:rPr lang="en-US" baseline="0" dirty="0" smtClean="0"/>
+                        <a:t>DOT</a:t>
+                      </a:r>
+                      <a:endParaRPr lang="ru-RU" dirty="0"/>
+                    </a:p>
+                  </a:txBody>
+                  <a:tcPr/>
+                </a:tc>
+                <a:tc>
+                  <a:txBody>
+                    <a:bodyPr/>
+                    <a:lstStyle/>
+                    <a:p>
+                      <a:r>
+                        <a:rPr lang="ru-RU" dirty="0" smtClean="0"/>
+                        <a:t>Представление в</a:t>
+                      </a:r>
+                      <a:r>
+                        <a:rPr lang="ru-RU" baseline="0" dirty="0" smtClean="0"/>
+                        <a:t> </a:t>
+                      </a:r>
+                      <a:r>
+                        <a:rPr lang="en-US" baseline="0" dirty="0" smtClean="0"/>
+                        <a:t>DOT</a:t>
+                      </a:r>
                       <a:endParaRPr lang="ru-RU" dirty="0"/>
                     </a:p>
                   </a:txBody>
@@ -4366,50 +5292,163 @@
                   </a:ext>
                 </a:extLst>
               </a:tr>
+              <a:tr h="370840">
+                <a:tc>
+                  <a:txBody>
+                    <a:bodyPr/>
+                    <a:lstStyle/>
+                    <a:p>
+                      <a:r>
+                        <a:rPr lang="ru-RU" dirty="0" smtClean="0"/>
+                        <a:t>Особенности</a:t>
+                      </a:r>
+                      <a:endParaRPr lang="ru-RU" dirty="0"/>
+                    </a:p>
+                  </a:txBody>
+                  <a:tcPr/>
+                </a:tc>
+                <a:tc>
+                  <a:txBody>
+                    <a:bodyPr/>
+                    <a:lstStyle/>
+                    <a:p>
+                      <a:r>
+                        <a:rPr lang="ru-RU" dirty="0" smtClean="0"/>
+                        <a:t>Часть стандарта </a:t>
+                      </a:r>
+                      <a:r>
+                        <a:rPr lang="en-US" dirty="0" smtClean="0"/>
+                        <a:t>POSIX,</a:t>
+                      </a:r>
+                      <a:r>
+                        <a:rPr lang="en-US" baseline="0" dirty="0" smtClean="0"/>
+                        <a:t> </a:t>
+                      </a:r>
+                      <a:r>
+                        <a:rPr lang="ru-RU" baseline="0" dirty="0" smtClean="0"/>
+                        <a:t>встроен в некоторые </a:t>
+                      </a:r>
+                      <a:r>
+                        <a:rPr lang="en-US" baseline="0" dirty="0" smtClean="0"/>
+                        <a:t>UNIX</a:t>
+                      </a:r>
+                      <a:r>
+                        <a:rPr lang="ru-RU" baseline="0" dirty="0" smtClean="0"/>
+                        <a:t> системы. Один из ранних инструментов</a:t>
+                      </a:r>
+                      <a:endParaRPr lang="ru-RU" dirty="0"/>
+                    </a:p>
+                  </a:txBody>
+                  <a:tcPr/>
+                </a:tc>
+                <a:tc>
+                  <a:txBody>
+                    <a:bodyPr/>
+                    <a:lstStyle/>
+                    <a:p>
+                      <a:r>
+                        <a:rPr lang="ru-RU" dirty="0" smtClean="0"/>
+                        <a:t>Можно использовать</a:t>
+                      </a:r>
+                      <a:r>
+                        <a:rPr lang="ru-RU" baseline="0" dirty="0" smtClean="0"/>
+                        <a:t> для КС-грамматик</a:t>
+                      </a:r>
+                      <a:endParaRPr lang="ru-RU" dirty="0"/>
+                    </a:p>
+                  </a:txBody>
+                  <a:tcPr/>
+                </a:tc>
+                <a:tc>
+                  <a:txBody>
+                    <a:bodyPr/>
+                    <a:lstStyle/>
+                    <a:p>
+                      <a:r>
+                        <a:rPr lang="ru-RU" dirty="0" smtClean="0"/>
+                        <a:t>Большой</a:t>
+                      </a:r>
+                      <a:r>
+                        <a:rPr lang="ru-RU" baseline="0" dirty="0" smtClean="0"/>
+                        <a:t> набор функций по работе с конечными автоматами</a:t>
+                      </a:r>
+                      <a:endParaRPr lang="ru-RU" dirty="0"/>
+                    </a:p>
+                  </a:txBody>
+                  <a:tcPr/>
+                </a:tc>
+                <a:tc>
+                  <a:txBody>
+                    <a:bodyPr/>
+                    <a:lstStyle/>
+                    <a:p>
+                      <a:r>
+                        <a:rPr lang="ru-RU" dirty="0" smtClean="0"/>
+                        <a:t>Работа в режиме препроцессора</a:t>
+                      </a:r>
+                      <a:endParaRPr lang="ru-RU" dirty="0"/>
+                    </a:p>
+                  </a:txBody>
+                  <a:tcPr/>
+                </a:tc>
+                <a:extLst>
+                  <a:ext uri="{0D108BD9-81ED-4DB2-BD59-A6C34878D82A}">
+                    <a16:rowId xmlns:a16="http://schemas.microsoft.com/office/drawing/2014/main" val="2071695477"/>
+                  </a:ext>
+                </a:extLst>
+              </a:tr>
             </a:tbl>
           </a:graphicData>
         </a:graphic>
       </p:graphicFrame>
       <p:sp>
         <p:nvSpPr>
-          <p:cNvPr id="4" name="Номер слайда 3"/>
-          <p:cNvSpPr>
-            <a:spLocks noGrp="1"/>
-          </p:cNvSpPr>
-          <p:nvPr>
-            <p:ph type="sldNum" sz="quarter" idx="12"/>
-          </p:nvPr>
-        </p:nvSpPr>
-        <p:spPr/>
-        <p:txBody>
-          <a:bodyPr/>
-          <a:lstStyle/>
-          <a:p>
-            <a:fld id="{04CAF7D5-9938-48A5-AE25-C5227D7796EA}" type="slidenum">
-              <a:rPr lang="ru-RU" smtClean="0"/>
-              <a:t>3</a:t>
-            </a:fld>
-            <a:endParaRPr lang="ru-RU"/>
+          <p:cNvPr id="6" name="TextBox 5"/>
+          <p:cNvSpPr txBox="1"/>
+          <p:nvPr/>
+        </p:nvSpPr>
+        <p:spPr>
+          <a:xfrm>
+            <a:off x="838200" y="5873263"/>
+            <a:ext cx="3152081" cy="369332"/>
+          </a:xfrm>
+          <a:prstGeom prst="rect">
+            <a:avLst/>
+          </a:prstGeom>
+          <a:noFill/>
+        </p:spPr>
+        <p:txBody>
+          <a:bodyPr wrap="none" rtlCol="0">
+            <a:spAutoFit/>
+          </a:bodyPr>
+          <a:lstStyle/>
+          <a:p>
+            <a:r>
+              <a:rPr lang="en-US" baseline="30000" dirty="0" smtClean="0"/>
+              <a:t>*</a:t>
+            </a:r>
+            <a:r>
+              <a:rPr lang="en-US" dirty="0" smtClean="0"/>
+              <a:t>DOT – </a:t>
+            </a:r>
+            <a:r>
+              <a:rPr lang="ru-RU" dirty="0" smtClean="0"/>
+              <a:t>язык описания графов</a:t>
+            </a:r>
+            <a:endParaRPr lang="ru-RU" baseline="30000" dirty="0"/>
           </a:p>
         </p:txBody>
       </p:sp>
     </p:spTree>
     <p:extLst>
       <p:ext uri="{BB962C8B-B14F-4D97-AF65-F5344CB8AC3E}">
-        <p14:creationId xmlns:p14="http://schemas.microsoft.com/office/powerpoint/2010/main" val="2618310969"/>
+        <p14:creationId xmlns:p14="http://schemas.microsoft.com/office/powerpoint/2010/main" val="3331052110"/>
       </p:ext>
     </p:extLst>
   </p:cSld>
   <p:clrMapOvr>
     <a:masterClrMapping/>
   </p:clrMapOvr>
-  <p:timing>
-    <p:tnLst>
-      <p:par>
-        <p:cTn id="1" dur="indefinite" restart="never" nodeType="tmRoot"/>
-      </p:par>
-    </p:tnLst>
-  </p:timing>
 </p:sld>
 </file>
 
@@ -4449,28 +5488,9 @@
           <a:p>
             <a:r>
               <a:rPr lang="ru-RU" dirty="0" smtClean="0"/>
-              <a:t>Использованные средства и технологии</a:t>
+              <a:t>Актуальность разработки</a:t>
             </a:r>
             <a:endParaRPr lang="ru-RU" dirty="0"/>
-          </a:p>
-        </p:txBody>
-      </p:sp>
-      <p:sp>
-        <p:nvSpPr>
-          <p:cNvPr id="3" name="Объект 2"/>
-          <p:cNvSpPr>
-            <a:spLocks noGrp="1"/>
-          </p:cNvSpPr>
-          <p:nvPr>
-            <p:ph idx="1"/>
-          </p:nvPr>
-        </p:nvSpPr>
-        <p:spPr/>
-        <p:txBody>
-          <a:bodyPr/>
-          <a:lstStyle/>
-          <a:p>
-            <a:endParaRPr lang="ru-RU"/>
           </a:p>
         </p:txBody>
       </p:sp>
@@ -4494,13 +5514,73 @@
               <a:t>4</a:t>
             </a:fld>
             <a:endParaRPr lang="ru-RU"/>
+          </a:p>
+        </p:txBody>
+      </p:sp>
+      <p:sp>
+        <p:nvSpPr>
+          <p:cNvPr id="7" name="Объект 6"/>
+          <p:cNvSpPr>
+            <a:spLocks noGrp="1"/>
+          </p:cNvSpPr>
+          <p:nvPr>
+            <p:ph idx="1"/>
+          </p:nvPr>
+        </p:nvSpPr>
+        <p:spPr/>
+        <p:txBody>
+          <a:bodyPr/>
+          <a:lstStyle/>
+          <a:p>
+            <a:pPr marL="0" indent="0">
+              <a:buNone/>
+            </a:pPr>
+            <a:r>
+              <a:rPr lang="ru-RU" dirty="0" smtClean="0"/>
+              <a:t>Существующие средства функциональны, но не подходят для внедрения в процесс обучения студентов:</a:t>
+            </a:r>
+          </a:p>
+          <a:p>
+            <a:r>
+              <a:rPr lang="ru-RU" dirty="0" smtClean="0"/>
+              <a:t>высокий порог вхождения;</a:t>
+            </a:r>
+          </a:p>
+          <a:p>
+            <a:r>
+              <a:rPr lang="ru-RU" dirty="0" smtClean="0"/>
+              <a:t>необходимость изучения способов работы с инструментом;</a:t>
+            </a:r>
+          </a:p>
+          <a:p>
+            <a:r>
+              <a:rPr lang="ru-RU" dirty="0" smtClean="0"/>
+              <a:t>не обеспечивается наглядность применения теоретических моделей на практике;</a:t>
+            </a:r>
+          </a:p>
+          <a:p>
+            <a:r>
+              <a:rPr lang="ru-RU" dirty="0" smtClean="0"/>
+              <a:t>визуализация состояния распознавателя требует наличия дополнительного ПО (получение изображения из </a:t>
+            </a:r>
+            <a:r>
+              <a:rPr lang="en-US" dirty="0" smtClean="0"/>
+              <a:t>DOT</a:t>
+            </a:r>
+            <a:r>
+              <a:rPr lang="ru-RU" dirty="0" smtClean="0"/>
+              <a:t>-описания)</a:t>
+            </a:r>
+          </a:p>
+          <a:p>
+            <a:endParaRPr lang="ru-RU" dirty="0"/>
           </a:p>
         </p:txBody>
       </p:sp>
     </p:spTree>
     <p:extLst>
       <p:ext uri="{BB962C8B-B14F-4D97-AF65-F5344CB8AC3E}">
-        <p14:creationId xmlns:p14="http://schemas.microsoft.com/office/powerpoint/2010/main" val="1629011969"/>
+        <p14:creationId xmlns:p14="http://schemas.microsoft.com/office/powerpoint/2010/main" val="2618310969"/>
       </p:ext>
     </p:extLst>
   </p:cSld>
@@ -4553,7 +5633,7 @@
           <a:p>
             <a:r>
               <a:rPr lang="ru-RU" dirty="0" smtClean="0"/>
-              <a:t>Понятия конечного автомата и регулярного языка</a:t>
+              <a:t>Использованные средства и технологии</a:t>
             </a:r>
             <a:endParaRPr lang="ru-RU" dirty="0"/>
           </a:p>
@@ -4574,7 +5654,89 @@
           <a:bodyPr/>
           <a:lstStyle/>
           <a:p>
-            <a:endParaRPr lang="ru-RU"/>
+            <a:r>
+              <a:rPr lang="ru-RU" dirty="0" smtClean="0"/>
+              <a:t>Среда разработки: </a:t>
+            </a:r>
+            <a:r>
+              <a:rPr lang="en-US" dirty="0" smtClean="0"/>
+              <a:t>Microsoft Visual Studio</a:t>
+            </a:r>
+          </a:p>
+          <a:p>
+            <a:r>
+              <a:rPr lang="ru-RU" dirty="0" smtClean="0"/>
+              <a:t>Платформа</a:t>
+            </a:r>
+            <a:r>
+              <a:rPr lang="en-US" dirty="0" smtClean="0"/>
+              <a:t> </a:t>
+            </a:r>
+            <a:r>
+              <a:rPr lang="ru-RU" dirty="0" smtClean="0"/>
+              <a:t>и тип ПО: </a:t>
+            </a:r>
+            <a:r>
+              <a:rPr lang="en-US" dirty="0" smtClean="0"/>
+              <a:t>.NET</a:t>
+            </a:r>
+            <a:r>
+              <a:rPr lang="ru-RU" dirty="0" smtClean="0"/>
+              <a:t> 6, </a:t>
+            </a:r>
+            <a:r>
+              <a:rPr lang="en-US" dirty="0" smtClean="0"/>
+              <a:t>WPF-</a:t>
+            </a:r>
+            <a:r>
+              <a:rPr lang="ru-RU" dirty="0" smtClean="0"/>
+              <a:t>приложение</a:t>
+            </a:r>
+          </a:p>
+          <a:p>
+            <a:r>
+              <a:rPr lang="ru-RU" dirty="0" smtClean="0"/>
+              <a:t>Дополнительные библиотеки:</a:t>
+            </a:r>
+          </a:p>
+          <a:p>
+            <a:pPr lvl="1"/>
+            <a:r>
+              <a:rPr lang="ru-RU" dirty="0" smtClean="0"/>
+              <a:t>Gu.Wpf.DataGrid2D</a:t>
+            </a:r>
+            <a:r>
+              <a:rPr lang="en-US" dirty="0" smtClean="0"/>
+              <a:t> (</a:t>
+            </a:r>
+            <a:r>
+              <a:rPr lang="ru-RU" dirty="0" smtClean="0"/>
+              <a:t>расширение для одного из компонентов интерфейса)</a:t>
+            </a:r>
+          </a:p>
+          <a:p>
+            <a:pPr lvl="1"/>
+            <a:r>
+              <a:rPr lang="en-US" dirty="0" smtClean="0"/>
+              <a:t>MS AGL – Microsoft </a:t>
+            </a:r>
+            <a:r>
+              <a:rPr lang="en-US" dirty="0"/>
+              <a:t>Automatic Graph </a:t>
+            </a:r>
+            <a:r>
+              <a:rPr lang="en-US" dirty="0" smtClean="0"/>
+              <a:t>Layout (</a:t>
+            </a:r>
+            <a:r>
+              <a:rPr lang="ru-RU" dirty="0" smtClean="0"/>
+              <a:t>визуализация графа переходов автомата</a:t>
+            </a:r>
+            <a:r>
+              <a:rPr lang="en-US" dirty="0" smtClean="0"/>
+              <a:t>)</a:t>
+            </a:r>
+            <a:endParaRPr lang="ru-RU" dirty="0"/>
           </a:p>
         </p:txBody>
       </p:sp>
@@ -4604,7 +5766,7 @@
     </p:spTree>
     <p:extLst>
       <p:ext uri="{BB962C8B-B14F-4D97-AF65-F5344CB8AC3E}">
-        <p14:creationId xmlns:p14="http://schemas.microsoft.com/office/powerpoint/2010/main" val="686473755"/>
+        <p14:creationId xmlns:p14="http://schemas.microsoft.com/office/powerpoint/2010/main" val="1629011969"/>
       </p:ext>
     </p:extLst>
   </p:cSld>
@@ -4657,31 +5819,38 @@
           <a:p>
             <a:r>
               <a:rPr lang="ru-RU" dirty="0" smtClean="0"/>
-              <a:t>Проектирование архитектуры программной системы</a:t>
+              <a:t>Понятие конечного автомата</a:t>
             </a:r>
             <a:endParaRPr lang="ru-RU" dirty="0"/>
           </a:p>
         </p:txBody>
       </p:sp>
-      <p:sp>
-        <p:nvSpPr>
-          <p:cNvPr id="3" name="Объект 2"/>
-          <p:cNvSpPr>
-            <a:spLocks noGrp="1"/>
-          </p:cNvSpPr>
+      <p:pic>
+        <p:nvPicPr>
+          <p:cNvPr id="14" name="Объект 13"/>
+          <p:cNvPicPr>
+            <a:picLocks noGrp="1" noChangeAspect="1"/>
+          </p:cNvPicPr>
           <p:nvPr>
             <p:ph idx="1"/>
           </p:nvPr>
-        </p:nvSpPr>
-        <p:spPr/>
-        <p:txBody>
-          <a:bodyPr/>
-          <a:lstStyle/>
-          <a:p>
-            <a:endParaRPr lang="ru-RU"/>
-          </a:p>
-        </p:txBody>
-      </p:sp>
+        </p:nvPicPr>
+        <p:blipFill>
+          <a:blip r:embed="rId2"/>
+          <a:stretch>
+            <a:fillRect/>
+          </a:stretch>
+        </p:blipFill>
+        <p:spPr>
+          <a:xfrm>
+            <a:off x="1594809" y="1206972"/>
+            <a:ext cx="9002381" cy="4610743"/>
+          </a:xfrm>
+          <a:prstGeom prst="rect">
+            <a:avLst/>
+          </a:prstGeom>
+        </p:spPr>
+      </p:pic>
       <p:sp>
         <p:nvSpPr>
           <p:cNvPr id="4" name="Номер слайда 3"/>
@@ -4708,13 +5877,20 @@
     </p:spTree>
     <p:extLst>
       <p:ext uri="{BB962C8B-B14F-4D97-AF65-F5344CB8AC3E}">
-        <p14:creationId xmlns:p14="http://schemas.microsoft.com/office/powerpoint/2010/main" val="2518371560"/>
+        <p14:creationId xmlns:p14="http://schemas.microsoft.com/office/powerpoint/2010/main" val="686473755"/>
       </p:ext>
     </p:extLst>
   </p:cSld>
   <p:clrMapOvr>
     <a:masterClrMapping/>
   </p:clrMapOvr>
+  <p:timing>
+    <p:tnLst>
+      <p:par>
+        <p:cTn id="1" dur="indefinite" restart="never" nodeType="tmRoot"/>
+      </p:par>
+    </p:tnLst>
+  </p:timing>
 </p:sld>
 </file>
 
@@ -4754,7 +5930,7 @@
           <a:p>
             <a:r>
               <a:rPr lang="ru-RU" dirty="0" smtClean="0"/>
-              <a:t>Разработка алгоритмов</a:t>
+              <a:t>Регулярные языки</a:t>
             </a:r>
             <a:endParaRPr lang="ru-RU" dirty="0"/>
           </a:p>
@@ -4775,7 +5951,92 @@
           <a:bodyPr/>
           <a:lstStyle/>
           <a:p>
-            <a:endParaRPr lang="ru-RU"/>
+            <a:pPr marL="0" indent="0">
+              <a:buNone/>
+            </a:pPr>
+            <a:r>
+              <a:rPr lang="ru-RU" b="1" dirty="0"/>
+              <a:t>Регулярный язык</a:t>
+            </a:r>
+            <a:r>
+              <a:rPr lang="ru-RU" dirty="0"/>
+              <a:t> – третий тип языков в иерархии Хомского</a:t>
+            </a:r>
+            <a:r>
+              <a:rPr lang="ru-RU" dirty="0" smtClean="0"/>
+              <a:t>. Система правил регулярных грамматик самая строгая:</a:t>
+            </a:r>
+          </a:p>
+          <a:p>
+            <a:r>
+              <a:rPr lang="ru-RU" dirty="0"/>
+              <a:t>A → </a:t>
+            </a:r>
+            <a:r>
+              <a:rPr lang="ru-RU" dirty="0" err="1"/>
+              <a:t>Bγ</a:t>
+            </a:r>
+            <a:r>
+              <a:rPr lang="ru-RU" dirty="0"/>
+              <a:t> (A → </a:t>
+            </a:r>
+            <a:r>
+              <a:rPr lang="ru-RU" dirty="0" err="1" smtClean="0"/>
+              <a:t>γB</a:t>
+            </a:r>
+            <a:r>
+              <a:rPr lang="ru-RU" dirty="0" smtClean="0"/>
+              <a:t>)</a:t>
+            </a:r>
+          </a:p>
+          <a:p>
+            <a:r>
+              <a:rPr lang="ru-RU" dirty="0" smtClean="0"/>
+              <a:t>A </a:t>
+            </a:r>
+            <a:r>
+              <a:rPr lang="ru-RU" dirty="0"/>
+              <a:t>→ </a:t>
+            </a:r>
+            <a:r>
+              <a:rPr lang="ru-RU" dirty="0" smtClean="0"/>
+              <a:t>γ,</a:t>
+            </a:r>
+          </a:p>
+          <a:p>
+            <a:pPr marL="0" indent="0">
+              <a:buNone/>
+            </a:pPr>
+            <a:r>
+              <a:rPr lang="ru-RU" dirty="0" smtClean="0"/>
+              <a:t>где A</a:t>
+            </a:r>
+            <a:r>
+              <a:rPr lang="ru-RU" dirty="0"/>
+              <a:t>, B – элементы алфавита нетерминальных символов </a:t>
+            </a:r>
+            <a:r>
+              <a:rPr lang="ru-RU" dirty="0" smtClean="0"/>
+              <a:t>грамматики, γ </a:t>
+            </a:r>
+            <a:r>
+              <a:rPr lang="ru-RU" dirty="0"/>
+              <a:t>– элемент алфавита терминальных </a:t>
+            </a:r>
+            <a:r>
+              <a:rPr lang="ru-RU" dirty="0" smtClean="0"/>
+              <a:t>символов. Правила других видов запрещены.</a:t>
+            </a:r>
+          </a:p>
+          <a:p>
+            <a:pPr marL="0" indent="0">
+              <a:buNone/>
+            </a:pPr>
+            <a:r>
+              <a:rPr lang="ru-RU" dirty="0" smtClean="0"/>
+              <a:t>Этот тип языков наиболее простой для анализа и имеет широкое применение в информационных технологиях</a:t>
+            </a:r>
+            <a:endParaRPr lang="ru-RU" dirty="0"/>
           </a:p>
         </p:txBody>
       </p:sp>
@@ -4805,20 +6066,13 @@
     </p:spTree>
     <p:extLst>
       <p:ext uri="{BB962C8B-B14F-4D97-AF65-F5344CB8AC3E}">
-        <p14:creationId xmlns:p14="http://schemas.microsoft.com/office/powerpoint/2010/main" val="1047793918"/>
+        <p14:creationId xmlns:p14="http://schemas.microsoft.com/office/powerpoint/2010/main" val="2685771419"/>
       </p:ext>
     </p:extLst>
   </p:cSld>
   <p:clrMapOvr>
     <a:masterClrMapping/>
   </p:clrMapOvr>
-  <p:timing>
-    <p:tnLst>
-      <p:par>
-        <p:cTn id="1" dur="indefinite" restart="never" nodeType="tmRoot"/>
-      </p:par>
-    </p:tnLst>
-  </p:timing>
 </p:sld>
 </file>
 
@@ -4858,7 +6112,7 @@
           <a:p>
             <a:r>
               <a:rPr lang="ru-RU" dirty="0" smtClean="0"/>
-              <a:t>Интерфейс программной системы</a:t>
+              <a:t>Проектирование архитектуры программной системы</a:t>
             </a:r>
             <a:endParaRPr lang="ru-RU" dirty="0"/>
           </a:p>
@@ -4874,12 +6128,40 @@
             <p:ph idx="1"/>
           </p:nvPr>
         </p:nvSpPr>
-        <p:spPr/>
+        <p:spPr>
+          <a:xfrm>
+            <a:off x="838200" y="848226"/>
+            <a:ext cx="10515600" cy="1432454"/>
+          </a:xfrm>
+        </p:spPr>
         <p:txBody>
           <a:bodyPr/>
           <a:lstStyle/>
           <a:p>
-            <a:endParaRPr lang="ru-RU"/>
+            <a:pPr marL="0" indent="0">
+              <a:buNone/>
+            </a:pPr>
+            <a:r>
+              <a:rPr lang="ru-RU" dirty="0" smtClean="0"/>
+              <a:t>Основной архитектурный шаблон проектирования: </a:t>
+            </a:r>
+            <a:r>
+              <a:rPr lang="en-US" dirty="0" smtClean="0"/>
+              <a:t>MVVM (</a:t>
+            </a:r>
+            <a:r>
+              <a:rPr lang="ru-RU" dirty="0" smtClean="0"/>
+              <a:t>Модель, Представление, Представление Модели)</a:t>
+            </a:r>
+          </a:p>
+          <a:p>
+            <a:pPr marL="0" indent="0">
+              <a:buNone/>
+            </a:pPr>
+            <a:r>
+              <a:rPr lang="ru-RU" dirty="0" smtClean="0"/>
+              <a:t>Классы для представления конечного автомата в программе:</a:t>
+            </a:r>
           </a:p>
         </p:txBody>
       </p:sp>
@@ -4906,23 +6188,38 @@
           </a:p>
         </p:txBody>
       </p:sp>
+      <p:pic>
+        <p:nvPicPr>
+          <p:cNvPr id="6" name="Рисунок 5"/>
+          <p:cNvPicPr/>
+          <p:nvPr/>
+        </p:nvPicPr>
+        <p:blipFill>
+          <a:blip r:embed="rId2"/>
+          <a:stretch>
+            <a:fillRect/>
+          </a:stretch>
+        </p:blipFill>
+        <p:spPr>
+          <a:xfrm>
+            <a:off x="838200" y="2460066"/>
+            <a:ext cx="8973311" cy="3716898"/>
+          </a:xfrm>
+          <a:prstGeom prst="rect">
+            <a:avLst/>
+          </a:prstGeom>
+        </p:spPr>
+      </p:pic>
     </p:spTree>
     <p:extLst>
       <p:ext uri="{BB962C8B-B14F-4D97-AF65-F5344CB8AC3E}">
-        <p14:creationId xmlns:p14="http://schemas.microsoft.com/office/powerpoint/2010/main" val="3000031124"/>
+        <p14:creationId xmlns:p14="http://schemas.microsoft.com/office/powerpoint/2010/main" val="2518371560"/>
       </p:ext>
     </p:extLst>
   </p:cSld>
   <p:clrMapOvr>
     <a:masterClrMapping/>
   </p:clrMapOvr>
-  <p:timing>
-    <p:tnLst>
-      <p:par>
-        <p:cTn id="1" dur="indefinite" restart="never" nodeType="tmRoot"/>
-      </p:par>
-    </p:tnLst>
-  </p:timing>
 </p:sld>
 </file>
 
@@ -4962,7 +6259,7 @@
           <a:p>
             <a:r>
               <a:rPr lang="ru-RU" dirty="0" smtClean="0"/>
-              <a:t>Тестирование программной системы</a:t>
+              <a:t>Разработка алгоритмов</a:t>
             </a:r>
             <a:endParaRPr lang="ru-RU" dirty="0"/>
           </a:p>
@@ -4978,12 +6275,299 @@
             <p:ph idx="1"/>
           </p:nvPr>
         </p:nvSpPr>
-        <p:spPr/>
-        <p:txBody>
-          <a:bodyPr/>
-          <a:lstStyle/>
-          <a:p>
-            <a:endParaRPr lang="ru-RU"/>
+        <p:spPr>
+          <a:xfrm>
+            <a:off x="838200" y="848226"/>
+            <a:ext cx="10515600" cy="5674494"/>
+          </a:xfrm>
+        </p:spPr>
+        <p:txBody>
+          <a:bodyPr>
+            <a:normAutofit fontScale="77500" lnSpcReduction="20000"/>
+          </a:bodyPr>
+          <a:lstStyle/>
+          <a:p>
+            <a:pPr marL="0" indent="0">
+              <a:buNone/>
+            </a:pPr>
+            <a:r>
+              <a:rPr lang="ru-RU" sz="3600" dirty="0" smtClean="0"/>
+              <a:t>Обобщённый алгоритм работы распознавателя:</a:t>
+            </a:r>
+          </a:p>
+          <a:p>
+            <a:pPr marL="0" indent="0">
+              <a:buNone/>
+            </a:pPr>
+            <a:r>
+              <a:rPr lang="ru-RU" sz="2100" dirty="0"/>
+              <a:t>тип </a:t>
+            </a:r>
+            <a:r>
+              <a:rPr lang="en-US" sz="2100" dirty="0" err="1"/>
+              <a:t>tCondition</a:t>
+            </a:r>
+            <a:r>
+              <a:rPr lang="en-US" sz="2100" dirty="0"/>
+              <a:t> [k] {</a:t>
+            </a:r>
+            <a:r>
+              <a:rPr lang="ru-RU" sz="2100" dirty="0"/>
+              <a:t>множество состояний}</a:t>
+            </a:r>
+          </a:p>
+          <a:p>
+            <a:pPr marL="0" indent="0">
+              <a:buNone/>
+            </a:pPr>
+            <a:r>
+              <a:rPr lang="ru-RU" sz="2100" dirty="0"/>
+              <a:t>тип </a:t>
+            </a:r>
+            <a:r>
+              <a:rPr lang="en-US" sz="2100" dirty="0" err="1"/>
+              <a:t>tAlpha</a:t>
+            </a:r>
+            <a:r>
+              <a:rPr lang="en-US" sz="2100" dirty="0"/>
+              <a:t> [n]{</a:t>
+            </a:r>
+            <a:r>
+              <a:rPr lang="ru-RU" sz="2100" dirty="0"/>
+              <a:t>множество входных символов}</a:t>
+            </a:r>
+          </a:p>
+          <a:p>
+            <a:pPr marL="0" indent="0">
+              <a:buNone/>
+            </a:pPr>
+            <a:r>
+              <a:rPr lang="ru-RU" sz="2100" dirty="0"/>
+              <a:t>тип (</a:t>
+            </a:r>
+            <a:r>
+              <a:rPr lang="en-US" sz="2100" dirty="0" err="1"/>
+              <a:t>tCondition</a:t>
+            </a:r>
+            <a:r>
+              <a:rPr lang="en-US" sz="2100" dirty="0"/>
+              <a:t>) </a:t>
+            </a:r>
+            <a:r>
+              <a:rPr lang="en-US" sz="2100" dirty="0" err="1"/>
+              <a:t>tJump</a:t>
+            </a:r>
+            <a:r>
+              <a:rPr lang="en-US" sz="2100" dirty="0"/>
+              <a:t> [k, n] {</a:t>
+            </a:r>
+            <a:r>
+              <a:rPr lang="ru-RU" sz="2100" dirty="0"/>
+              <a:t>таблица переходов}</a:t>
+            </a:r>
+          </a:p>
+          <a:p>
+            <a:pPr marL="0" indent="0">
+              <a:buNone/>
+            </a:pPr>
+            <a:r>
+              <a:rPr lang="ru-RU" sz="2100" dirty="0"/>
+              <a:t>тип (</a:t>
+            </a:r>
+            <a:r>
+              <a:rPr lang="en-US" sz="2100" dirty="0" err="1"/>
+              <a:t>tCondition</a:t>
+            </a:r>
+            <a:r>
+              <a:rPr lang="en-US" sz="2100" dirty="0"/>
+              <a:t>) Fin {</a:t>
+            </a:r>
+            <a:r>
+              <a:rPr lang="ru-RU" sz="2100" dirty="0"/>
+              <a:t>множество конечных состояний}</a:t>
+            </a:r>
+          </a:p>
+          <a:p>
+            <a:pPr marL="0" indent="0">
+              <a:buNone/>
+            </a:pPr>
+            <a:r>
+              <a:rPr lang="en-US" sz="2100" dirty="0"/>
+              <a:t>S {</a:t>
+            </a:r>
+            <a:r>
+              <a:rPr lang="ru-RU" sz="2100" dirty="0"/>
+              <a:t>начальное состояние}</a:t>
+            </a:r>
+          </a:p>
+          <a:p>
+            <a:pPr marL="0" indent="0">
+              <a:buNone/>
+            </a:pPr>
+            <a:r>
+              <a:rPr lang="ru-RU" sz="2100" dirty="0"/>
+              <a:t> </a:t>
+            </a:r>
+          </a:p>
+          <a:p>
+            <a:pPr marL="0" indent="0">
+              <a:buNone/>
+            </a:pPr>
+            <a:r>
+              <a:rPr lang="ru-RU" sz="2100" dirty="0"/>
+              <a:t>тип (</a:t>
+            </a:r>
+            <a:r>
+              <a:rPr lang="en-US" sz="2100" dirty="0" err="1"/>
+              <a:t>tCondition</a:t>
+            </a:r>
+            <a:r>
+              <a:rPr lang="en-US" sz="2100" dirty="0"/>
+              <a:t>) Cond =S; {</a:t>
+            </a:r>
+            <a:r>
+              <a:rPr lang="ru-RU" sz="2100" dirty="0"/>
+              <a:t>задается текущее состояние}</a:t>
+            </a:r>
+          </a:p>
+          <a:p>
+            <a:pPr marL="0" indent="0">
+              <a:buNone/>
+            </a:pPr>
+            <a:r>
+              <a:rPr lang="en-US" sz="2100" dirty="0"/>
+              <a:t>char </a:t>
+            </a:r>
+            <a:r>
+              <a:rPr lang="ru-RU" sz="2100" dirty="0"/>
+              <a:t>С</a:t>
+            </a:r>
+            <a:r>
+              <a:rPr lang="en-US" sz="2100" dirty="0"/>
+              <a:t>h; {</a:t>
+            </a:r>
+            <a:r>
+              <a:rPr lang="ru-RU" sz="2100" dirty="0"/>
+              <a:t>входной символ}</a:t>
+            </a:r>
+          </a:p>
+          <a:p>
+            <a:pPr marL="0" indent="0">
+              <a:buNone/>
+            </a:pPr>
+            <a:r>
+              <a:rPr lang="en-US" sz="2100" dirty="0"/>
+              <a:t>while ...</a:t>
+            </a:r>
+            <a:r>
+              <a:rPr lang="ru-RU" sz="2100" dirty="0"/>
+              <a:t>Есть символы</a:t>
+            </a:r>
+          </a:p>
+          <a:p>
+            <a:pPr marL="0" indent="0">
+              <a:buNone/>
+            </a:pPr>
+            <a:r>
+              <a:rPr lang="ru-RU" sz="2100" dirty="0"/>
+              <a:t>{</a:t>
+            </a:r>
+          </a:p>
+          <a:p>
+            <a:pPr marL="0" indent="0">
+              <a:buNone/>
+            </a:pPr>
+            <a:r>
+              <a:rPr lang="ru-RU" sz="2100" dirty="0"/>
+              <a:t>	читать (</a:t>
+            </a:r>
+            <a:r>
+              <a:rPr lang="en-US" sz="2100" dirty="0" err="1"/>
+              <a:t>Ch</a:t>
+            </a:r>
+            <a:r>
+              <a:rPr lang="en-US" sz="2100" dirty="0"/>
+              <a:t>); </a:t>
+            </a:r>
+          </a:p>
+          <a:p>
+            <a:pPr marL="0" indent="0">
+              <a:buNone/>
+            </a:pPr>
+            <a:r>
+              <a:rPr lang="en-US" sz="2100" dirty="0"/>
+              <a:t>	Cond = </a:t>
+            </a:r>
+            <a:r>
+              <a:rPr lang="en-US" sz="2100" dirty="0" err="1"/>
+              <a:t>tJump</a:t>
+            </a:r>
+            <a:r>
+              <a:rPr lang="en-US" sz="2100" dirty="0"/>
+              <a:t> [Cond, </a:t>
+            </a:r>
+            <a:r>
+              <a:rPr lang="en-US" sz="2100" dirty="0" err="1"/>
+              <a:t>Ch</a:t>
+            </a:r>
+            <a:r>
+              <a:rPr lang="en-US" sz="2100" dirty="0"/>
+              <a:t>] </a:t>
+            </a:r>
+          </a:p>
+          <a:p>
+            <a:pPr marL="0" indent="0">
+              <a:buNone/>
+            </a:pPr>
+            <a:r>
+              <a:rPr lang="en-US" sz="2100" dirty="0"/>
+              <a:t>} </a:t>
+            </a:r>
+          </a:p>
+          <a:p>
+            <a:pPr marL="0" indent="0">
+              <a:buNone/>
+            </a:pPr>
+            <a:r>
+              <a:rPr lang="en-US" sz="2100" dirty="0"/>
+              <a:t>if Cond in Fin </a:t>
+            </a:r>
+          </a:p>
+          <a:p>
+            <a:pPr marL="0" indent="0">
+              <a:buNone/>
+            </a:pPr>
+            <a:r>
+              <a:rPr lang="en-US" sz="2100" dirty="0"/>
+              <a:t>	</a:t>
+            </a:r>
+            <a:r>
+              <a:rPr lang="ru-RU" sz="2100" dirty="0"/>
+              <a:t>Цепочка принята</a:t>
+            </a:r>
+          </a:p>
+          <a:p>
+            <a:pPr marL="0" indent="0">
+              <a:buNone/>
+            </a:pPr>
+            <a:r>
+              <a:rPr lang="en-US" sz="2100" dirty="0"/>
+              <a:t>else </a:t>
+            </a:r>
+          </a:p>
+          <a:p>
+            <a:pPr marL="0" indent="0">
+              <a:buNone/>
+            </a:pPr>
+            <a:r>
+              <a:rPr lang="en-US" sz="2100" dirty="0"/>
+              <a:t>	</a:t>
+            </a:r>
+            <a:r>
+              <a:rPr lang="ru-RU" sz="2100" dirty="0"/>
+              <a:t>Цепочка не принята</a:t>
+            </a:r>
+            <a:endParaRPr lang="ru-RU" sz="2100" dirty="0" smtClean="0"/>
           </a:p>
         </p:txBody>
       </p:sp>
@@ -5013,7 +6597,7 @@
     </p:spTree>
     <p:extLst>
       <p:ext uri="{BB962C8B-B14F-4D97-AF65-F5344CB8AC3E}">
-        <p14:creationId xmlns:p14="http://schemas.microsoft.com/office/powerpoint/2010/main" val="2485835659"/>
+        <p14:creationId xmlns:p14="http://schemas.microsoft.com/office/powerpoint/2010/main" val="1047793918"/>
       </p:ext>
     </p:extLst>
   </p:cSld>
